--- a/docs/HealthMonitoring.pptx
+++ b/docs/HealthMonitoring.pptx
@@ -927,7 +927,7 @@
           <a:p>
             <a:fld id="{18438622-0837-4E9E-A16C-0B0206CE676E}" type="datetimeFigureOut">
               <a:rPr lang="en-US" smtClean="0"/>
-              <a:t>11/4/2019</a:t>
+              <a:t>11/5/2019</a:t>
             </a:fld>
             <a:endParaRPr lang="en-US"/>
           </a:p>
@@ -1291,6 +1291,538 @@
 </file>
 
 <file path=ppt/notesSlides/notesSlide2.xml><?xml version="1.0" encoding="utf-8"?>
+<p:notes xmlns:a="http://schemas.openxmlformats.org/drawingml/2006/main" xmlns:r="http://schemas.openxmlformats.org/officeDocument/2006/relationships" xmlns:p="http://schemas.openxmlformats.org/presentationml/2006/main">
+  <p:cSld>
+    <p:spTree>
+      <p:nvGrpSpPr>
+        <p:cNvPr id="1" name=""/>
+        <p:cNvGrpSpPr/>
+        <p:nvPr/>
+      </p:nvGrpSpPr>
+      <p:grpSpPr>
+        <a:xfrm>
+          <a:off x="0" y="0"/>
+          <a:ext cx="0" cy="0"/>
+          <a:chOff x="0" y="0"/>
+          <a:chExt cx="0" cy="0"/>
+        </a:xfrm>
+      </p:grpSpPr>
+      <p:sp>
+        <p:nvSpPr>
+          <p:cNvPr id="2" name="Slide Image Placeholder 1"/>
+          <p:cNvSpPr>
+            <a:spLocks noGrp="1" noRot="1" noChangeAspect="1"/>
+          </p:cNvSpPr>
+          <p:nvPr>
+            <p:ph type="sldImg"/>
+          </p:nvPr>
+        </p:nvSpPr>
+        <p:spPr/>
+      </p:sp>
+      <p:sp>
+        <p:nvSpPr>
+          <p:cNvPr id="3" name="Notes Placeholder 2"/>
+          <p:cNvSpPr>
+            <a:spLocks noGrp="1"/>
+          </p:cNvSpPr>
+          <p:nvPr>
+            <p:ph type="body" idx="1"/>
+          </p:nvPr>
+        </p:nvSpPr>
+        <p:spPr/>
+        <p:txBody>
+          <a:bodyPr/>
+          <a:lstStyle/>
+          <a:p>
+            <a:r>
+              <a:rPr lang="uk-UA" dirty="0"/>
+              <a:t>Хелс чек це швидка перевірка стану здоровя системи</a:t>
+            </a:r>
+          </a:p>
+          <a:p>
+            <a:r>
+              <a:rPr lang="uk-UA" dirty="0"/>
+              <a:t>Це швидкі індикатори які дають невеличку порцію інформації про стан системи</a:t>
+            </a:r>
+          </a:p>
+          <a:p>
+            <a:r>
+              <a:rPr lang="uk-UA" dirty="0"/>
+              <a:t>Якщо хелс чек виконується більше 30 секунд – скоріше за все десь є проблема.</a:t>
+            </a:r>
+          </a:p>
+          <a:p>
+            <a:r>
+              <a:rPr lang="uk-UA" dirty="0"/>
+              <a:t>Якщо ж нам потрібно зберегти історію здоровя системи – тоді це вже завдання для системи моніторингу здоровя.</a:t>
+            </a:r>
+            <a:endParaRPr lang="en-US" dirty="0"/>
+          </a:p>
+        </p:txBody>
+      </p:sp>
+      <p:sp>
+        <p:nvSpPr>
+          <p:cNvPr id="4" name="Slide Number Placeholder 3"/>
+          <p:cNvSpPr>
+            <a:spLocks noGrp="1"/>
+          </p:cNvSpPr>
+          <p:nvPr>
+            <p:ph type="sldNum" sz="quarter" idx="5"/>
+          </p:nvPr>
+        </p:nvSpPr>
+        <p:spPr/>
+        <p:txBody>
+          <a:bodyPr/>
+          <a:lstStyle/>
+          <a:p>
+            <a:fld id="{E0AE778D-2A57-4226-B72B-26EA3CA60131}" type="slidenum">
+              <a:rPr lang="en-US" smtClean="0"/>
+              <a:t>2</a:t>
+            </a:fld>
+            <a:endParaRPr lang="en-US"/>
+          </a:p>
+        </p:txBody>
+      </p:sp>
+    </p:spTree>
+    <p:extLst>
+      <p:ext uri="{BB962C8B-B14F-4D97-AF65-F5344CB8AC3E}">
+        <p14:creationId xmlns:p14="http://schemas.microsoft.com/office/powerpoint/2010/main" val="3355023181"/>
+      </p:ext>
+    </p:extLst>
+  </p:cSld>
+  <p:clrMapOvr>
+    <a:masterClrMapping/>
+  </p:clrMapOvr>
+</p:notes>
+</file>
+
+<file path=ppt/notesSlides/notesSlide3.xml><?xml version="1.0" encoding="utf-8"?>
+<p:notes xmlns:a="http://schemas.openxmlformats.org/drawingml/2006/main" xmlns:r="http://schemas.openxmlformats.org/officeDocument/2006/relationships" xmlns:p="http://schemas.openxmlformats.org/presentationml/2006/main">
+  <p:cSld>
+    <p:spTree>
+      <p:nvGrpSpPr>
+        <p:cNvPr id="1" name=""/>
+        <p:cNvGrpSpPr/>
+        <p:nvPr/>
+      </p:nvGrpSpPr>
+      <p:grpSpPr>
+        <a:xfrm>
+          <a:off x="0" y="0"/>
+          <a:ext cx="0" cy="0"/>
+          <a:chOff x="0" y="0"/>
+          <a:chExt cx="0" cy="0"/>
+        </a:xfrm>
+      </p:grpSpPr>
+      <p:sp>
+        <p:nvSpPr>
+          <p:cNvPr id="2" name="Slide Image Placeholder 1"/>
+          <p:cNvSpPr>
+            <a:spLocks noGrp="1" noRot="1" noChangeAspect="1"/>
+          </p:cNvSpPr>
+          <p:nvPr>
+            <p:ph type="sldImg"/>
+          </p:nvPr>
+        </p:nvSpPr>
+        <p:spPr/>
+      </p:sp>
+      <p:sp>
+        <p:nvSpPr>
+          <p:cNvPr id="3" name="Notes Placeholder 2"/>
+          <p:cNvSpPr>
+            <a:spLocks noGrp="1"/>
+          </p:cNvSpPr>
+          <p:nvPr>
+            <p:ph type="body" idx="1"/>
+          </p:nvPr>
+        </p:nvSpPr>
+        <p:spPr/>
+        <p:txBody>
+          <a:bodyPr/>
+          <a:lstStyle/>
+          <a:p>
+            <a:r>
+              <a:rPr lang="uk-UA" dirty="0"/>
+              <a:t>Хелс моніториг це активності направлені на утримання системи і робочому стані, </a:t>
+            </a:r>
+          </a:p>
+          <a:p>
+            <a:r>
+              <a:rPr lang="uk-UA" dirty="0"/>
+              <a:t>які можуть бути вироджені тільки до спостерігання за поточним станом здоровя системи.</a:t>
+            </a:r>
+            <a:endParaRPr lang="en-US" dirty="0"/>
+          </a:p>
+        </p:txBody>
+      </p:sp>
+      <p:sp>
+        <p:nvSpPr>
+          <p:cNvPr id="4" name="Slide Number Placeholder 3"/>
+          <p:cNvSpPr>
+            <a:spLocks noGrp="1"/>
+          </p:cNvSpPr>
+          <p:nvPr>
+            <p:ph type="sldNum" sz="quarter" idx="5"/>
+          </p:nvPr>
+        </p:nvSpPr>
+        <p:spPr/>
+        <p:txBody>
+          <a:bodyPr/>
+          <a:lstStyle/>
+          <a:p>
+            <a:fld id="{E0AE778D-2A57-4226-B72B-26EA3CA60131}" type="slidenum">
+              <a:rPr lang="en-US" smtClean="0"/>
+              <a:t>3</a:t>
+            </a:fld>
+            <a:endParaRPr lang="en-US"/>
+          </a:p>
+        </p:txBody>
+      </p:sp>
+    </p:spTree>
+    <p:extLst>
+      <p:ext uri="{BB962C8B-B14F-4D97-AF65-F5344CB8AC3E}">
+        <p14:creationId xmlns:p14="http://schemas.microsoft.com/office/powerpoint/2010/main" val="1636871535"/>
+      </p:ext>
+    </p:extLst>
+  </p:cSld>
+  <p:clrMapOvr>
+    <a:masterClrMapping/>
+  </p:clrMapOvr>
+</p:notes>
+</file>
+
+<file path=ppt/notesSlides/notesSlide4.xml><?xml version="1.0" encoding="utf-8"?>
+<p:notes xmlns:a="http://schemas.openxmlformats.org/drawingml/2006/main" xmlns:r="http://schemas.openxmlformats.org/officeDocument/2006/relationships" xmlns:p="http://schemas.openxmlformats.org/presentationml/2006/main">
+  <p:cSld>
+    <p:spTree>
+      <p:nvGrpSpPr>
+        <p:cNvPr id="1" name=""/>
+        <p:cNvGrpSpPr/>
+        <p:nvPr/>
+      </p:nvGrpSpPr>
+      <p:grpSpPr>
+        <a:xfrm>
+          <a:off x="0" y="0"/>
+          <a:ext cx="0" cy="0"/>
+          <a:chOff x="0" y="0"/>
+          <a:chExt cx="0" cy="0"/>
+        </a:xfrm>
+      </p:grpSpPr>
+      <p:sp>
+        <p:nvSpPr>
+          <p:cNvPr id="2" name="Slide Image Placeholder 1"/>
+          <p:cNvSpPr>
+            <a:spLocks noGrp="1" noRot="1" noChangeAspect="1"/>
+          </p:cNvSpPr>
+          <p:nvPr>
+            <p:ph type="sldImg"/>
+          </p:nvPr>
+        </p:nvSpPr>
+        <p:spPr/>
+      </p:sp>
+      <p:sp>
+        <p:nvSpPr>
+          <p:cNvPr id="3" name="Notes Placeholder 2"/>
+          <p:cNvSpPr>
+            <a:spLocks noGrp="1"/>
+          </p:cNvSpPr>
+          <p:nvPr>
+            <p:ph type="body" idx="1"/>
+          </p:nvPr>
+        </p:nvSpPr>
+        <p:spPr/>
+        <p:txBody>
+          <a:bodyPr/>
+          <a:lstStyle/>
+          <a:p>
+            <a:r>
+              <a:rPr lang="uk-UA" dirty="0"/>
+              <a:t>Зі слайду</a:t>
+            </a:r>
+            <a:endParaRPr lang="en-US" dirty="0"/>
+          </a:p>
+        </p:txBody>
+      </p:sp>
+      <p:sp>
+        <p:nvSpPr>
+          <p:cNvPr id="4" name="Slide Number Placeholder 3"/>
+          <p:cNvSpPr>
+            <a:spLocks noGrp="1"/>
+          </p:cNvSpPr>
+          <p:nvPr>
+            <p:ph type="sldNum" sz="quarter" idx="5"/>
+          </p:nvPr>
+        </p:nvSpPr>
+        <p:spPr/>
+        <p:txBody>
+          <a:bodyPr/>
+          <a:lstStyle/>
+          <a:p>
+            <a:fld id="{E0AE778D-2A57-4226-B72B-26EA3CA60131}" type="slidenum">
+              <a:rPr lang="en-US" smtClean="0"/>
+              <a:t>4</a:t>
+            </a:fld>
+            <a:endParaRPr lang="en-US"/>
+          </a:p>
+        </p:txBody>
+      </p:sp>
+    </p:spTree>
+    <p:extLst>
+      <p:ext uri="{BB962C8B-B14F-4D97-AF65-F5344CB8AC3E}">
+        <p14:creationId xmlns:p14="http://schemas.microsoft.com/office/powerpoint/2010/main" val="2368959970"/>
+      </p:ext>
+    </p:extLst>
+  </p:cSld>
+  <p:clrMapOvr>
+    <a:masterClrMapping/>
+  </p:clrMapOvr>
+</p:notes>
+</file>
+
+<file path=ppt/notesSlides/notesSlide5.xml><?xml version="1.0" encoding="utf-8"?>
+<p:notes xmlns:a="http://schemas.openxmlformats.org/drawingml/2006/main" xmlns:r="http://schemas.openxmlformats.org/officeDocument/2006/relationships" xmlns:p="http://schemas.openxmlformats.org/presentationml/2006/main">
+  <p:cSld>
+    <p:spTree>
+      <p:nvGrpSpPr>
+        <p:cNvPr id="1" name=""/>
+        <p:cNvGrpSpPr/>
+        <p:nvPr/>
+      </p:nvGrpSpPr>
+      <p:grpSpPr>
+        <a:xfrm>
+          <a:off x="0" y="0"/>
+          <a:ext cx="0" cy="0"/>
+          <a:chOff x="0" y="0"/>
+          <a:chExt cx="0" cy="0"/>
+        </a:xfrm>
+      </p:grpSpPr>
+      <p:sp>
+        <p:nvSpPr>
+          <p:cNvPr id="2" name="Slide Image Placeholder 1"/>
+          <p:cNvSpPr>
+            <a:spLocks noGrp="1" noRot="1" noChangeAspect="1"/>
+          </p:cNvSpPr>
+          <p:nvPr>
+            <p:ph type="sldImg"/>
+          </p:nvPr>
+        </p:nvSpPr>
+        <p:spPr/>
+      </p:sp>
+      <p:sp>
+        <p:nvSpPr>
+          <p:cNvPr id="3" name="Notes Placeholder 2"/>
+          <p:cNvSpPr>
+            <a:spLocks noGrp="1"/>
+          </p:cNvSpPr>
+          <p:nvPr>
+            <p:ph type="body" idx="1"/>
+          </p:nvPr>
+        </p:nvSpPr>
+        <p:spPr/>
+        <p:txBody>
+          <a:bodyPr/>
+          <a:lstStyle/>
+          <a:p>
+            <a:r>
+              <a:rPr lang="uk-UA" dirty="0"/>
+              <a:t>У </a:t>
+            </a:r>
+            <a:r>
+              <a:rPr lang="en-US" dirty="0"/>
+              <a:t>ASP.NET Core </a:t>
+            </a:r>
+            <a:r>
+              <a:rPr lang="uk-UA" dirty="0"/>
+              <a:t>є можливість прямо у </a:t>
+            </a:r>
+            <a:r>
+              <a:rPr lang="en-US" sz="1200" dirty="0"/>
+              <a:t>Startup class</a:t>
+            </a:r>
+            <a:r>
+              <a:rPr lang="uk-UA" sz="1200" dirty="0"/>
+              <a:t> додати додаткові перевірки стану системи.</a:t>
+            </a:r>
+            <a:endParaRPr lang="en-US" dirty="0"/>
+          </a:p>
+        </p:txBody>
+      </p:sp>
+      <p:sp>
+        <p:nvSpPr>
+          <p:cNvPr id="4" name="Slide Number Placeholder 3"/>
+          <p:cNvSpPr>
+            <a:spLocks noGrp="1"/>
+          </p:cNvSpPr>
+          <p:nvPr>
+            <p:ph type="sldNum" sz="quarter" idx="5"/>
+          </p:nvPr>
+        </p:nvSpPr>
+        <p:spPr/>
+        <p:txBody>
+          <a:bodyPr/>
+          <a:lstStyle/>
+          <a:p>
+            <a:fld id="{E0AE778D-2A57-4226-B72B-26EA3CA60131}" type="slidenum">
+              <a:rPr lang="en-US" smtClean="0"/>
+              <a:t>5</a:t>
+            </a:fld>
+            <a:endParaRPr lang="en-US"/>
+          </a:p>
+        </p:txBody>
+      </p:sp>
+    </p:spTree>
+    <p:extLst>
+      <p:ext uri="{BB962C8B-B14F-4D97-AF65-F5344CB8AC3E}">
+        <p14:creationId xmlns:p14="http://schemas.microsoft.com/office/powerpoint/2010/main" val="1075608097"/>
+      </p:ext>
+    </p:extLst>
+  </p:cSld>
+  <p:clrMapOvr>
+    <a:masterClrMapping/>
+  </p:clrMapOvr>
+</p:notes>
+</file>
+
+<file path=ppt/notesSlides/notesSlide6.xml><?xml version="1.0" encoding="utf-8"?>
+<p:notes xmlns:a="http://schemas.openxmlformats.org/drawingml/2006/main" xmlns:r="http://schemas.openxmlformats.org/officeDocument/2006/relationships" xmlns:p="http://schemas.openxmlformats.org/presentationml/2006/main">
+  <p:cSld>
+    <p:spTree>
+      <p:nvGrpSpPr>
+        <p:cNvPr id="1" name=""/>
+        <p:cNvGrpSpPr/>
+        <p:nvPr/>
+      </p:nvGrpSpPr>
+      <p:grpSpPr>
+        <a:xfrm>
+          <a:off x="0" y="0"/>
+          <a:ext cx="0" cy="0"/>
+          <a:chOff x="0" y="0"/>
+          <a:chExt cx="0" cy="0"/>
+        </a:xfrm>
+      </p:grpSpPr>
+      <p:sp>
+        <p:nvSpPr>
+          <p:cNvPr id="2" name="Slide Image Placeholder 1"/>
+          <p:cNvSpPr>
+            <a:spLocks noGrp="1" noRot="1" noChangeAspect="1"/>
+          </p:cNvSpPr>
+          <p:nvPr>
+            <p:ph type="sldImg"/>
+          </p:nvPr>
+        </p:nvSpPr>
+        <p:spPr/>
+      </p:sp>
+      <p:sp>
+        <p:nvSpPr>
+          <p:cNvPr id="3" name="Notes Placeholder 2"/>
+          <p:cNvSpPr>
+            <a:spLocks noGrp="1"/>
+          </p:cNvSpPr>
+          <p:nvPr>
+            <p:ph type="body" idx="1"/>
+          </p:nvPr>
+        </p:nvSpPr>
+        <p:spPr/>
+        <p:txBody>
+          <a:bodyPr/>
+          <a:lstStyle/>
+          <a:p>
+            <a:r>
+              <a:rPr lang="uk-UA" dirty="0"/>
+              <a:t>Також щоб додати власний хелс чек можна реалізувати інтерфейс </a:t>
+            </a:r>
+            <a:r>
+              <a:rPr kumimoji="0" lang="en-US" altLang="en-US" sz="1200" b="0" i="0" u="none" strike="noStrike" cap="none" normalizeH="0" baseline="0" dirty="0" err="1">
+                <a:ln>
+                  <a:noFill/>
+                </a:ln>
+                <a:solidFill>
+                  <a:srgbClr val="2B91AF"/>
+                </a:solidFill>
+                <a:effectLst/>
+                <a:latin typeface="inherit"/>
+              </a:rPr>
+              <a:t>IHealthCheck</a:t>
+            </a:r>
+            <a:r>
+              <a:rPr kumimoji="0" lang="uk-UA" altLang="en-US" sz="1200" b="0" i="0" u="none" strike="noStrike" cap="none" normalizeH="0" baseline="0" dirty="0">
+                <a:ln>
+                  <a:noFill/>
+                </a:ln>
+                <a:solidFill>
+                  <a:srgbClr val="2B91AF"/>
+                </a:solidFill>
+                <a:effectLst/>
+                <a:latin typeface="inherit"/>
+              </a:rPr>
+              <a:t> який містить метод </a:t>
+            </a:r>
+            <a:r>
+              <a:rPr kumimoji="0" lang="en-US" altLang="en-US" sz="1200" b="0" i="0" u="none" strike="noStrike" cap="none" normalizeH="0" baseline="0" dirty="0" err="1">
+                <a:ln>
+                  <a:noFill/>
+                </a:ln>
+                <a:solidFill>
+                  <a:srgbClr val="74531F"/>
+                </a:solidFill>
+                <a:effectLst/>
+                <a:latin typeface="inherit"/>
+              </a:rPr>
+              <a:t>CheckHealthAsync</a:t>
+            </a:r>
+            <a:r>
+              <a:rPr kumimoji="0" lang="uk-UA" altLang="en-US" sz="1200" b="0" i="0" u="none" strike="noStrike" cap="none" normalizeH="0" baseline="0" dirty="0">
+                <a:ln>
+                  <a:noFill/>
+                </a:ln>
+                <a:solidFill>
+                  <a:srgbClr val="74531F"/>
+                </a:solidFill>
+                <a:effectLst/>
+                <a:latin typeface="inherit"/>
+              </a:rPr>
+              <a:t>, та підключити його до загальної перевірки.</a:t>
+            </a:r>
+            <a:endParaRPr lang="en-US" dirty="0"/>
+          </a:p>
+        </p:txBody>
+      </p:sp>
+      <p:sp>
+        <p:nvSpPr>
+          <p:cNvPr id="4" name="Slide Number Placeholder 3"/>
+          <p:cNvSpPr>
+            <a:spLocks noGrp="1"/>
+          </p:cNvSpPr>
+          <p:nvPr>
+            <p:ph type="sldNum" sz="quarter" idx="5"/>
+          </p:nvPr>
+        </p:nvSpPr>
+        <p:spPr/>
+        <p:txBody>
+          <a:bodyPr/>
+          <a:lstStyle/>
+          <a:p>
+            <a:fld id="{E0AE778D-2A57-4226-B72B-26EA3CA60131}" type="slidenum">
+              <a:rPr lang="en-US" smtClean="0"/>
+              <a:t>6</a:t>
+            </a:fld>
+            <a:endParaRPr lang="en-US"/>
+          </a:p>
+        </p:txBody>
+      </p:sp>
+    </p:spTree>
+    <p:extLst>
+      <p:ext uri="{BB962C8B-B14F-4D97-AF65-F5344CB8AC3E}">
+        <p14:creationId xmlns:p14="http://schemas.microsoft.com/office/powerpoint/2010/main" val="1589147661"/>
+      </p:ext>
+    </p:extLst>
+  </p:cSld>
+  <p:clrMapOvr>
+    <a:masterClrMapping/>
+  </p:clrMapOvr>
+</p:notes>
+</file>
+
+<file path=ppt/notesSlides/notesSlide7.xml><?xml version="1.0" encoding="utf-8"?>
 <p:notes xmlns:a="http://schemas.openxmlformats.org/drawingml/2006/main" xmlns:r="http://schemas.openxmlformats.org/officeDocument/2006/relationships" xmlns:p="http://schemas.openxmlformats.org/presentationml/2006/main">
   <p:cSld>
     <p:spTree>
@@ -2582,7 +3114,7 @@
           <a:p>
             <a:fld id="{E885B747-BE7F-405E-BE85-338BBEB3E80C}" type="datetimeFigureOut">
               <a:rPr lang="en-GB" smtClean="0"/>
-              <a:t>04/11/2019</a:t>
+              <a:t>05/11/2019</a:t>
             </a:fld>
             <a:endParaRPr lang="en-GB"/>
           </a:p>
@@ -13178,7 +13710,7 @@
                 </a:solidFill>
                 <a:latin typeface="inherit"/>
               </a:rPr>
-              <a:t> – ping succeeded with no errors and timeouts</a:t>
+              <a:t> – check succeeded with no errors and timeouts</a:t>
             </a:r>
           </a:p>
           <a:p>
@@ -13202,7 +13734,7 @@
                 </a:solidFill>
                 <a:latin typeface="inherit"/>
               </a:rPr>
-              <a:t> – ping succeeded but it took too long</a:t>
+              <a:t> – check succeeded but it took too long</a:t>
             </a:r>
           </a:p>
           <a:p>
@@ -13226,7 +13758,7 @@
                 </a:solidFill>
                 <a:latin typeface="inherit"/>
               </a:rPr>
-              <a:t> – ping failed or exception was thrown.</a:t>
+              <a:t> – check failed or exception was thrown</a:t>
             </a:r>
             <a:endParaRPr lang="en-US" sz="2200" b="0" i="0" dirty="0">
               <a:solidFill>
@@ -18462,6 +18994,24 @@
 </file>
 
 <file path=customXml/item1.xml><?xml version="1.0" encoding="utf-8"?>
+<p:properties xmlns:p="http://schemas.microsoft.com/office/2006/metadata/properties" xmlns:xsi="http://www.w3.org/2001/XMLSchema-instance" xmlns:pc="http://schemas.microsoft.com/office/infopath/2007/PartnerControls">
+  <documentManagement>
+    <_ip_UnifiedCompliancePolicyProperties xmlns="http://schemas.microsoft.com/sharepoint/v3" xsi:nil="true"/>
+    <_ip_UnifiedCompliancePolicyUIAction xmlns="http://schemas.microsoft.com/sharepoint/v3" xsi:nil="true"/>
+    <LastSharedByUser xmlns="11245976-3b4d-4794-a754-317688483df2">jogallow@microsoft.com</LastSharedByUser>
+    <SharedWithUsers xmlns="11245976-3b4d-4794-a754-317688483df2">
+      <UserInfo>
+        <DisplayName>Martin Woodward</DisplayName>
+        <AccountId>67</AccountId>
+        <AccountType/>
+      </UserInfo>
+    </SharedWithUsers>
+    <LastSharedByTime xmlns="11245976-3b4d-4794-a754-317688483df2">2018-03-16T04:12:59+00:00</LastSharedByTime>
+  </documentManagement>
+</p:properties>
+</file>
+
+<file path=customXml/item2.xml><?xml version="1.0" encoding="utf-8"?>
 <ct:contentTypeSchema xmlns:ct="http://schemas.microsoft.com/office/2006/metadata/contentType" xmlns:ma="http://schemas.microsoft.com/office/2006/metadata/properties/metaAttributes" ct:_="" ma:_="" ma:contentTypeName="Document" ma:contentTypeID="0x01010022F88B0CCF1BBA489747F146E6B5E06D" ma:contentTypeVersion="11" ma:contentTypeDescription="Create a new document." ma:contentTypeScope="" ma:versionID="4679f38185fefde8b23806f702b522cc">
   <xsd:schema xmlns:xsd="http://www.w3.org/2001/XMLSchema" xmlns:xs="http://www.w3.org/2001/XMLSchema" xmlns:p="http://schemas.microsoft.com/office/2006/metadata/properties" xmlns:ns1="http://schemas.microsoft.com/sharepoint/v3" xmlns:ns2="569b343d-e775-480b-9b2b-6a6986deb9b0" xmlns:ns3="11245976-3b4d-4794-a754-317688483df2" targetNamespace="http://schemas.microsoft.com/office/2006/metadata/properties" ma:root="true" ma:fieldsID="366371b317520ec9a5ad3c1303c823ef" ns1:_="" ns2:_="" ns3:_="">
     <xsd:import namespace="http://schemas.microsoft.com/sharepoint/v3"/>
@@ -18675,24 +19225,6 @@
 </ct:contentTypeSchema>
 </file>
 
-<file path=customXml/item2.xml><?xml version="1.0" encoding="utf-8"?>
-<p:properties xmlns:p="http://schemas.microsoft.com/office/2006/metadata/properties" xmlns:xsi="http://www.w3.org/2001/XMLSchema-instance" xmlns:pc="http://schemas.microsoft.com/office/infopath/2007/PartnerControls">
-  <documentManagement>
-    <_ip_UnifiedCompliancePolicyProperties xmlns="http://schemas.microsoft.com/sharepoint/v3" xsi:nil="true"/>
-    <_ip_UnifiedCompliancePolicyUIAction xmlns="http://schemas.microsoft.com/sharepoint/v3" xsi:nil="true"/>
-    <LastSharedByUser xmlns="11245976-3b4d-4794-a754-317688483df2">jogallow@microsoft.com</LastSharedByUser>
-    <SharedWithUsers xmlns="11245976-3b4d-4794-a754-317688483df2">
-      <UserInfo>
-        <DisplayName>Martin Woodward</DisplayName>
-        <AccountId>67</AccountId>
-        <AccountType/>
-      </UserInfo>
-    </SharedWithUsers>
-    <LastSharedByTime xmlns="11245976-3b4d-4794-a754-317688483df2">2018-03-16T04:12:59+00:00</LastSharedByTime>
-  </documentManagement>
-</p:properties>
-</file>
-
 <file path=customXml/item3.xml><?xml version="1.0" encoding="utf-8"?>
 <?mso-contentType ?>
 <FormTemplates xmlns="http://schemas.microsoft.com/sharepoint/v3/contenttype/forms">
@@ -18703,6 +19235,17 @@
 </file>
 
 <file path=customXml/itemProps1.xml><?xml version="1.0" encoding="utf-8"?>
+<ds:datastoreItem xmlns:ds="http://schemas.openxmlformats.org/officeDocument/2006/customXml" ds:itemID="{D23E43D6-DB2F-4C33-A8C8-D28F777A5DE7}">
+  <ds:schemaRefs>
+    <ds:schemaRef ds:uri="http://schemas.microsoft.com/office/2006/metadata/properties"/>
+    <ds:schemaRef ds:uri="http://schemas.microsoft.com/office/infopath/2007/PartnerControls"/>
+    <ds:schemaRef ds:uri="http://schemas.microsoft.com/sharepoint/v3"/>
+    <ds:schemaRef ds:uri="11245976-3b4d-4794-a754-317688483df2"/>
+  </ds:schemaRefs>
+</ds:datastoreItem>
+</file>
+
+<file path=customXml/itemProps2.xml><?xml version="1.0" encoding="utf-8"?>
 <ds:datastoreItem xmlns:ds="http://schemas.openxmlformats.org/officeDocument/2006/customXml" ds:itemID="{16E8CB18-CF19-487B-A6ED-834044BC878F}">
   <ds:schemaRefs>
     <ds:schemaRef ds:uri="http://schemas.microsoft.com/office/2006/metadata/contentType"/>
@@ -18722,17 +19265,6 @@
 </ds:datastoreItem>
 </file>
 
-<file path=customXml/itemProps2.xml><?xml version="1.0" encoding="utf-8"?>
-<ds:datastoreItem xmlns:ds="http://schemas.openxmlformats.org/officeDocument/2006/customXml" ds:itemID="{D23E43D6-DB2F-4C33-A8C8-D28F777A5DE7}">
-  <ds:schemaRefs>
-    <ds:schemaRef ds:uri="http://schemas.microsoft.com/office/2006/metadata/properties"/>
-    <ds:schemaRef ds:uri="http://schemas.microsoft.com/office/infopath/2007/PartnerControls"/>
-    <ds:schemaRef ds:uri="http://schemas.microsoft.com/sharepoint/v3"/>
-    <ds:schemaRef ds:uri="11245976-3b4d-4794-a754-317688483df2"/>
-  </ds:schemaRefs>
-</ds:datastoreItem>
-</file>
-
 <file path=customXml/itemProps3.xml><?xml version="1.0" encoding="utf-8"?>
 <ds:datastoreItem xmlns:ds="http://schemas.openxmlformats.org/officeDocument/2006/customXml" ds:itemID="{093821A7-5528-48BE-BD00-067FBFDD28D5}">
   <ds:schemaRefs>

--- a/docs/HealthMonitoring.pptx
+++ b/docs/HealthMonitoring.pptx
@@ -1290,6 +1290,646 @@
 </p:notes>
 </file>
 
+<file path=ppt/notesSlides/notesSlide10.xml><?xml version="1.0" encoding="utf-8"?>
+<p:notes xmlns:a="http://schemas.openxmlformats.org/drawingml/2006/main" xmlns:r="http://schemas.openxmlformats.org/officeDocument/2006/relationships" xmlns:p="http://schemas.openxmlformats.org/presentationml/2006/main">
+  <p:cSld>
+    <p:spTree>
+      <p:nvGrpSpPr>
+        <p:cNvPr id="1" name=""/>
+        <p:cNvGrpSpPr/>
+        <p:nvPr/>
+      </p:nvGrpSpPr>
+      <p:grpSpPr>
+        <a:xfrm>
+          <a:off x="0" y="0"/>
+          <a:ext cx="0" cy="0"/>
+          <a:chOff x="0" y="0"/>
+          <a:chExt cx="0" cy="0"/>
+        </a:xfrm>
+      </p:grpSpPr>
+      <p:sp>
+        <p:nvSpPr>
+          <p:cNvPr id="2" name="Slide Image Placeholder 1"/>
+          <p:cNvSpPr>
+            <a:spLocks noGrp="1" noRot="1" noChangeAspect="1"/>
+          </p:cNvSpPr>
+          <p:nvPr>
+            <p:ph type="sldImg"/>
+          </p:nvPr>
+        </p:nvSpPr>
+        <p:spPr/>
+      </p:sp>
+      <p:sp>
+        <p:nvSpPr>
+          <p:cNvPr id="3" name="Notes Placeholder 2"/>
+          <p:cNvSpPr>
+            <a:spLocks noGrp="1"/>
+          </p:cNvSpPr>
+          <p:nvPr>
+            <p:ph type="body" idx="1"/>
+          </p:nvPr>
+        </p:nvSpPr>
+        <p:spPr/>
+        <p:txBody>
+          <a:bodyPr/>
+          <a:lstStyle/>
+          <a:p>
+            <a:r>
+              <a:rPr lang="uk-UA" dirty="0"/>
+              <a:t>Передавання хелс метрик із </a:t>
+            </a:r>
+            <a:r>
+              <a:rPr lang="en-US" dirty="0"/>
+              <a:t>Asp.net core app </a:t>
+            </a:r>
+            <a:r>
+              <a:rPr lang="uk-UA" dirty="0"/>
+              <a:t>можливе або через реалізацію та реєстрацію </a:t>
+            </a:r>
+            <a:r>
+              <a:rPr lang="en-US" sz="1200" dirty="0" err="1"/>
+              <a:t>IHealthCheckPublisher</a:t>
+            </a:r>
+            <a:r>
+              <a:rPr lang="uk-UA" sz="1200" dirty="0"/>
+              <a:t>.</a:t>
+            </a:r>
+          </a:p>
+          <a:p>
+            <a:r>
+              <a:rPr lang="uk-UA" sz="1200" dirty="0"/>
+              <a:t>тоді система буде періодично збирати та передавати </a:t>
+            </a:r>
+            <a:r>
+              <a:rPr lang="en-US" sz="1200" dirty="0" err="1"/>
+              <a:t>IHealthCheckPublisher</a:t>
+            </a:r>
+            <a:r>
+              <a:rPr lang="uk-UA" sz="1200" dirty="0"/>
+              <a:t> хелс метрики а він буде уже їх публікувати де захоче.</a:t>
+            </a:r>
+          </a:p>
+          <a:p>
+            <a:r>
+              <a:rPr lang="uk-UA" sz="1200" dirty="0"/>
+              <a:t>Або через реєстрацію </a:t>
+            </a:r>
+            <a:r>
+              <a:rPr lang="en-US" sz="1200" dirty="0" err="1"/>
+              <a:t>AppMetricsHealthCheckPublisher</a:t>
+            </a:r>
+            <a:r>
+              <a:rPr lang="uk-UA" sz="1200" dirty="0"/>
+              <a:t> який є у </a:t>
+            </a:r>
+            <a:r>
+              <a:rPr lang="en-US" dirty="0" err="1"/>
+              <a:t>AppMetrics</a:t>
+            </a:r>
+            <a:r>
+              <a:rPr lang="uk-UA" dirty="0"/>
+              <a:t>.</a:t>
+            </a:r>
+            <a:r>
+              <a:rPr lang="uk-UA" sz="1200" dirty="0"/>
+              <a:t> </a:t>
+            </a:r>
+            <a:endParaRPr lang="en-US" dirty="0"/>
+          </a:p>
+        </p:txBody>
+      </p:sp>
+      <p:sp>
+        <p:nvSpPr>
+          <p:cNvPr id="4" name="Slide Number Placeholder 3"/>
+          <p:cNvSpPr>
+            <a:spLocks noGrp="1"/>
+          </p:cNvSpPr>
+          <p:nvPr>
+            <p:ph type="sldNum" sz="quarter" idx="5"/>
+          </p:nvPr>
+        </p:nvSpPr>
+        <p:spPr/>
+        <p:txBody>
+          <a:bodyPr/>
+          <a:lstStyle/>
+          <a:p>
+            <a:fld id="{E0AE778D-2A57-4226-B72B-26EA3CA60131}" type="slidenum">
+              <a:rPr lang="en-US" smtClean="0"/>
+              <a:t>10</a:t>
+            </a:fld>
+            <a:endParaRPr lang="en-US"/>
+          </a:p>
+        </p:txBody>
+      </p:sp>
+    </p:spTree>
+    <p:extLst>
+      <p:ext uri="{BB962C8B-B14F-4D97-AF65-F5344CB8AC3E}">
+        <p14:creationId xmlns:p14="http://schemas.microsoft.com/office/powerpoint/2010/main" val="2727921497"/>
+      </p:ext>
+    </p:extLst>
+  </p:cSld>
+  <p:clrMapOvr>
+    <a:masterClrMapping/>
+  </p:clrMapOvr>
+</p:notes>
+</file>
+
+<file path=ppt/notesSlides/notesSlide11.xml><?xml version="1.0" encoding="utf-8"?>
+<p:notes xmlns:a="http://schemas.openxmlformats.org/drawingml/2006/main" xmlns:r="http://schemas.openxmlformats.org/officeDocument/2006/relationships" xmlns:p="http://schemas.openxmlformats.org/presentationml/2006/main">
+  <p:cSld>
+    <p:spTree>
+      <p:nvGrpSpPr>
+        <p:cNvPr id="1" name=""/>
+        <p:cNvGrpSpPr/>
+        <p:nvPr/>
+      </p:nvGrpSpPr>
+      <p:grpSpPr>
+        <a:xfrm>
+          <a:off x="0" y="0"/>
+          <a:ext cx="0" cy="0"/>
+          <a:chOff x="0" y="0"/>
+          <a:chExt cx="0" cy="0"/>
+        </a:xfrm>
+      </p:grpSpPr>
+      <p:sp>
+        <p:nvSpPr>
+          <p:cNvPr id="2" name="Slide Image Placeholder 1"/>
+          <p:cNvSpPr>
+            <a:spLocks noGrp="1" noRot="1" noChangeAspect="1"/>
+          </p:cNvSpPr>
+          <p:nvPr>
+            <p:ph type="sldImg"/>
+          </p:nvPr>
+        </p:nvSpPr>
+        <p:spPr/>
+      </p:sp>
+      <p:sp>
+        <p:nvSpPr>
+          <p:cNvPr id="3" name="Notes Placeholder 2"/>
+          <p:cNvSpPr>
+            <a:spLocks noGrp="1"/>
+          </p:cNvSpPr>
+          <p:nvPr>
+            <p:ph type="body" idx="1"/>
+          </p:nvPr>
+        </p:nvSpPr>
+        <p:spPr/>
+        <p:txBody>
+          <a:bodyPr/>
+          <a:lstStyle/>
+          <a:p>
+            <a:r>
+              <a:rPr lang="uk-UA" dirty="0"/>
+              <a:t>Окрім того із </a:t>
+            </a:r>
+            <a:r>
+              <a:rPr lang="en-US" dirty="0" err="1"/>
+              <a:t>AppMetrics</a:t>
+            </a:r>
+            <a:r>
+              <a:rPr lang="uk-UA" dirty="0"/>
+              <a:t> звичайно є можливість реалізувати власні метрики.</a:t>
+            </a:r>
+          </a:p>
+          <a:p>
+            <a:r>
+              <a:rPr lang="uk-UA" dirty="0"/>
+              <a:t>Для цього необхідно</a:t>
+            </a:r>
+          </a:p>
+          <a:p>
+            <a:pPr marL="228600" indent="-228600">
+              <a:buAutoNum type="arabicPeriod"/>
+            </a:pPr>
+            <a:r>
+              <a:rPr lang="uk-UA" dirty="0"/>
+              <a:t>зарезолвити </a:t>
+            </a:r>
+            <a:r>
+              <a:rPr lang="en-US" dirty="0" err="1">
+                <a:solidFill>
+                  <a:srgbClr val="000000"/>
+                </a:solidFill>
+                <a:latin typeface="Consolas" panose="020B0609020204030204" pitchFamily="49" charset="0"/>
+              </a:rPr>
+              <a:t>IMetrics</a:t>
+            </a:r>
+            <a:endParaRPr lang="uk-UA" dirty="0">
+              <a:solidFill>
+                <a:srgbClr val="000000"/>
+              </a:solidFill>
+              <a:latin typeface="Consolas" panose="020B0609020204030204" pitchFamily="49" charset="0"/>
+            </a:endParaRPr>
+          </a:p>
+          <a:p>
+            <a:pPr marL="228600" indent="-228600">
+              <a:buAutoNum type="arabicPeriod"/>
+            </a:pPr>
+            <a:r>
+              <a:rPr lang="uk-UA" dirty="0"/>
+              <a:t>Створити власну метрику</a:t>
+            </a:r>
+          </a:p>
+          <a:p>
+            <a:pPr marL="228600" indent="-228600">
+              <a:buAutoNum type="arabicPeriod"/>
+            </a:pPr>
+            <a:r>
+              <a:rPr lang="uk-UA" dirty="0"/>
+              <a:t>Періодично передавати значення.</a:t>
+            </a:r>
+            <a:endParaRPr lang="en-US" dirty="0"/>
+          </a:p>
+        </p:txBody>
+      </p:sp>
+      <p:sp>
+        <p:nvSpPr>
+          <p:cNvPr id="4" name="Slide Number Placeholder 3"/>
+          <p:cNvSpPr>
+            <a:spLocks noGrp="1"/>
+          </p:cNvSpPr>
+          <p:nvPr>
+            <p:ph type="sldNum" sz="quarter" idx="5"/>
+          </p:nvPr>
+        </p:nvSpPr>
+        <p:spPr/>
+        <p:txBody>
+          <a:bodyPr/>
+          <a:lstStyle/>
+          <a:p>
+            <a:fld id="{E0AE778D-2A57-4226-B72B-26EA3CA60131}" type="slidenum">
+              <a:rPr lang="en-US" smtClean="0"/>
+              <a:t>11</a:t>
+            </a:fld>
+            <a:endParaRPr lang="en-US"/>
+          </a:p>
+        </p:txBody>
+      </p:sp>
+    </p:spTree>
+    <p:extLst>
+      <p:ext uri="{BB962C8B-B14F-4D97-AF65-F5344CB8AC3E}">
+        <p14:creationId xmlns:p14="http://schemas.microsoft.com/office/powerpoint/2010/main" val="2416097887"/>
+      </p:ext>
+    </p:extLst>
+  </p:cSld>
+  <p:clrMapOvr>
+    <a:masterClrMapping/>
+  </p:clrMapOvr>
+</p:notes>
+</file>
+
+<file path=ppt/notesSlides/notesSlide12.xml><?xml version="1.0" encoding="utf-8"?>
+<p:notes xmlns:a="http://schemas.openxmlformats.org/drawingml/2006/main" xmlns:r="http://schemas.openxmlformats.org/officeDocument/2006/relationships" xmlns:p="http://schemas.openxmlformats.org/presentationml/2006/main">
+  <p:cSld>
+    <p:spTree>
+      <p:nvGrpSpPr>
+        <p:cNvPr id="1" name=""/>
+        <p:cNvGrpSpPr/>
+        <p:nvPr/>
+      </p:nvGrpSpPr>
+      <p:grpSpPr>
+        <a:xfrm>
+          <a:off x="0" y="0"/>
+          <a:ext cx="0" cy="0"/>
+          <a:chOff x="0" y="0"/>
+          <a:chExt cx="0" cy="0"/>
+        </a:xfrm>
+      </p:grpSpPr>
+      <p:sp>
+        <p:nvSpPr>
+          <p:cNvPr id="2" name="Slide Image Placeholder 1"/>
+          <p:cNvSpPr>
+            <a:spLocks noGrp="1" noRot="1" noChangeAspect="1"/>
+          </p:cNvSpPr>
+          <p:nvPr>
+            <p:ph type="sldImg"/>
+          </p:nvPr>
+        </p:nvSpPr>
+        <p:spPr/>
+      </p:sp>
+      <p:sp>
+        <p:nvSpPr>
+          <p:cNvPr id="3" name="Notes Placeholder 2"/>
+          <p:cNvSpPr>
+            <a:spLocks noGrp="1"/>
+          </p:cNvSpPr>
+          <p:nvPr>
+            <p:ph type="body" idx="1"/>
+          </p:nvPr>
+        </p:nvSpPr>
+        <p:spPr/>
+        <p:txBody>
+          <a:bodyPr/>
+          <a:lstStyle/>
+          <a:p>
+            <a:r>
+              <a:rPr lang="uk-UA" dirty="0"/>
+              <a:t>Для відображення хелс та й усіх інших метрик використовуємо </a:t>
+            </a:r>
+            <a:r>
+              <a:rPr lang="en-US" dirty="0"/>
+              <a:t>TIG-stack</a:t>
+            </a:r>
+            <a:r>
+              <a:rPr lang="uk-UA" dirty="0"/>
+              <a:t>.</a:t>
+            </a:r>
+            <a:endParaRPr lang="en-US" dirty="0"/>
+          </a:p>
+        </p:txBody>
+      </p:sp>
+      <p:sp>
+        <p:nvSpPr>
+          <p:cNvPr id="4" name="Slide Number Placeholder 3"/>
+          <p:cNvSpPr>
+            <a:spLocks noGrp="1"/>
+          </p:cNvSpPr>
+          <p:nvPr>
+            <p:ph type="sldNum" sz="quarter" idx="5"/>
+          </p:nvPr>
+        </p:nvSpPr>
+        <p:spPr/>
+        <p:txBody>
+          <a:bodyPr/>
+          <a:lstStyle/>
+          <a:p>
+            <a:fld id="{E0AE778D-2A57-4226-B72B-26EA3CA60131}" type="slidenum">
+              <a:rPr lang="en-US" smtClean="0"/>
+              <a:t>12</a:t>
+            </a:fld>
+            <a:endParaRPr lang="en-US"/>
+          </a:p>
+        </p:txBody>
+      </p:sp>
+    </p:spTree>
+    <p:extLst>
+      <p:ext uri="{BB962C8B-B14F-4D97-AF65-F5344CB8AC3E}">
+        <p14:creationId xmlns:p14="http://schemas.microsoft.com/office/powerpoint/2010/main" val="1001111341"/>
+      </p:ext>
+    </p:extLst>
+  </p:cSld>
+  <p:clrMapOvr>
+    <a:masterClrMapping/>
+  </p:clrMapOvr>
+</p:notes>
+</file>
+
+<file path=ppt/notesSlides/notesSlide13.xml><?xml version="1.0" encoding="utf-8"?>
+<p:notes xmlns:a="http://schemas.openxmlformats.org/drawingml/2006/main" xmlns:r="http://schemas.openxmlformats.org/officeDocument/2006/relationships" xmlns:p="http://schemas.openxmlformats.org/presentationml/2006/main">
+  <p:cSld>
+    <p:spTree>
+      <p:nvGrpSpPr>
+        <p:cNvPr id="1" name=""/>
+        <p:cNvGrpSpPr/>
+        <p:nvPr/>
+      </p:nvGrpSpPr>
+      <p:grpSpPr>
+        <a:xfrm>
+          <a:off x="0" y="0"/>
+          <a:ext cx="0" cy="0"/>
+          <a:chOff x="0" y="0"/>
+          <a:chExt cx="0" cy="0"/>
+        </a:xfrm>
+      </p:grpSpPr>
+      <p:sp>
+        <p:nvSpPr>
+          <p:cNvPr id="2" name="Slide Image Placeholder 1"/>
+          <p:cNvSpPr>
+            <a:spLocks noGrp="1" noRot="1" noChangeAspect="1"/>
+          </p:cNvSpPr>
+          <p:nvPr>
+            <p:ph type="sldImg"/>
+          </p:nvPr>
+        </p:nvSpPr>
+        <p:spPr/>
+      </p:sp>
+      <p:sp>
+        <p:nvSpPr>
+          <p:cNvPr id="3" name="Notes Placeholder 2"/>
+          <p:cNvSpPr>
+            <a:spLocks noGrp="1"/>
+          </p:cNvSpPr>
+          <p:nvPr>
+            <p:ph type="body" idx="1"/>
+          </p:nvPr>
+        </p:nvSpPr>
+        <p:spPr/>
+        <p:txBody>
+          <a:bodyPr/>
+          <a:lstStyle/>
+          <a:p>
+            <a:r>
+              <a:rPr lang="uk-UA" dirty="0"/>
+              <a:t>Телеграф збирає дані, передає у Інфлюкс, Графана читає із інфлюкса.</a:t>
+            </a:r>
+            <a:endParaRPr lang="en-US" dirty="0"/>
+          </a:p>
+        </p:txBody>
+      </p:sp>
+      <p:sp>
+        <p:nvSpPr>
+          <p:cNvPr id="4" name="Slide Number Placeholder 3"/>
+          <p:cNvSpPr>
+            <a:spLocks noGrp="1"/>
+          </p:cNvSpPr>
+          <p:nvPr>
+            <p:ph type="sldNum" sz="quarter" idx="5"/>
+          </p:nvPr>
+        </p:nvSpPr>
+        <p:spPr/>
+        <p:txBody>
+          <a:bodyPr/>
+          <a:lstStyle/>
+          <a:p>
+            <a:fld id="{E0AE778D-2A57-4226-B72B-26EA3CA60131}" type="slidenum">
+              <a:rPr lang="en-US" smtClean="0"/>
+              <a:t>13</a:t>
+            </a:fld>
+            <a:endParaRPr lang="en-US"/>
+          </a:p>
+        </p:txBody>
+      </p:sp>
+    </p:spTree>
+    <p:extLst>
+      <p:ext uri="{BB962C8B-B14F-4D97-AF65-F5344CB8AC3E}">
+        <p14:creationId xmlns:p14="http://schemas.microsoft.com/office/powerpoint/2010/main" val="1220174156"/>
+      </p:ext>
+    </p:extLst>
+  </p:cSld>
+  <p:clrMapOvr>
+    <a:masterClrMapping/>
+  </p:clrMapOvr>
+</p:notes>
+</file>
+
+<file path=ppt/notesSlides/notesSlide14.xml><?xml version="1.0" encoding="utf-8"?>
+<p:notes xmlns:a="http://schemas.openxmlformats.org/drawingml/2006/main" xmlns:r="http://schemas.openxmlformats.org/officeDocument/2006/relationships" xmlns:p="http://schemas.openxmlformats.org/presentationml/2006/main">
+  <p:cSld>
+    <p:spTree>
+      <p:nvGrpSpPr>
+        <p:cNvPr id="1" name=""/>
+        <p:cNvGrpSpPr/>
+        <p:nvPr/>
+      </p:nvGrpSpPr>
+      <p:grpSpPr>
+        <a:xfrm>
+          <a:off x="0" y="0"/>
+          <a:ext cx="0" cy="0"/>
+          <a:chOff x="0" y="0"/>
+          <a:chExt cx="0" cy="0"/>
+        </a:xfrm>
+      </p:grpSpPr>
+      <p:sp>
+        <p:nvSpPr>
+          <p:cNvPr id="2" name="Slide Image Placeholder 1"/>
+          <p:cNvSpPr>
+            <a:spLocks noGrp="1" noRot="1" noChangeAspect="1"/>
+          </p:cNvSpPr>
+          <p:nvPr>
+            <p:ph type="sldImg"/>
+          </p:nvPr>
+        </p:nvSpPr>
+        <p:spPr/>
+      </p:sp>
+      <p:sp>
+        <p:nvSpPr>
+          <p:cNvPr id="3" name="Notes Placeholder 2"/>
+          <p:cNvSpPr>
+            <a:spLocks noGrp="1"/>
+          </p:cNvSpPr>
+          <p:nvPr>
+            <p:ph type="body" idx="1"/>
+          </p:nvPr>
+        </p:nvSpPr>
+        <p:spPr/>
+        <p:txBody>
+          <a:bodyPr/>
+          <a:lstStyle/>
+          <a:p>
+            <a:endParaRPr lang="en-US" dirty="0"/>
+          </a:p>
+        </p:txBody>
+      </p:sp>
+      <p:sp>
+        <p:nvSpPr>
+          <p:cNvPr id="4" name="Slide Number Placeholder 3"/>
+          <p:cNvSpPr>
+            <a:spLocks noGrp="1"/>
+          </p:cNvSpPr>
+          <p:nvPr>
+            <p:ph type="sldNum" sz="quarter" idx="5"/>
+          </p:nvPr>
+        </p:nvSpPr>
+        <p:spPr/>
+        <p:txBody>
+          <a:bodyPr/>
+          <a:lstStyle/>
+          <a:p>
+            <a:fld id="{E0AE778D-2A57-4226-B72B-26EA3CA60131}" type="slidenum">
+              <a:rPr lang="en-US" smtClean="0"/>
+              <a:t>14</a:t>
+            </a:fld>
+            <a:endParaRPr lang="en-US"/>
+          </a:p>
+        </p:txBody>
+      </p:sp>
+    </p:spTree>
+    <p:extLst>
+      <p:ext uri="{BB962C8B-B14F-4D97-AF65-F5344CB8AC3E}">
+        <p14:creationId xmlns:p14="http://schemas.microsoft.com/office/powerpoint/2010/main" val="247983260"/>
+      </p:ext>
+    </p:extLst>
+  </p:cSld>
+  <p:clrMapOvr>
+    <a:masterClrMapping/>
+  </p:clrMapOvr>
+</p:notes>
+</file>
+
+<file path=ppt/notesSlides/notesSlide15.xml><?xml version="1.0" encoding="utf-8"?>
+<p:notes xmlns:a="http://schemas.openxmlformats.org/drawingml/2006/main" xmlns:r="http://schemas.openxmlformats.org/officeDocument/2006/relationships" xmlns:p="http://schemas.openxmlformats.org/presentationml/2006/main">
+  <p:cSld>
+    <p:spTree>
+      <p:nvGrpSpPr>
+        <p:cNvPr id="1" name=""/>
+        <p:cNvGrpSpPr/>
+        <p:nvPr/>
+      </p:nvGrpSpPr>
+      <p:grpSpPr>
+        <a:xfrm>
+          <a:off x="0" y="0"/>
+          <a:ext cx="0" cy="0"/>
+          <a:chOff x="0" y="0"/>
+          <a:chExt cx="0" cy="0"/>
+        </a:xfrm>
+      </p:grpSpPr>
+      <p:sp>
+        <p:nvSpPr>
+          <p:cNvPr id="2" name="Slide Image Placeholder 1"/>
+          <p:cNvSpPr>
+            <a:spLocks noGrp="1" noRot="1" noChangeAspect="1"/>
+          </p:cNvSpPr>
+          <p:nvPr>
+            <p:ph type="sldImg"/>
+          </p:nvPr>
+        </p:nvSpPr>
+        <p:spPr/>
+      </p:sp>
+      <p:sp>
+        <p:nvSpPr>
+          <p:cNvPr id="3" name="Notes Placeholder 2"/>
+          <p:cNvSpPr>
+            <a:spLocks noGrp="1"/>
+          </p:cNvSpPr>
+          <p:nvPr>
+            <p:ph type="body" idx="1"/>
+          </p:nvPr>
+        </p:nvSpPr>
+        <p:spPr/>
+        <p:txBody>
+          <a:bodyPr/>
+          <a:lstStyle/>
+          <a:p>
+            <a:endParaRPr lang="en-US" dirty="0"/>
+          </a:p>
+        </p:txBody>
+      </p:sp>
+      <p:sp>
+        <p:nvSpPr>
+          <p:cNvPr id="4" name="Slide Number Placeholder 3"/>
+          <p:cNvSpPr>
+            <a:spLocks noGrp="1"/>
+          </p:cNvSpPr>
+          <p:nvPr>
+            <p:ph type="sldNum" sz="quarter" idx="10"/>
+          </p:nvPr>
+        </p:nvSpPr>
+        <p:spPr/>
+        <p:txBody>
+          <a:bodyPr/>
+          <a:lstStyle/>
+          <a:p>
+            <a:fld id="{E0AE778D-2A57-4226-B72B-26EA3CA60131}" type="slidenum">
+              <a:rPr lang="en-US" smtClean="0"/>
+              <a:t>20</a:t>
+            </a:fld>
+            <a:endParaRPr lang="en-US"/>
+          </a:p>
+        </p:txBody>
+      </p:sp>
+    </p:spTree>
+    <p:extLst>
+      <p:ext uri="{BB962C8B-B14F-4D97-AF65-F5344CB8AC3E}">
+        <p14:creationId xmlns:p14="http://schemas.microsoft.com/office/powerpoint/2010/main" val="170431087"/>
+      </p:ext>
+    </p:extLst>
+  </p:cSld>
+  <p:clrMapOvr>
+    <a:masterClrMapping/>
+  </p:clrMapOvr>
+</p:notes>
+</file>
+
 <file path=ppt/notesSlides/notesSlide2.xml><?xml version="1.0" encoding="utf-8"?>
 <p:notes xmlns:a="http://schemas.openxmlformats.org/drawingml/2006/main" xmlns:r="http://schemas.openxmlformats.org/officeDocument/2006/relationships" xmlns:p="http://schemas.openxmlformats.org/presentationml/2006/main">
   <p:cSld>
@@ -1866,6 +2506,10 @@
           <a:bodyPr/>
           <a:lstStyle/>
           <a:p>
+            <a:r>
+              <a:rPr lang="uk-UA" dirty="0"/>
+              <a:t>Також є можливість використати готові пакети із хелсчеками для багатьох популярних сервісі.</a:t>
+            </a:r>
             <a:endParaRPr lang="en-US" dirty="0"/>
           </a:p>
         </p:txBody>
@@ -1877,7 +2521,7 @@
             <a:spLocks noGrp="1"/>
           </p:cNvSpPr>
           <p:nvPr>
-            <p:ph type="sldNum" sz="quarter" idx="10"/>
+            <p:ph type="sldNum" sz="quarter" idx="5"/>
           </p:nvPr>
         </p:nvSpPr>
         <p:spPr/>
@@ -1887,7 +2531,7 @@
           <a:p>
             <a:fld id="{E0AE778D-2A57-4226-B72B-26EA3CA60131}" type="slidenum">
               <a:rPr lang="en-US" smtClean="0"/>
-              <a:t>20</a:t>
+              <a:t>7</a:t>
             </a:fld>
             <a:endParaRPr lang="en-US"/>
           </a:p>
@@ -1896,7 +2540,279 @@
     </p:spTree>
     <p:extLst>
       <p:ext uri="{BB962C8B-B14F-4D97-AF65-F5344CB8AC3E}">
-        <p14:creationId xmlns:p14="http://schemas.microsoft.com/office/powerpoint/2010/main" val="170431087"/>
+        <p14:creationId xmlns:p14="http://schemas.microsoft.com/office/powerpoint/2010/main" val="748338801"/>
+      </p:ext>
+    </p:extLst>
+  </p:cSld>
+  <p:clrMapOvr>
+    <a:masterClrMapping/>
+  </p:clrMapOvr>
+</p:notes>
+</file>
+
+<file path=ppt/notesSlides/notesSlide8.xml><?xml version="1.0" encoding="utf-8"?>
+<p:notes xmlns:a="http://schemas.openxmlformats.org/drawingml/2006/main" xmlns:r="http://schemas.openxmlformats.org/officeDocument/2006/relationships" xmlns:p="http://schemas.openxmlformats.org/presentationml/2006/main">
+  <p:cSld>
+    <p:spTree>
+      <p:nvGrpSpPr>
+        <p:cNvPr id="1" name=""/>
+        <p:cNvGrpSpPr/>
+        <p:nvPr/>
+      </p:nvGrpSpPr>
+      <p:grpSpPr>
+        <a:xfrm>
+          <a:off x="0" y="0"/>
+          <a:ext cx="0" cy="0"/>
+          <a:chOff x="0" y="0"/>
+          <a:chExt cx="0" cy="0"/>
+        </a:xfrm>
+      </p:grpSpPr>
+      <p:sp>
+        <p:nvSpPr>
+          <p:cNvPr id="2" name="Slide Image Placeholder 1"/>
+          <p:cNvSpPr>
+            <a:spLocks noGrp="1" noRot="1" noChangeAspect="1"/>
+          </p:cNvSpPr>
+          <p:nvPr>
+            <p:ph type="sldImg"/>
+          </p:nvPr>
+        </p:nvSpPr>
+        <p:spPr/>
+      </p:sp>
+      <p:sp>
+        <p:nvSpPr>
+          <p:cNvPr id="3" name="Notes Placeholder 2"/>
+          <p:cNvSpPr>
+            <a:spLocks noGrp="1"/>
+          </p:cNvSpPr>
+          <p:nvPr>
+            <p:ph type="body" idx="1"/>
+          </p:nvPr>
+        </p:nvSpPr>
+        <p:spPr/>
+        <p:txBody>
+          <a:bodyPr/>
+          <a:lstStyle/>
+          <a:p>
+            <a:r>
+              <a:rPr lang="uk-UA" dirty="0"/>
+              <a:t>Інформація про стан системи передається у систему моніторингу і вигляді метрик.</a:t>
+            </a:r>
+          </a:p>
+          <a:p>
+            <a:r>
+              <a:rPr lang="uk-UA" dirty="0"/>
+              <a:t>Метрика, це певне число яке несе якусь інформацію про роботу системи.</a:t>
+            </a:r>
+          </a:p>
+          <a:p>
+            <a:r>
+              <a:rPr lang="uk-UA" dirty="0"/>
+              <a:t>У цьому випадку метрикою буде величина яка описує те, як система функціонує.</a:t>
+            </a:r>
+            <a:endParaRPr lang="en-US" dirty="0"/>
+          </a:p>
+        </p:txBody>
+      </p:sp>
+      <p:sp>
+        <p:nvSpPr>
+          <p:cNvPr id="4" name="Slide Number Placeholder 3"/>
+          <p:cNvSpPr>
+            <a:spLocks noGrp="1"/>
+          </p:cNvSpPr>
+          <p:nvPr>
+            <p:ph type="sldNum" sz="quarter" idx="5"/>
+          </p:nvPr>
+        </p:nvSpPr>
+        <p:spPr/>
+        <p:txBody>
+          <a:bodyPr/>
+          <a:lstStyle/>
+          <a:p>
+            <a:fld id="{E0AE778D-2A57-4226-B72B-26EA3CA60131}" type="slidenum">
+              <a:rPr lang="en-US" smtClean="0"/>
+              <a:t>8</a:t>
+            </a:fld>
+            <a:endParaRPr lang="en-US"/>
+          </a:p>
+        </p:txBody>
+      </p:sp>
+    </p:spTree>
+    <p:extLst>
+      <p:ext uri="{BB962C8B-B14F-4D97-AF65-F5344CB8AC3E}">
+        <p14:creationId xmlns:p14="http://schemas.microsoft.com/office/powerpoint/2010/main" val="2633899760"/>
+      </p:ext>
+    </p:extLst>
+  </p:cSld>
+  <p:clrMapOvr>
+    <a:masterClrMapping/>
+  </p:clrMapOvr>
+</p:notes>
+</file>
+
+<file path=ppt/notesSlides/notesSlide9.xml><?xml version="1.0" encoding="utf-8"?>
+<p:notes xmlns:a="http://schemas.openxmlformats.org/drawingml/2006/main" xmlns:r="http://schemas.openxmlformats.org/officeDocument/2006/relationships" xmlns:p="http://schemas.openxmlformats.org/presentationml/2006/main">
+  <p:cSld>
+    <p:spTree>
+      <p:nvGrpSpPr>
+        <p:cNvPr id="1" name=""/>
+        <p:cNvGrpSpPr/>
+        <p:nvPr/>
+      </p:nvGrpSpPr>
+      <p:grpSpPr>
+        <a:xfrm>
+          <a:off x="0" y="0"/>
+          <a:ext cx="0" cy="0"/>
+          <a:chOff x="0" y="0"/>
+          <a:chExt cx="0" cy="0"/>
+        </a:xfrm>
+      </p:grpSpPr>
+      <p:sp>
+        <p:nvSpPr>
+          <p:cNvPr id="2" name="Slide Image Placeholder 1"/>
+          <p:cNvSpPr>
+            <a:spLocks noGrp="1" noRot="1" noChangeAspect="1"/>
+          </p:cNvSpPr>
+          <p:nvPr>
+            <p:ph type="sldImg"/>
+          </p:nvPr>
+        </p:nvSpPr>
+        <p:spPr/>
+      </p:sp>
+      <p:sp>
+        <p:nvSpPr>
+          <p:cNvPr id="3" name="Notes Placeholder 2"/>
+          <p:cNvSpPr>
+            <a:spLocks noGrp="1"/>
+          </p:cNvSpPr>
+          <p:nvPr>
+            <p:ph type="body" idx="1"/>
+          </p:nvPr>
+        </p:nvSpPr>
+        <p:spPr/>
+        <p:txBody>
+          <a:bodyPr/>
+          <a:lstStyle/>
+          <a:p>
+            <a:r>
+              <a:rPr lang="uk-UA" dirty="0"/>
+              <a:t>Для генерування та передавання хелс метрик використовуємо відкриту бібліотеку </a:t>
+            </a:r>
+            <a:r>
+              <a:rPr lang="en-US" dirty="0" err="1"/>
+              <a:t>AppMetrics</a:t>
+            </a:r>
+            <a:r>
+              <a:rPr lang="uk-UA" dirty="0"/>
+              <a:t>.</a:t>
+            </a:r>
+          </a:p>
+          <a:p>
+            <a:r>
+              <a:rPr lang="uk-UA" dirty="0"/>
+              <a:t>Особливостями цієї бібліотеки є те, що вона</a:t>
+            </a:r>
+          </a:p>
+          <a:p>
+            <a:pPr marL="171450" indent="-171450">
+              <a:buFontTx/>
+              <a:buChar char="-"/>
+            </a:pPr>
+            <a:r>
+              <a:rPr lang="uk-UA" dirty="0"/>
+              <a:t>підтримує різні типи метрик (частота запитів, кількість логінів, час виклику сервісу, кількість використовуваної памяті ітд)</a:t>
+            </a:r>
+          </a:p>
+          <a:p>
+            <a:pPr marL="171450" indent="-171450">
+              <a:buFontTx/>
+              <a:buChar char="-"/>
+            </a:pPr>
+            <a:r>
+              <a:rPr lang="uk-UA" dirty="0"/>
+              <a:t>містить вбудоване </a:t>
+            </a:r>
+            <a:r>
+              <a:rPr lang="en-US" dirty="0" err="1"/>
+              <a:t>middlware</a:t>
+            </a:r>
+            <a:r>
+              <a:rPr lang="en-US" dirty="0"/>
+              <a:t> </a:t>
+            </a:r>
+            <a:r>
+              <a:rPr lang="uk-UA" dirty="0"/>
+              <a:t>яке може генерувати </a:t>
+            </a:r>
+            <a:r>
+              <a:rPr lang="en-US" dirty="0"/>
+              <a:t>out of box </a:t>
+            </a:r>
+            <a:r>
+              <a:rPr lang="uk-UA" dirty="0"/>
+              <a:t>метрики такі як статистика </a:t>
+            </a:r>
+            <a:r>
+              <a:rPr lang="en-US" dirty="0"/>
+              <a:t>http </a:t>
+            </a:r>
+            <a:r>
+              <a:rPr lang="uk-UA" dirty="0"/>
+              <a:t>запитів, </a:t>
+            </a:r>
+            <a:r>
+              <a:rPr lang="en-US" dirty="0" err="1"/>
+              <a:t>Apdex</a:t>
+            </a:r>
+            <a:r>
+              <a:rPr lang="en-US" dirty="0"/>
+              <a:t> </a:t>
+            </a:r>
+            <a:r>
+              <a:rPr lang="uk-UA" dirty="0"/>
+              <a:t>статистика для веб додатку</a:t>
+            </a:r>
+          </a:p>
+          <a:p>
+            <a:pPr marL="171450" indent="-171450">
+              <a:buFontTx/>
+              <a:buChar char="-"/>
+            </a:pPr>
+            <a:r>
+              <a:rPr lang="uk-UA" dirty="0"/>
+              <a:t>Та ін.</a:t>
+            </a:r>
+            <a:endParaRPr lang="en-US" dirty="0"/>
+          </a:p>
+        </p:txBody>
+      </p:sp>
+      <p:sp>
+        <p:nvSpPr>
+          <p:cNvPr id="4" name="Slide Number Placeholder 3"/>
+          <p:cNvSpPr>
+            <a:spLocks noGrp="1"/>
+          </p:cNvSpPr>
+          <p:nvPr>
+            <p:ph type="sldNum" sz="quarter" idx="5"/>
+          </p:nvPr>
+        </p:nvSpPr>
+        <p:spPr/>
+        <p:txBody>
+          <a:bodyPr/>
+          <a:lstStyle/>
+          <a:p>
+            <a:fld id="{E0AE778D-2A57-4226-B72B-26EA3CA60131}" type="slidenum">
+              <a:rPr lang="en-US" smtClean="0"/>
+              <a:t>9</a:t>
+            </a:fld>
+            <a:endParaRPr lang="en-US"/>
+          </a:p>
+        </p:txBody>
+      </p:sp>
+    </p:spTree>
+    <p:extLst>
+      <p:ext uri="{BB962C8B-B14F-4D97-AF65-F5344CB8AC3E}">
+        <p14:creationId xmlns:p14="http://schemas.microsoft.com/office/powerpoint/2010/main" val="419147850"/>
       </p:ext>
     </p:extLst>
   </p:cSld>
@@ -7409,7 +8325,7 @@
               <a:t>If </a:t>
             </a:r>
             <a:r>
-              <a:rPr lang="en-US" sz="2400" dirty="0" err="1"/>
+              <a:rPr lang="en-US" sz="2400" b="1" dirty="0" err="1"/>
               <a:t>IHealthCheckPublisher</a:t>
             </a:r>
             <a:r>
@@ -7449,8 +8365,13 @@
             </a:r>
             <a:r>
               <a:rPr lang="en-US" sz="2400" dirty="0"/>
-              <a:t> - AppMetricsHealthCheckPublisher</a:t>
-            </a:r>
+              <a:t> - </a:t>
+            </a:r>
+            <a:r>
+              <a:rPr lang="en-US" sz="2400" b="1" dirty="0" err="1"/>
+              <a:t>AppMetricsHealthCheckPublisher</a:t>
+            </a:r>
+            <a:endParaRPr lang="en-US" sz="2400" b="1" dirty="0"/>
           </a:p>
         </p:txBody>
       </p:sp>
@@ -9692,7 +10613,7 @@
             <a:pPr fontAlgn="base"/>
             <a:r>
               <a:rPr lang="en-US" sz="3000" b="1" dirty="0" err="1">
-                <a:hlinkClick r:id="rId2" tooltip="Telegraf @ github"/>
+                <a:hlinkClick r:id="rId3" tooltip="Telegraf @ github"/>
               </a:rPr>
               <a:t>Telegraf</a:t>
             </a:r>
@@ -9705,7 +10626,7 @@
             <a:pPr fontAlgn="base"/>
             <a:r>
               <a:rPr lang="en-US" sz="3000" b="1" dirty="0">
-                <a:hlinkClick r:id="rId3" tooltip="InfluxDB homepage"/>
+                <a:hlinkClick r:id="rId4" tooltip="InfluxDB homepage"/>
               </a:rPr>
               <a:t>InfluxDB</a:t>
             </a:r>
@@ -9718,7 +10639,7 @@
             <a:pPr fontAlgn="base"/>
             <a:r>
               <a:rPr lang="en-US" sz="3000" b="1" dirty="0">
-                <a:hlinkClick r:id="rId4" tooltip="Grafana homepage"/>
+                <a:hlinkClick r:id="rId5" tooltip="Grafana homepage"/>
               </a:rPr>
               <a:t>Grafana</a:t>
             </a:r>
@@ -9744,7 +10665,7 @@
           <p:nvPr/>
         </p:nvPicPr>
         <p:blipFill>
-          <a:blip r:embed="rId5">
+          <a:blip r:embed="rId6">
             <a:extLst>
               <a:ext uri="{28A0092B-C50C-407E-A947-70E740481C1C}">
                 <a14:useLocalDpi xmlns:a14="http://schemas.microsoft.com/office/drawing/2010/main" val="0"/>
@@ -9791,7 +10712,7 @@
           <p:nvPr/>
         </p:nvPicPr>
         <p:blipFill>
-          <a:blip r:embed="rId6">
+          <a:blip r:embed="rId7">
             <a:extLst>
               <a:ext uri="{28A0092B-C50C-407E-A947-70E740481C1C}">
                 <a14:useLocalDpi xmlns:a14="http://schemas.microsoft.com/office/drawing/2010/main" val="0"/>
@@ -9838,7 +10759,7 @@
           <p:nvPr/>
         </p:nvPicPr>
         <p:blipFill>
-          <a:blip r:embed="rId7">
+          <a:blip r:embed="rId8">
             <a:extLst>
               <a:ext uri="{28A0092B-C50C-407E-A947-70E740481C1C}">
                 <a14:useLocalDpi xmlns:a14="http://schemas.microsoft.com/office/drawing/2010/main" val="0"/>
@@ -10013,7 +10934,7 @@
           <p:nvPr/>
         </p:nvPicPr>
         <p:blipFill>
-          <a:blip r:embed="rId2">
+          <a:blip r:embed="rId3">
             <a:extLst>
               <a:ext uri="{28A0092B-C50C-407E-A947-70E740481C1C}">
                 <a14:useLocalDpi xmlns:a14="http://schemas.microsoft.com/office/drawing/2010/main" val="0"/>
@@ -10101,7 +11022,7 @@
           <a:p>
             <a:r>
               <a:rPr lang="en-US" b="1" dirty="0">
-                <a:hlinkClick r:id="rId2" tooltip="Telegraf @ github"/>
+                <a:hlinkClick r:id="rId3" tooltip="Telegraf @ github"/>
               </a:rPr>
               <a:t>Telegraf</a:t>
             </a:r>
@@ -10194,7 +11115,7 @@
           <p:nvPr/>
         </p:nvPicPr>
         <p:blipFill>
-          <a:blip r:embed="rId3">
+          <a:blip r:embed="rId4">
             <a:extLst>
               <a:ext uri="{28A0092B-C50C-407E-A947-70E740481C1C}">
                 <a14:useLocalDpi xmlns:a14="http://schemas.microsoft.com/office/drawing/2010/main" val="0"/>
@@ -10283,7 +11204,7 @@
             </a:pPr>
             <a:r>
               <a:rPr lang="en-US" sz="2500" dirty="0">
-                <a:hlinkClick r:id="rId4"/>
+                <a:hlinkClick r:id="rId5"/>
               </a:rPr>
               <a:t>Input Plugins</a:t>
             </a:r>
@@ -10299,7 +11220,7 @@
             </a:pPr>
             <a:r>
               <a:rPr lang="en-US" sz="2500" dirty="0">
-                <a:hlinkClick r:id="rId5"/>
+                <a:hlinkClick r:id="rId6"/>
               </a:rPr>
               <a:t>Processor Plugins</a:t>
             </a:r>
@@ -10315,7 +11236,7 @@
             </a:pPr>
             <a:r>
               <a:rPr lang="en-US" sz="2500" dirty="0">
-                <a:hlinkClick r:id="rId6"/>
+                <a:hlinkClick r:id="rId7"/>
               </a:rPr>
               <a:t>Aggregator Plugins</a:t>
             </a:r>
@@ -10331,7 +11252,7 @@
             </a:pPr>
             <a:r>
               <a:rPr lang="en-US" sz="2500" dirty="0">
-                <a:hlinkClick r:id="rId7"/>
+                <a:hlinkClick r:id="rId8"/>
               </a:rPr>
               <a:t>Output Plugins</a:t>
             </a:r>
@@ -10356,7 +11277,7 @@
               <a:buChar char="•"/>
             </a:pPr>
             <a:endParaRPr lang="en-US" sz="2500" dirty="0">
-              <a:hlinkClick r:id="rId2"/>
+              <a:hlinkClick r:id="rId3"/>
             </a:endParaRPr>
           </a:p>
           <a:p>
@@ -10366,7 +11287,7 @@
             </a:pPr>
             <a:r>
               <a:rPr lang="en-US" sz="2500" dirty="0">
-                <a:hlinkClick r:id="rId2"/>
+                <a:hlinkClick r:id="rId3"/>
               </a:rPr>
               <a:t>https://github.com/influxdata/telegraf</a:t>
             </a:r>
@@ -17840,7 +18761,7 @@
           <p:nvPr/>
         </p:nvPicPr>
         <p:blipFill>
-          <a:blip r:embed="rId2"/>
+          <a:blip r:embed="rId3"/>
           <a:stretch>
             <a:fillRect/>
           </a:stretch>
@@ -17870,7 +18791,7 @@
           <p:nvPr/>
         </p:nvPicPr>
         <p:blipFill>
-          <a:blip r:embed="rId3"/>
+          <a:blip r:embed="rId4"/>
           <a:stretch>
             <a:fillRect/>
           </a:stretch>
@@ -18311,7 +19232,7 @@
             </a:r>
             <a:r>
               <a:rPr lang="en-US" sz="2500" u="sng" dirty="0" err="1">
-                <a:hlinkClick r:id="rId2"/>
+                <a:hlinkClick r:id="rId3"/>
               </a:rPr>
               <a:t>Apdex</a:t>
             </a:r>
@@ -18348,7 +19269,7 @@
           <p:nvPr/>
         </p:nvPicPr>
         <p:blipFill>
-          <a:blip r:embed="rId3">
+          <a:blip r:embed="rId4">
             <a:extLst>
               <a:ext uri="{28A0092B-C50C-407E-A947-70E740481C1C}">
                 <a14:useLocalDpi xmlns:a14="http://schemas.microsoft.com/office/drawing/2010/main" val="0"/>
@@ -18994,24 +19915,6 @@
 </file>
 
 <file path=customXml/item1.xml><?xml version="1.0" encoding="utf-8"?>
-<p:properties xmlns:p="http://schemas.microsoft.com/office/2006/metadata/properties" xmlns:xsi="http://www.w3.org/2001/XMLSchema-instance" xmlns:pc="http://schemas.microsoft.com/office/infopath/2007/PartnerControls">
-  <documentManagement>
-    <_ip_UnifiedCompliancePolicyProperties xmlns="http://schemas.microsoft.com/sharepoint/v3" xsi:nil="true"/>
-    <_ip_UnifiedCompliancePolicyUIAction xmlns="http://schemas.microsoft.com/sharepoint/v3" xsi:nil="true"/>
-    <LastSharedByUser xmlns="11245976-3b4d-4794-a754-317688483df2">jogallow@microsoft.com</LastSharedByUser>
-    <SharedWithUsers xmlns="11245976-3b4d-4794-a754-317688483df2">
-      <UserInfo>
-        <DisplayName>Martin Woodward</DisplayName>
-        <AccountId>67</AccountId>
-        <AccountType/>
-      </UserInfo>
-    </SharedWithUsers>
-    <LastSharedByTime xmlns="11245976-3b4d-4794-a754-317688483df2">2018-03-16T04:12:59+00:00</LastSharedByTime>
-  </documentManagement>
-</p:properties>
-</file>
-
-<file path=customXml/item2.xml><?xml version="1.0" encoding="utf-8"?>
 <ct:contentTypeSchema xmlns:ct="http://schemas.microsoft.com/office/2006/metadata/contentType" xmlns:ma="http://schemas.microsoft.com/office/2006/metadata/properties/metaAttributes" ct:_="" ma:_="" ma:contentTypeName="Document" ma:contentTypeID="0x01010022F88B0CCF1BBA489747F146E6B5E06D" ma:contentTypeVersion="11" ma:contentTypeDescription="Create a new document." ma:contentTypeScope="" ma:versionID="4679f38185fefde8b23806f702b522cc">
   <xsd:schema xmlns:xsd="http://www.w3.org/2001/XMLSchema" xmlns:xs="http://www.w3.org/2001/XMLSchema" xmlns:p="http://schemas.microsoft.com/office/2006/metadata/properties" xmlns:ns1="http://schemas.microsoft.com/sharepoint/v3" xmlns:ns2="569b343d-e775-480b-9b2b-6a6986deb9b0" xmlns:ns3="11245976-3b4d-4794-a754-317688483df2" targetNamespace="http://schemas.microsoft.com/office/2006/metadata/properties" ma:root="true" ma:fieldsID="366371b317520ec9a5ad3c1303c823ef" ns1:_="" ns2:_="" ns3:_="">
     <xsd:import namespace="http://schemas.microsoft.com/sharepoint/v3"/>
@@ -19225,6 +20128,24 @@
 </ct:contentTypeSchema>
 </file>
 
+<file path=customXml/item2.xml><?xml version="1.0" encoding="utf-8"?>
+<p:properties xmlns:p="http://schemas.microsoft.com/office/2006/metadata/properties" xmlns:xsi="http://www.w3.org/2001/XMLSchema-instance" xmlns:pc="http://schemas.microsoft.com/office/infopath/2007/PartnerControls">
+  <documentManagement>
+    <_ip_UnifiedCompliancePolicyProperties xmlns="http://schemas.microsoft.com/sharepoint/v3" xsi:nil="true"/>
+    <_ip_UnifiedCompliancePolicyUIAction xmlns="http://schemas.microsoft.com/sharepoint/v3" xsi:nil="true"/>
+    <LastSharedByUser xmlns="11245976-3b4d-4794-a754-317688483df2">jogallow@microsoft.com</LastSharedByUser>
+    <SharedWithUsers xmlns="11245976-3b4d-4794-a754-317688483df2">
+      <UserInfo>
+        <DisplayName>Martin Woodward</DisplayName>
+        <AccountId>67</AccountId>
+        <AccountType/>
+      </UserInfo>
+    </SharedWithUsers>
+    <LastSharedByTime xmlns="11245976-3b4d-4794-a754-317688483df2">2018-03-16T04:12:59+00:00</LastSharedByTime>
+  </documentManagement>
+</p:properties>
+</file>
+
 <file path=customXml/item3.xml><?xml version="1.0" encoding="utf-8"?>
 <?mso-contentType ?>
 <FormTemplates xmlns="http://schemas.microsoft.com/sharepoint/v3/contenttype/forms">
@@ -19235,17 +20156,6 @@
 </file>
 
 <file path=customXml/itemProps1.xml><?xml version="1.0" encoding="utf-8"?>
-<ds:datastoreItem xmlns:ds="http://schemas.openxmlformats.org/officeDocument/2006/customXml" ds:itemID="{D23E43D6-DB2F-4C33-A8C8-D28F777A5DE7}">
-  <ds:schemaRefs>
-    <ds:schemaRef ds:uri="http://schemas.microsoft.com/office/2006/metadata/properties"/>
-    <ds:schemaRef ds:uri="http://schemas.microsoft.com/office/infopath/2007/PartnerControls"/>
-    <ds:schemaRef ds:uri="http://schemas.microsoft.com/sharepoint/v3"/>
-    <ds:schemaRef ds:uri="11245976-3b4d-4794-a754-317688483df2"/>
-  </ds:schemaRefs>
-</ds:datastoreItem>
-</file>
-
-<file path=customXml/itemProps2.xml><?xml version="1.0" encoding="utf-8"?>
 <ds:datastoreItem xmlns:ds="http://schemas.openxmlformats.org/officeDocument/2006/customXml" ds:itemID="{16E8CB18-CF19-487B-A6ED-834044BC878F}">
   <ds:schemaRefs>
     <ds:schemaRef ds:uri="http://schemas.microsoft.com/office/2006/metadata/contentType"/>
@@ -19265,6 +20175,17 @@
 </ds:datastoreItem>
 </file>
 
+<file path=customXml/itemProps2.xml><?xml version="1.0" encoding="utf-8"?>
+<ds:datastoreItem xmlns:ds="http://schemas.openxmlformats.org/officeDocument/2006/customXml" ds:itemID="{D23E43D6-DB2F-4C33-A8C8-D28F777A5DE7}">
+  <ds:schemaRefs>
+    <ds:schemaRef ds:uri="http://schemas.microsoft.com/office/2006/metadata/properties"/>
+    <ds:schemaRef ds:uri="http://schemas.microsoft.com/office/infopath/2007/PartnerControls"/>
+    <ds:schemaRef ds:uri="http://schemas.microsoft.com/sharepoint/v3"/>
+    <ds:schemaRef ds:uri="11245976-3b4d-4794-a754-317688483df2"/>
+  </ds:schemaRefs>
+</ds:datastoreItem>
+</file>
+
 <file path=customXml/itemProps3.xml><?xml version="1.0" encoding="utf-8"?>
 <ds:datastoreItem xmlns:ds="http://schemas.openxmlformats.org/officeDocument/2006/customXml" ds:itemID="{093821A7-5528-48BE-BD00-067FBFDD28D5}">
   <ds:schemaRefs>

--- a/docs/HealthMonitoring.pptx
+++ b/docs/HealthMonitoring.pptx
@@ -5,7 +5,7 @@
     <p:sldMasterId id="2147483715" r:id="rId4"/>
   </p:sldMasterIdLst>
   <p:notesMasterIdLst>
-    <p:notesMasterId r:id="rId25"/>
+    <p:notesMasterId r:id="rId26"/>
   </p:notesMasterIdLst>
   <p:sldIdLst>
     <p:sldId id="257" r:id="rId5"/>
@@ -17,17 +17,18 @@
     <p:sldId id="10234" r:id="rId11"/>
     <p:sldId id="10218" r:id="rId12"/>
     <p:sldId id="10219" r:id="rId13"/>
-    <p:sldId id="10227" r:id="rId14"/>
-    <p:sldId id="10235" r:id="rId15"/>
-    <p:sldId id="10225" r:id="rId16"/>
-    <p:sldId id="10224" r:id="rId17"/>
-    <p:sldId id="10221" r:id="rId18"/>
-    <p:sldId id="10222" r:id="rId19"/>
-    <p:sldId id="10223" r:id="rId20"/>
-    <p:sldId id="10230" r:id="rId21"/>
-    <p:sldId id="10233" r:id="rId22"/>
-    <p:sldId id="10232" r:id="rId23"/>
-    <p:sldId id="316" r:id="rId24"/>
+    <p:sldId id="10236" r:id="rId14"/>
+    <p:sldId id="10227" r:id="rId15"/>
+    <p:sldId id="10235" r:id="rId16"/>
+    <p:sldId id="10225" r:id="rId17"/>
+    <p:sldId id="10224" r:id="rId18"/>
+    <p:sldId id="10221" r:id="rId19"/>
+    <p:sldId id="10222" r:id="rId20"/>
+    <p:sldId id="10223" r:id="rId21"/>
+    <p:sldId id="10230" r:id="rId22"/>
+    <p:sldId id="10233" r:id="rId23"/>
+    <p:sldId id="10232" r:id="rId24"/>
+    <p:sldId id="316" r:id="rId25"/>
   </p:sldIdLst>
   <p:sldSz cx="12192000" cy="6858000"/>
   <p:notesSz cx="6858000" cy="9144000"/>
@@ -140,6 +141,7 @@
             <p14:sldId id="10234"/>
             <p14:sldId id="10218"/>
             <p14:sldId id="10219"/>
+            <p14:sldId id="10236"/>
             <p14:sldId id="10227"/>
             <p14:sldId id="10235"/>
             <p14:sldId id="10225"/>
@@ -927,7 +929,7 @@
           <a:p>
             <a:fld id="{18438622-0837-4E9E-A16C-0B0206CE676E}" type="datetimeFigureOut">
               <a:rPr lang="en-US" smtClean="0"/>
-              <a:t>11/5/2019</a:t>
+              <a:t>11/16/2019</a:t>
             </a:fld>
             <a:endParaRPr lang="en-US"/>
           </a:p>
@@ -1238,18 +1240,6 @@
           <a:bodyPr/>
           <a:lstStyle/>
           <a:p>
-            <a:r>
-              <a:rPr lang="en-US" sz="1200" kern="1200" dirty="0">
-                <a:solidFill>
-                  <a:schemeClr val="tx1"/>
-                </a:solidFill>
-                <a:effectLst/>
-                <a:latin typeface="+mn-lt"/>
-                <a:ea typeface="+mn-ea"/>
-                <a:cs typeface="+mn-cs"/>
-              </a:rPr>
-              <a:t>In this session we’ll look at how Blazor in .NET Core 3.0 is a flexible and productive client UI framework for the web and beyond. We’ll look at the future of running Blazor apps client-side in the browser via WebAssembly. We’ll discuss the benefits of hosting Blazor WebAssembly apps with .NET Core to enable full-stack web development with .NET and C#. We’ll also look at taking Blazor beyond the web to support desktop and mobile app development.</a:t>
-            </a:r>
             <a:endParaRPr lang="en-US" dirty="0"/>
           </a:p>
         </p:txBody>
@@ -1336,63 +1326,19 @@
           <a:p>
             <a:r>
               <a:rPr lang="uk-UA" dirty="0"/>
-              <a:t>Передавання хелс метрик із </a:t>
-            </a:r>
-            <a:r>
-              <a:rPr lang="en-US" dirty="0"/>
-              <a:t>Asp.net core app </a:t>
-            </a:r>
+              <a:t>Інформація про стан системи передається у систему моніторингу і вигляді метрик.</a:t>
+            </a:r>
+          </a:p>
+          <a:p>
             <a:r>
               <a:rPr lang="uk-UA" dirty="0"/>
-              <a:t>можливе або через реалізацію та реєстрацію </a:t>
-            </a:r>
-            <a:r>
-              <a:rPr lang="en-US" sz="1200" dirty="0" err="1"/>
-              <a:t>IHealthCheckPublisher</a:t>
-            </a:r>
-            <a:r>
-              <a:rPr lang="uk-UA" sz="1200" dirty="0"/>
-              <a:t>.</a:t>
-            </a:r>
-          </a:p>
-          <a:p>
-            <a:r>
-              <a:rPr lang="uk-UA" sz="1200" dirty="0"/>
-              <a:t>тоді система буде періодично збирати та передавати </a:t>
-            </a:r>
-            <a:r>
-              <a:rPr lang="en-US" sz="1200" dirty="0" err="1"/>
-              <a:t>IHealthCheckPublisher</a:t>
-            </a:r>
-            <a:r>
-              <a:rPr lang="uk-UA" sz="1200" dirty="0"/>
-              <a:t> хелс метрики а він буде уже їх публікувати де захоче.</a:t>
-            </a:r>
-          </a:p>
-          <a:p>
-            <a:r>
-              <a:rPr lang="uk-UA" sz="1200" dirty="0"/>
-              <a:t>Або через реєстрацію </a:t>
-            </a:r>
-            <a:r>
-              <a:rPr lang="en-US" sz="1200" dirty="0" err="1"/>
-              <a:t>AppMetricsHealthCheckPublisher</a:t>
-            </a:r>
-            <a:r>
-              <a:rPr lang="uk-UA" sz="1200" dirty="0"/>
-              <a:t> який є у </a:t>
-            </a:r>
-            <a:r>
-              <a:rPr lang="en-US" dirty="0" err="1"/>
-              <a:t>AppMetrics</a:t>
-            </a:r>
+              <a:t>Метрика, це певне число яке несе якусь інформацію про роботу системи.</a:t>
+            </a:r>
+          </a:p>
+          <a:p>
             <a:r>
               <a:rPr lang="uk-UA" dirty="0"/>
-              <a:t>.</a:t>
-            </a:r>
-            <a:r>
-              <a:rPr lang="uk-UA" sz="1200" dirty="0"/>
-              <a:t> </a:t>
+              <a:t>У цьому випадку метрикою буде величина яка описує те, як система функціонує.</a:t>
             </a:r>
             <a:endParaRPr lang="en-US" dirty="0"/>
           </a:p>
@@ -1424,7 +1370,7 @@
     </p:spTree>
     <p:extLst>
       <p:ext uri="{BB962C8B-B14F-4D97-AF65-F5344CB8AC3E}">
-        <p14:creationId xmlns:p14="http://schemas.microsoft.com/office/powerpoint/2010/main" val="2727921497"/>
+        <p14:creationId xmlns:p14="http://schemas.microsoft.com/office/powerpoint/2010/main" val="190886678"/>
       </p:ext>
     </p:extLst>
   </p:cSld>
@@ -1480,7 +1426,73 @@
           <a:p>
             <a:r>
               <a:rPr lang="uk-UA" dirty="0"/>
-              <a:t>Окрім того із </a:t>
+              <a:t>Для того щоб налаштувати репортування та перетворення хелс чеків (</a:t>
+            </a:r>
+            <a:r>
+              <a:rPr lang="en-US" dirty="0"/>
+              <a:t>health unhealth)</a:t>
+            </a:r>
+            <a:r>
+              <a:rPr lang="uk-UA" dirty="0"/>
+              <a:t> у метрики у </a:t>
+            </a:r>
+          </a:p>
+          <a:p>
+            <a:r>
+              <a:rPr lang="en-US" dirty="0" err="1"/>
+              <a:t>Asp.Net</a:t>
+            </a:r>
+            <a:r>
+              <a:rPr lang="en-US" dirty="0"/>
+              <a:t> Core </a:t>
+            </a:r>
+            <a:r>
+              <a:rPr lang="uk-UA" dirty="0"/>
+              <a:t>додатку потрібно реалізувати та зареєструвати </a:t>
+            </a:r>
+            <a:r>
+              <a:rPr lang="en-US" sz="1200" dirty="0" err="1"/>
+              <a:t>IHealthCheckPublisher</a:t>
+            </a:r>
+            <a:r>
+              <a:rPr lang="uk-UA" sz="1200" dirty="0"/>
+              <a:t> - </a:t>
+            </a:r>
+            <a:r>
+              <a:rPr lang="en-US" sz="1200" dirty="0" err="1"/>
+              <a:t>PublishAsync</a:t>
+            </a:r>
+            <a:r>
+              <a:rPr lang="uk-UA" sz="1200" dirty="0"/>
+              <a:t>.</a:t>
+            </a:r>
+          </a:p>
+          <a:p>
+            <a:r>
+              <a:rPr lang="uk-UA" sz="1200" dirty="0"/>
+              <a:t>тоді система буде періодично збирати та передавати </a:t>
+            </a:r>
+            <a:r>
+              <a:rPr lang="en-US" sz="1200" dirty="0" err="1"/>
+              <a:t>IHealthCheckPublisher</a:t>
+            </a:r>
+            <a:r>
+              <a:rPr lang="uk-UA" sz="1200" dirty="0"/>
+              <a:t> хелс метрики а він буде уже їх публікувати де захоче.</a:t>
+            </a:r>
+          </a:p>
+          <a:p>
+            <a:r>
+              <a:rPr lang="uk-UA" sz="1200" dirty="0"/>
+              <a:t>Або через реєстрацію </a:t>
+            </a:r>
+            <a:r>
+              <a:rPr lang="en-US" sz="1200" dirty="0" err="1"/>
+              <a:t>AppMetricsHealthCheckPublisher</a:t>
+            </a:r>
+            <a:r>
+              <a:rPr lang="uk-UA" sz="1200" dirty="0"/>
+              <a:t> який є у </a:t>
             </a:r>
             <a:r>
               <a:rPr lang="en-US" dirty="0" err="1"/>
@@ -1488,55 +1500,11 @@
             </a:r>
             <a:r>
               <a:rPr lang="uk-UA" dirty="0"/>
-              <a:t> звичайно є можливість реалізувати власні метрики.</a:t>
-            </a:r>
-          </a:p>
-          <a:p>
-            <a:r>
-              <a:rPr lang="uk-UA" dirty="0"/>
-              <a:t>Для цього необхідно</a:t>
-            </a:r>
-          </a:p>
-          <a:p>
-            <a:pPr marL="228600" indent="-228600">
-              <a:buAutoNum type="arabicPeriod"/>
-            </a:pPr>
-            <a:r>
-              <a:rPr lang="uk-UA" dirty="0"/>
-              <a:t>зарезолвити </a:t>
-            </a:r>
-            <a:r>
-              <a:rPr lang="en-US" dirty="0" err="1">
-                <a:solidFill>
-                  <a:srgbClr val="000000"/>
-                </a:solidFill>
-                <a:latin typeface="Consolas" panose="020B0609020204030204" pitchFamily="49" charset="0"/>
-              </a:rPr>
-              <a:t>IMetrics</a:t>
-            </a:r>
-            <a:endParaRPr lang="uk-UA" dirty="0">
-              <a:solidFill>
-                <a:srgbClr val="000000"/>
-              </a:solidFill>
-              <a:latin typeface="Consolas" panose="020B0609020204030204" pitchFamily="49" charset="0"/>
-            </a:endParaRPr>
-          </a:p>
-          <a:p>
-            <a:pPr marL="228600" indent="-228600">
-              <a:buAutoNum type="arabicPeriod"/>
-            </a:pPr>
-            <a:r>
-              <a:rPr lang="uk-UA" dirty="0"/>
-              <a:t>Створити власну метрику</a:t>
-            </a:r>
-          </a:p>
-          <a:p>
-            <a:pPr marL="228600" indent="-228600">
-              <a:buAutoNum type="arabicPeriod"/>
-            </a:pPr>
-            <a:r>
-              <a:rPr lang="uk-UA" dirty="0"/>
-              <a:t>Періодично передавати значення.</a:t>
+              <a:t>.</a:t>
+            </a:r>
+            <a:r>
+              <a:rPr lang="uk-UA" sz="1200" dirty="0"/>
+              <a:t> </a:t>
             </a:r>
             <a:endParaRPr lang="en-US" dirty="0"/>
           </a:p>
@@ -1568,7 +1536,7 @@
     </p:spTree>
     <p:extLst>
       <p:ext uri="{BB962C8B-B14F-4D97-AF65-F5344CB8AC3E}">
-        <p14:creationId xmlns:p14="http://schemas.microsoft.com/office/powerpoint/2010/main" val="2416097887"/>
+        <p14:creationId xmlns:p14="http://schemas.microsoft.com/office/powerpoint/2010/main" val="2727921497"/>
       </p:ext>
     </p:extLst>
   </p:cSld>
@@ -1624,15 +1592,63 @@
           <a:p>
             <a:r>
               <a:rPr lang="uk-UA" dirty="0"/>
-              <a:t>Для відображення хелс та й усіх інших метрик використовуємо </a:t>
-            </a:r>
-            <a:r>
-              <a:rPr lang="en-US" dirty="0"/>
-              <a:t>TIG-stack</a:t>
+              <a:t>Окрім того із </a:t>
+            </a:r>
+            <a:r>
+              <a:rPr lang="en-US" dirty="0" err="1"/>
+              <a:t>AppMetrics</a:t>
             </a:r>
             <a:r>
               <a:rPr lang="uk-UA" dirty="0"/>
-              <a:t>.</a:t>
+              <a:t> звичайно є можливість реалізувати власні метрики.</a:t>
+            </a:r>
+          </a:p>
+          <a:p>
+            <a:r>
+              <a:rPr lang="uk-UA" dirty="0"/>
+              <a:t>Для цього необхідно</a:t>
+            </a:r>
+          </a:p>
+          <a:p>
+            <a:pPr marL="228600" indent="-228600">
+              <a:buAutoNum type="arabicPeriod"/>
+            </a:pPr>
+            <a:r>
+              <a:rPr lang="uk-UA" dirty="0"/>
+              <a:t>зарезолвити </a:t>
+            </a:r>
+            <a:r>
+              <a:rPr lang="en-US" dirty="0" err="1">
+                <a:solidFill>
+                  <a:srgbClr val="000000"/>
+                </a:solidFill>
+                <a:latin typeface="Consolas" panose="020B0609020204030204" pitchFamily="49" charset="0"/>
+              </a:rPr>
+              <a:t>IMetrics</a:t>
+            </a:r>
+            <a:endParaRPr lang="uk-UA" dirty="0">
+              <a:solidFill>
+                <a:srgbClr val="000000"/>
+              </a:solidFill>
+              <a:latin typeface="Consolas" panose="020B0609020204030204" pitchFamily="49" charset="0"/>
+            </a:endParaRPr>
+          </a:p>
+          <a:p>
+            <a:pPr marL="228600" indent="-228600">
+              <a:buAutoNum type="arabicPeriod"/>
+            </a:pPr>
+            <a:r>
+              <a:rPr lang="uk-UA" dirty="0"/>
+              <a:t>Створити власну метрику</a:t>
+            </a:r>
+          </a:p>
+          <a:p>
+            <a:pPr marL="228600" indent="-228600">
+              <a:buAutoNum type="arabicPeriod"/>
+            </a:pPr>
+            <a:r>
+              <a:rPr lang="uk-UA" dirty="0"/>
+              <a:t>Періодично передавати значення.</a:t>
             </a:r>
             <a:endParaRPr lang="en-US" dirty="0"/>
           </a:p>
@@ -1664,7 +1680,7 @@
     </p:spTree>
     <p:extLst>
       <p:ext uri="{BB962C8B-B14F-4D97-AF65-F5344CB8AC3E}">
-        <p14:creationId xmlns:p14="http://schemas.microsoft.com/office/powerpoint/2010/main" val="1001111341"/>
+        <p14:creationId xmlns:p14="http://schemas.microsoft.com/office/powerpoint/2010/main" val="2416097887"/>
       </p:ext>
     </p:extLst>
   </p:cSld>
@@ -1720,7 +1736,21 @@
           <a:p>
             <a:r>
               <a:rPr lang="uk-UA" dirty="0"/>
-              <a:t>Телеграф збирає дані, передає у Інфлюкс, Графана читає із інфлюкса.</a:t>
+              <a:t>Для відображення хелс та й усіх інших метрик використовуємо </a:t>
+            </a:r>
+            <a:r>
+              <a:rPr lang="en-US" dirty="0"/>
+              <a:t>TIG-stack</a:t>
+            </a:r>
+            <a:r>
+              <a:rPr lang="uk-UA" dirty="0"/>
+              <a:t>.</a:t>
+            </a:r>
+          </a:p>
+          <a:p>
+            <a:r>
+              <a:rPr lang="uk-UA" dirty="0"/>
+              <a:t>Який складається із Телеграфу, ІнфлюксДБ і Графани.</a:t>
             </a:r>
             <a:endParaRPr lang="en-US" dirty="0"/>
           </a:p>
@@ -1752,7 +1782,7 @@
     </p:spTree>
     <p:extLst>
       <p:ext uri="{BB962C8B-B14F-4D97-AF65-F5344CB8AC3E}">
-        <p14:creationId xmlns:p14="http://schemas.microsoft.com/office/powerpoint/2010/main" val="1220174156"/>
+        <p14:creationId xmlns:p14="http://schemas.microsoft.com/office/powerpoint/2010/main" val="1001111341"/>
       </p:ext>
     </p:extLst>
   </p:cSld>
@@ -1806,6 +1836,10 @@
           <a:bodyPr/>
           <a:lstStyle/>
           <a:p>
+            <a:r>
+              <a:rPr lang="uk-UA" dirty="0"/>
+              <a:t>Телеграф збирає дані, передає у базу даних Інфлюкс, Графана читає із інфлюкса.</a:t>
+            </a:r>
             <a:endParaRPr lang="en-US" dirty="0"/>
           </a:p>
         </p:txBody>
@@ -1836,7 +1870,7 @@
     </p:spTree>
     <p:extLst>
       <p:ext uri="{BB962C8B-B14F-4D97-AF65-F5344CB8AC3E}">
-        <p14:creationId xmlns:p14="http://schemas.microsoft.com/office/powerpoint/2010/main" val="247983260"/>
+        <p14:creationId xmlns:p14="http://schemas.microsoft.com/office/powerpoint/2010/main" val="1220174156"/>
       </p:ext>
     </p:extLst>
   </p:cSld>
@@ -1890,6 +1924,24 @@
           <a:bodyPr/>
           <a:lstStyle/>
           <a:p>
+            <a:r>
+              <a:rPr lang="uk-UA" dirty="0"/>
+              <a:t>Телеграф це агент написати на Гоу для збору, обробки, агрегації і запису метрик.</a:t>
+            </a:r>
+          </a:p>
+          <a:p>
+            <a:r>
+              <a:rPr lang="uk-UA" dirty="0"/>
+              <a:t>Він керується плагінами і використовує 4 типи різних плагінів.</a:t>
+            </a:r>
+          </a:p>
+          <a:p>
+            <a:r>
+              <a:rPr lang="uk-UA" dirty="0"/>
+              <a:t>Для введення, обробки(відфільтрувати, трансформувати), агрегування(мін, макс, кількість ітд) та виведення.</a:t>
+            </a:r>
+          </a:p>
+          <a:p>
             <a:endParaRPr lang="en-US" dirty="0"/>
           </a:p>
         </p:txBody>
@@ -1901,7 +1953,7 @@
             <a:spLocks noGrp="1"/>
           </p:cNvSpPr>
           <p:nvPr>
-            <p:ph type="sldNum" sz="quarter" idx="10"/>
+            <p:ph type="sldNum" sz="quarter" idx="5"/>
           </p:nvPr>
         </p:nvSpPr>
         <p:spPr/>
@@ -1911,7 +1963,7 @@
           <a:p>
             <a:fld id="{E0AE778D-2A57-4226-B72B-26EA3CA60131}" type="slidenum">
               <a:rPr lang="en-US" smtClean="0"/>
-              <a:t>20</a:t>
+              <a:t>15</a:t>
             </a:fld>
             <a:endParaRPr lang="en-US"/>
           </a:p>
@@ -1920,7 +1972,460 @@
     </p:spTree>
     <p:extLst>
       <p:ext uri="{BB962C8B-B14F-4D97-AF65-F5344CB8AC3E}">
-        <p14:creationId xmlns:p14="http://schemas.microsoft.com/office/powerpoint/2010/main" val="170431087"/>
+        <p14:creationId xmlns:p14="http://schemas.microsoft.com/office/powerpoint/2010/main" val="247983260"/>
+      </p:ext>
+    </p:extLst>
+  </p:cSld>
+  <p:clrMapOvr>
+    <a:masterClrMapping/>
+  </p:clrMapOvr>
+</p:notes>
+</file>
+
+<file path=ppt/notesSlides/notesSlide16.xml><?xml version="1.0" encoding="utf-8"?>
+<p:notes xmlns:a="http://schemas.openxmlformats.org/drawingml/2006/main" xmlns:r="http://schemas.openxmlformats.org/officeDocument/2006/relationships" xmlns:p="http://schemas.openxmlformats.org/presentationml/2006/main">
+  <p:cSld>
+    <p:spTree>
+      <p:nvGrpSpPr>
+        <p:cNvPr id="1" name=""/>
+        <p:cNvGrpSpPr/>
+        <p:nvPr/>
+      </p:nvGrpSpPr>
+      <p:grpSpPr>
+        <a:xfrm>
+          <a:off x="0" y="0"/>
+          <a:ext cx="0" cy="0"/>
+          <a:chOff x="0" y="0"/>
+          <a:chExt cx="0" cy="0"/>
+        </a:xfrm>
+      </p:grpSpPr>
+      <p:sp>
+        <p:nvSpPr>
+          <p:cNvPr id="2" name="Slide Image Placeholder 1"/>
+          <p:cNvSpPr>
+            <a:spLocks noGrp="1" noRot="1" noChangeAspect="1"/>
+          </p:cNvSpPr>
+          <p:nvPr>
+            <p:ph type="sldImg"/>
+          </p:nvPr>
+        </p:nvSpPr>
+        <p:spPr/>
+      </p:sp>
+      <p:sp>
+        <p:nvSpPr>
+          <p:cNvPr id="3" name="Notes Placeholder 2"/>
+          <p:cNvSpPr>
+            <a:spLocks noGrp="1"/>
+          </p:cNvSpPr>
+          <p:nvPr>
+            <p:ph type="body" idx="1"/>
+          </p:nvPr>
+        </p:nvSpPr>
+        <p:spPr/>
+        <p:txBody>
+          <a:bodyPr/>
+          <a:lstStyle/>
+          <a:p>
+            <a:r>
+              <a:rPr lang="uk-UA" dirty="0"/>
+              <a:t>Інфлюкс Дб це база даних часових рядів. </a:t>
+            </a:r>
+          </a:p>
+          <a:p>
+            <a:r>
+              <a:rPr lang="uk-UA" dirty="0"/>
+              <a:t>Вона оптимізована для зберігання часових рядів через пов'язані пари часу та значення.</a:t>
+            </a:r>
+          </a:p>
+          <a:p>
+            <a:r>
+              <a:rPr lang="uk-UA" dirty="0"/>
+              <a:t>Легко маштабується та містить спеціалізований </a:t>
+            </a:r>
+            <a:r>
+              <a:rPr lang="en-US" dirty="0"/>
+              <a:t>API </a:t>
+            </a:r>
+            <a:r>
+              <a:rPr lang="uk-UA" dirty="0"/>
+              <a:t>для агрегування та вибірки такий даних.</a:t>
+            </a:r>
+          </a:p>
+        </p:txBody>
+      </p:sp>
+      <p:sp>
+        <p:nvSpPr>
+          <p:cNvPr id="4" name="Slide Number Placeholder 3"/>
+          <p:cNvSpPr>
+            <a:spLocks noGrp="1"/>
+          </p:cNvSpPr>
+          <p:nvPr>
+            <p:ph type="sldNum" sz="quarter" idx="5"/>
+          </p:nvPr>
+        </p:nvSpPr>
+        <p:spPr/>
+        <p:txBody>
+          <a:bodyPr/>
+          <a:lstStyle/>
+          <a:p>
+            <a:fld id="{E0AE778D-2A57-4226-B72B-26EA3CA60131}" type="slidenum">
+              <a:rPr lang="en-US" smtClean="0"/>
+              <a:t>16</a:t>
+            </a:fld>
+            <a:endParaRPr lang="en-US"/>
+          </a:p>
+        </p:txBody>
+      </p:sp>
+    </p:spTree>
+    <p:extLst>
+      <p:ext uri="{BB962C8B-B14F-4D97-AF65-F5344CB8AC3E}">
+        <p14:creationId xmlns:p14="http://schemas.microsoft.com/office/powerpoint/2010/main" val="1970028696"/>
+      </p:ext>
+    </p:extLst>
+  </p:cSld>
+  <p:clrMapOvr>
+    <a:masterClrMapping/>
+  </p:clrMapOvr>
+</p:notes>
+</file>
+
+<file path=ppt/notesSlides/notesSlide17.xml><?xml version="1.0" encoding="utf-8"?>
+<p:notes xmlns:a="http://schemas.openxmlformats.org/drawingml/2006/main" xmlns:r="http://schemas.openxmlformats.org/officeDocument/2006/relationships" xmlns:p="http://schemas.openxmlformats.org/presentationml/2006/main">
+  <p:cSld>
+    <p:spTree>
+      <p:nvGrpSpPr>
+        <p:cNvPr id="1" name=""/>
+        <p:cNvGrpSpPr/>
+        <p:nvPr/>
+      </p:nvGrpSpPr>
+      <p:grpSpPr>
+        <a:xfrm>
+          <a:off x="0" y="0"/>
+          <a:ext cx="0" cy="0"/>
+          <a:chOff x="0" y="0"/>
+          <a:chExt cx="0" cy="0"/>
+        </a:xfrm>
+      </p:grpSpPr>
+      <p:sp>
+        <p:nvSpPr>
+          <p:cNvPr id="2" name="Slide Image Placeholder 1"/>
+          <p:cNvSpPr>
+            <a:spLocks noGrp="1" noRot="1" noChangeAspect="1"/>
+          </p:cNvSpPr>
+          <p:nvPr>
+            <p:ph type="sldImg"/>
+          </p:nvPr>
+        </p:nvSpPr>
+        <p:spPr/>
+      </p:sp>
+      <p:sp>
+        <p:nvSpPr>
+          <p:cNvPr id="3" name="Notes Placeholder 2"/>
+          <p:cNvSpPr>
+            <a:spLocks noGrp="1"/>
+          </p:cNvSpPr>
+          <p:nvPr>
+            <p:ph type="body" idx="1"/>
+          </p:nvPr>
+        </p:nvSpPr>
+        <p:spPr/>
+        <p:txBody>
+          <a:bodyPr/>
+          <a:lstStyle/>
+          <a:p>
+            <a:r>
+              <a:rPr lang="uk-UA" dirty="0"/>
+              <a:t>Графана це рішення для візуалізації та дослідження даних.</a:t>
+            </a:r>
+          </a:p>
+          <a:p>
+            <a:r>
+              <a:rPr lang="uk-UA" dirty="0"/>
+              <a:t>Дає змогу створювати графіки та дешборди на основі даних із різноманітних джерел.</a:t>
+            </a:r>
+          </a:p>
+          <a:p>
+            <a:r>
+              <a:rPr lang="uk-UA" dirty="0"/>
+              <a:t>інлюксДб, прометеус, еластік ітд.</a:t>
+            </a:r>
+            <a:endParaRPr lang="en-US" dirty="0"/>
+          </a:p>
+        </p:txBody>
+      </p:sp>
+      <p:sp>
+        <p:nvSpPr>
+          <p:cNvPr id="4" name="Slide Number Placeholder 3"/>
+          <p:cNvSpPr>
+            <a:spLocks noGrp="1"/>
+          </p:cNvSpPr>
+          <p:nvPr>
+            <p:ph type="sldNum" sz="quarter" idx="5"/>
+          </p:nvPr>
+        </p:nvSpPr>
+        <p:spPr/>
+        <p:txBody>
+          <a:bodyPr/>
+          <a:lstStyle/>
+          <a:p>
+            <a:fld id="{E0AE778D-2A57-4226-B72B-26EA3CA60131}" type="slidenum">
+              <a:rPr lang="en-US" smtClean="0"/>
+              <a:t>17</a:t>
+            </a:fld>
+            <a:endParaRPr lang="en-US"/>
+          </a:p>
+        </p:txBody>
+      </p:sp>
+    </p:spTree>
+    <p:extLst>
+      <p:ext uri="{BB962C8B-B14F-4D97-AF65-F5344CB8AC3E}">
+        <p14:creationId xmlns:p14="http://schemas.microsoft.com/office/powerpoint/2010/main" val="59680454"/>
+      </p:ext>
+    </p:extLst>
+  </p:cSld>
+  <p:clrMapOvr>
+    <a:masterClrMapping/>
+  </p:clrMapOvr>
+</p:notes>
+</file>
+
+<file path=ppt/notesSlides/notesSlide18.xml><?xml version="1.0" encoding="utf-8"?>
+<p:notes xmlns:a="http://schemas.openxmlformats.org/drawingml/2006/main" xmlns:r="http://schemas.openxmlformats.org/officeDocument/2006/relationships" xmlns:p="http://schemas.openxmlformats.org/presentationml/2006/main">
+  <p:cSld>
+    <p:spTree>
+      <p:nvGrpSpPr>
+        <p:cNvPr id="1" name=""/>
+        <p:cNvGrpSpPr/>
+        <p:nvPr/>
+      </p:nvGrpSpPr>
+      <p:grpSpPr>
+        <a:xfrm>
+          <a:off x="0" y="0"/>
+          <a:ext cx="0" cy="0"/>
+          <a:chOff x="0" y="0"/>
+          <a:chExt cx="0" cy="0"/>
+        </a:xfrm>
+      </p:grpSpPr>
+      <p:sp>
+        <p:nvSpPr>
+          <p:cNvPr id="2" name="Slide Image Placeholder 1"/>
+          <p:cNvSpPr>
+            <a:spLocks noGrp="1" noRot="1" noChangeAspect="1"/>
+          </p:cNvSpPr>
+          <p:nvPr>
+            <p:ph type="sldImg"/>
+          </p:nvPr>
+        </p:nvSpPr>
+        <p:spPr/>
+      </p:sp>
+      <p:sp>
+        <p:nvSpPr>
+          <p:cNvPr id="3" name="Notes Placeholder 2"/>
+          <p:cNvSpPr>
+            <a:spLocks noGrp="1"/>
+          </p:cNvSpPr>
+          <p:nvPr>
+            <p:ph type="body" idx="1"/>
+          </p:nvPr>
+        </p:nvSpPr>
+        <p:spPr/>
+        <p:txBody>
+          <a:bodyPr/>
+          <a:lstStyle/>
+          <a:p>
+            <a:r>
+              <a:rPr lang="uk-UA" dirty="0"/>
+              <a:t>Для відображення хелс та й усіх інших метрик також можна використовувати </a:t>
+            </a:r>
+            <a:r>
+              <a:rPr lang="en-US" dirty="0"/>
+              <a:t>TICK-stack</a:t>
+            </a:r>
+            <a:r>
+              <a:rPr lang="uk-UA" dirty="0"/>
+              <a:t>.</a:t>
+            </a:r>
+            <a:endParaRPr lang="en-US" dirty="0"/>
+          </a:p>
+          <a:p>
+            <a:pPr marL="0" marR="0" lvl="0" indent="0" algn="l" defTabSz="914400" rtl="0" eaLnBrk="1" fontAlgn="auto" latinLnBrk="0" hangingPunct="1">
+              <a:lnSpc>
+                <a:spcPct val="100000"/>
+              </a:lnSpc>
+              <a:spcBef>
+                <a:spcPts val="0"/>
+              </a:spcBef>
+              <a:spcAft>
+                <a:spcPts val="0"/>
+              </a:spcAft>
+              <a:buClrTx/>
+              <a:buSzTx/>
+              <a:buFontTx/>
+              <a:buNone/>
+              <a:tabLst/>
+              <a:defRPr/>
+            </a:pPr>
+            <a:r>
+              <a:rPr lang="uk-UA" dirty="0"/>
+              <a:t>Який побуваний на продуктах платформи </a:t>
+            </a:r>
+            <a:r>
+              <a:rPr lang="en-US" sz="1200" b="0" i="0" kern="1200" dirty="0" err="1">
+                <a:solidFill>
+                  <a:schemeClr val="tx1"/>
+                </a:solidFill>
+                <a:effectLst/>
+                <a:latin typeface="+mn-lt"/>
+                <a:ea typeface="+mn-ea"/>
+                <a:cs typeface="+mn-cs"/>
+              </a:rPr>
+              <a:t>InfluxData</a:t>
+            </a:r>
+            <a:r>
+              <a:rPr lang="uk-UA" sz="1200" b="0" i="0" kern="1200" dirty="0">
+                <a:solidFill>
+                  <a:schemeClr val="tx1"/>
+                </a:solidFill>
+                <a:effectLst/>
+                <a:latin typeface="+mn-lt"/>
+                <a:ea typeface="+mn-ea"/>
+                <a:cs typeface="+mn-cs"/>
+              </a:rPr>
+              <a:t>.</a:t>
+            </a:r>
+            <a:endParaRPr lang="en-US" sz="1200" b="0" i="0" kern="1200" dirty="0">
+              <a:solidFill>
+                <a:schemeClr val="tx1"/>
+              </a:solidFill>
+              <a:effectLst/>
+              <a:latin typeface="+mn-lt"/>
+              <a:ea typeface="+mn-ea"/>
+              <a:cs typeface="+mn-cs"/>
+            </a:endParaRPr>
+          </a:p>
+        </p:txBody>
+      </p:sp>
+      <p:sp>
+        <p:nvSpPr>
+          <p:cNvPr id="4" name="Slide Number Placeholder 3"/>
+          <p:cNvSpPr>
+            <a:spLocks noGrp="1"/>
+          </p:cNvSpPr>
+          <p:nvPr>
+            <p:ph type="sldNum" sz="quarter" idx="5"/>
+          </p:nvPr>
+        </p:nvSpPr>
+        <p:spPr/>
+        <p:txBody>
+          <a:bodyPr/>
+          <a:lstStyle/>
+          <a:p>
+            <a:fld id="{E0AE778D-2A57-4226-B72B-26EA3CA60131}" type="slidenum">
+              <a:rPr lang="en-US" smtClean="0"/>
+              <a:t>18</a:t>
+            </a:fld>
+            <a:endParaRPr lang="en-US"/>
+          </a:p>
+        </p:txBody>
+      </p:sp>
+    </p:spTree>
+    <p:extLst>
+      <p:ext uri="{BB962C8B-B14F-4D97-AF65-F5344CB8AC3E}">
+        <p14:creationId xmlns:p14="http://schemas.microsoft.com/office/powerpoint/2010/main" val="1548481055"/>
+      </p:ext>
+    </p:extLst>
+  </p:cSld>
+  <p:clrMapOvr>
+    <a:masterClrMapping/>
+  </p:clrMapOvr>
+</p:notes>
+</file>
+
+<file path=ppt/notesSlides/notesSlide19.xml><?xml version="1.0" encoding="utf-8"?>
+<p:notes xmlns:a="http://schemas.openxmlformats.org/drawingml/2006/main" xmlns:r="http://schemas.openxmlformats.org/officeDocument/2006/relationships" xmlns:p="http://schemas.openxmlformats.org/presentationml/2006/main">
+  <p:cSld>
+    <p:spTree>
+      <p:nvGrpSpPr>
+        <p:cNvPr id="1" name=""/>
+        <p:cNvGrpSpPr/>
+        <p:nvPr/>
+      </p:nvGrpSpPr>
+      <p:grpSpPr>
+        <a:xfrm>
+          <a:off x="0" y="0"/>
+          <a:ext cx="0" cy="0"/>
+          <a:chOff x="0" y="0"/>
+          <a:chExt cx="0" cy="0"/>
+        </a:xfrm>
+      </p:grpSpPr>
+      <p:sp>
+        <p:nvSpPr>
+          <p:cNvPr id="2" name="Slide Image Placeholder 1"/>
+          <p:cNvSpPr>
+            <a:spLocks noGrp="1" noRot="1" noChangeAspect="1"/>
+          </p:cNvSpPr>
+          <p:nvPr>
+            <p:ph type="sldImg"/>
+          </p:nvPr>
+        </p:nvSpPr>
+        <p:spPr/>
+      </p:sp>
+      <p:sp>
+        <p:nvSpPr>
+          <p:cNvPr id="3" name="Notes Placeholder 2"/>
+          <p:cNvSpPr>
+            <a:spLocks noGrp="1"/>
+          </p:cNvSpPr>
+          <p:nvPr>
+            <p:ph type="body" idx="1"/>
+          </p:nvPr>
+        </p:nvSpPr>
+        <p:spPr/>
+        <p:txBody>
+          <a:bodyPr/>
+          <a:lstStyle/>
+          <a:p>
+            <a:r>
+              <a:rPr lang="uk-UA" dirty="0"/>
+              <a:t>Хронограф – спеціалізоване рішення для дослідження та візуалізації ІнлюксДб даних.</a:t>
+            </a:r>
+          </a:p>
+          <a:p>
+            <a:r>
+              <a:rPr lang="uk-UA" dirty="0"/>
+              <a:t>Зручне рішення для швидкого старту оскільки містить наперед визначені дешборди та зручний інтерфейс для ІнлюксДб.</a:t>
+            </a:r>
+            <a:endParaRPr lang="en-US" dirty="0"/>
+          </a:p>
+        </p:txBody>
+      </p:sp>
+      <p:sp>
+        <p:nvSpPr>
+          <p:cNvPr id="4" name="Slide Number Placeholder 3"/>
+          <p:cNvSpPr>
+            <a:spLocks noGrp="1"/>
+          </p:cNvSpPr>
+          <p:nvPr>
+            <p:ph type="sldNum" sz="quarter" idx="5"/>
+          </p:nvPr>
+        </p:nvSpPr>
+        <p:spPr/>
+        <p:txBody>
+          <a:bodyPr/>
+          <a:lstStyle/>
+          <a:p>
+            <a:fld id="{E0AE778D-2A57-4226-B72B-26EA3CA60131}" type="slidenum">
+              <a:rPr lang="en-US" smtClean="0"/>
+              <a:t>19</a:t>
+            </a:fld>
+            <a:endParaRPr lang="en-US"/>
+          </a:p>
+        </p:txBody>
+      </p:sp>
+    </p:spTree>
+    <p:extLst>
+      <p:ext uri="{BB962C8B-B14F-4D97-AF65-F5344CB8AC3E}">
+        <p14:creationId xmlns:p14="http://schemas.microsoft.com/office/powerpoint/2010/main" val="1496967941"/>
       </p:ext>
     </p:extLst>
   </p:cSld>
@@ -1976,7 +2481,7 @@
           <a:p>
             <a:r>
               <a:rPr lang="uk-UA" dirty="0"/>
-              <a:t>Хелс чек це швидка перевірка стану здоровя системи</a:t>
+              <a:t>Хелс чек це швидка перевірка стану системи</a:t>
             </a:r>
           </a:p>
           <a:p>
@@ -1984,12 +2489,73 @@
               <a:rPr lang="uk-UA" dirty="0"/>
               <a:t>Це швидкі індикатори які дають невеличку порцію інформації про стан системи</a:t>
             </a:r>
-          </a:p>
-          <a:p>
+            <a:endParaRPr lang="en-US" dirty="0"/>
+          </a:p>
+          <a:p>
+            <a:pPr marL="0" marR="0" lvl="0" indent="0" algn="l" defTabSz="914400" rtl="0" eaLnBrk="1" fontAlgn="auto" latinLnBrk="0" hangingPunct="1">
+              <a:lnSpc>
+                <a:spcPct val="100000"/>
+              </a:lnSpc>
+              <a:spcBef>
+                <a:spcPts val="0"/>
+              </a:spcBef>
+              <a:spcAft>
+                <a:spcPts val="0"/>
+              </a:spcAft>
+              <a:buClrTx/>
+              <a:buSzTx/>
+              <a:buFontTx/>
+              <a:buNone/>
+              <a:tabLst/>
+              <a:defRPr/>
+            </a:pPr>
             <a:r>
               <a:rPr lang="uk-UA" dirty="0"/>
-              <a:t>Якщо хелс чек виконується більше 30 секунд – скоріше за все десь є проблема.</a:t>
-            </a:r>
+              <a:t>Процедура хелс чеку повинна виконуватись досить швидко не більше 30 секунд та не завантажувати систему.</a:t>
+            </a:r>
+          </a:p>
+          <a:p>
+            <a:pPr marL="0" marR="0" lvl="0" indent="0" algn="l" defTabSz="914400" rtl="0" eaLnBrk="1" fontAlgn="auto" latinLnBrk="0" hangingPunct="1">
+              <a:lnSpc>
+                <a:spcPct val="100000"/>
+              </a:lnSpc>
+              <a:spcBef>
+                <a:spcPts val="0"/>
+              </a:spcBef>
+              <a:spcAft>
+                <a:spcPts val="0"/>
+              </a:spcAft>
+              <a:buClrTx/>
+              <a:buSzTx/>
+              <a:buFontTx/>
+              <a:buNone/>
+              <a:tabLst/>
+              <a:defRPr/>
+            </a:pPr>
+            <a:r>
+              <a:rPr lang="uk-UA" dirty="0"/>
+              <a:t>Найбільш популярним типом хелс чеку є перевірка зєднання між компонентами в системі.</a:t>
+            </a:r>
+          </a:p>
+          <a:p>
+            <a:pPr marL="0" marR="0" lvl="0" indent="0" algn="l" defTabSz="914400" rtl="0" eaLnBrk="1" fontAlgn="auto" latinLnBrk="0" hangingPunct="1">
+              <a:lnSpc>
+                <a:spcPct val="100000"/>
+              </a:lnSpc>
+              <a:spcBef>
+                <a:spcPts val="0"/>
+              </a:spcBef>
+              <a:spcAft>
+                <a:spcPts val="0"/>
+              </a:spcAft>
+              <a:buClrTx/>
+              <a:buSzTx/>
+              <a:buFontTx/>
+              <a:buNone/>
+              <a:tabLst/>
+              <a:defRPr/>
+            </a:pPr>
+            <a:endParaRPr lang="uk-UA" dirty="0"/>
           </a:p>
           <a:p>
             <a:r>
@@ -2027,6 +2593,213 @@
     <p:extLst>
       <p:ext uri="{BB962C8B-B14F-4D97-AF65-F5344CB8AC3E}">
         <p14:creationId xmlns:p14="http://schemas.microsoft.com/office/powerpoint/2010/main" val="3355023181"/>
+      </p:ext>
+    </p:extLst>
+  </p:cSld>
+  <p:clrMapOvr>
+    <a:masterClrMapping/>
+  </p:clrMapOvr>
+</p:notes>
+</file>
+
+<file path=ppt/notesSlides/notesSlide20.xml><?xml version="1.0" encoding="utf-8"?>
+<p:notes xmlns:a="http://schemas.openxmlformats.org/drawingml/2006/main" xmlns:r="http://schemas.openxmlformats.org/officeDocument/2006/relationships" xmlns:p="http://schemas.openxmlformats.org/presentationml/2006/main">
+  <p:cSld>
+    <p:spTree>
+      <p:nvGrpSpPr>
+        <p:cNvPr id="1" name=""/>
+        <p:cNvGrpSpPr/>
+        <p:nvPr/>
+      </p:nvGrpSpPr>
+      <p:grpSpPr>
+        <a:xfrm>
+          <a:off x="0" y="0"/>
+          <a:ext cx="0" cy="0"/>
+          <a:chOff x="0" y="0"/>
+          <a:chExt cx="0" cy="0"/>
+        </a:xfrm>
+      </p:grpSpPr>
+      <p:sp>
+        <p:nvSpPr>
+          <p:cNvPr id="2" name="Slide Image Placeholder 1"/>
+          <p:cNvSpPr>
+            <a:spLocks noGrp="1" noRot="1" noChangeAspect="1"/>
+          </p:cNvSpPr>
+          <p:nvPr>
+            <p:ph type="sldImg"/>
+          </p:nvPr>
+        </p:nvSpPr>
+        <p:spPr/>
+      </p:sp>
+      <p:sp>
+        <p:nvSpPr>
+          <p:cNvPr id="3" name="Notes Placeholder 2"/>
+          <p:cNvSpPr>
+            <a:spLocks noGrp="1"/>
+          </p:cNvSpPr>
+          <p:nvPr>
+            <p:ph type="body" idx="1"/>
+          </p:nvPr>
+        </p:nvSpPr>
+        <p:spPr/>
+        <p:txBody>
+          <a:bodyPr/>
+          <a:lstStyle/>
+          <a:p>
+            <a:r>
+              <a:rPr lang="uk-UA" dirty="0"/>
+              <a:t>Капасітор – це спеціалізоване рішення для обробки даних.</a:t>
+            </a:r>
+          </a:p>
+          <a:p>
+            <a:r>
+              <a:rPr lang="uk-UA" dirty="0"/>
+              <a:t>Часто використовується разом із </a:t>
+            </a:r>
+            <a:r>
+              <a:rPr lang="en-US" dirty="0"/>
+              <a:t>TIG </a:t>
+            </a:r>
+            <a:r>
+              <a:rPr lang="uk-UA" dirty="0"/>
+              <a:t>стеком для налаштування нотифікацій у випадку коли значення метрик почнуть виходити за задані рамки.</a:t>
+            </a:r>
+          </a:p>
+          <a:p>
+            <a:r>
+              <a:rPr lang="uk-UA" dirty="0"/>
+              <a:t>Працює із </a:t>
+            </a:r>
+            <a:r>
+              <a:rPr lang="en-US" sz="1200" dirty="0" err="1"/>
+              <a:t>InfluxDB</a:t>
+            </a:r>
+            <a:r>
+              <a:rPr lang="uk-UA" sz="1200" dirty="0"/>
+              <a:t>.</a:t>
+            </a:r>
+            <a:endParaRPr lang="uk-UA" dirty="0"/>
+          </a:p>
+          <a:p>
+            <a:r>
+              <a:rPr lang="uk-UA" dirty="0"/>
+              <a:t>Має можливість надсилання нотифікацій різними каналами.</a:t>
+            </a:r>
+            <a:endParaRPr lang="en-US" dirty="0"/>
+          </a:p>
+        </p:txBody>
+      </p:sp>
+      <p:sp>
+        <p:nvSpPr>
+          <p:cNvPr id="4" name="Slide Number Placeholder 3"/>
+          <p:cNvSpPr>
+            <a:spLocks noGrp="1"/>
+          </p:cNvSpPr>
+          <p:nvPr>
+            <p:ph type="sldNum" sz="quarter" idx="5"/>
+          </p:nvPr>
+        </p:nvSpPr>
+        <p:spPr/>
+        <p:txBody>
+          <a:bodyPr/>
+          <a:lstStyle/>
+          <a:p>
+            <a:fld id="{E0AE778D-2A57-4226-B72B-26EA3CA60131}" type="slidenum">
+              <a:rPr lang="en-US" smtClean="0"/>
+              <a:t>20</a:t>
+            </a:fld>
+            <a:endParaRPr lang="en-US"/>
+          </a:p>
+        </p:txBody>
+      </p:sp>
+    </p:spTree>
+    <p:extLst>
+      <p:ext uri="{BB962C8B-B14F-4D97-AF65-F5344CB8AC3E}">
+        <p14:creationId xmlns:p14="http://schemas.microsoft.com/office/powerpoint/2010/main" val="3858013909"/>
+      </p:ext>
+    </p:extLst>
+  </p:cSld>
+  <p:clrMapOvr>
+    <a:masterClrMapping/>
+  </p:clrMapOvr>
+</p:notes>
+</file>
+
+<file path=ppt/notesSlides/notesSlide21.xml><?xml version="1.0" encoding="utf-8"?>
+<p:notes xmlns:a="http://schemas.openxmlformats.org/drawingml/2006/main" xmlns:r="http://schemas.openxmlformats.org/officeDocument/2006/relationships" xmlns:p="http://schemas.openxmlformats.org/presentationml/2006/main">
+  <p:cSld>
+    <p:spTree>
+      <p:nvGrpSpPr>
+        <p:cNvPr id="1" name=""/>
+        <p:cNvGrpSpPr/>
+        <p:nvPr/>
+      </p:nvGrpSpPr>
+      <p:grpSpPr>
+        <a:xfrm>
+          <a:off x="0" y="0"/>
+          <a:ext cx="0" cy="0"/>
+          <a:chOff x="0" y="0"/>
+          <a:chExt cx="0" cy="0"/>
+        </a:xfrm>
+      </p:grpSpPr>
+      <p:sp>
+        <p:nvSpPr>
+          <p:cNvPr id="2" name="Slide Image Placeholder 1"/>
+          <p:cNvSpPr>
+            <a:spLocks noGrp="1" noRot="1" noChangeAspect="1"/>
+          </p:cNvSpPr>
+          <p:nvPr>
+            <p:ph type="sldImg"/>
+          </p:nvPr>
+        </p:nvSpPr>
+        <p:spPr/>
+      </p:sp>
+      <p:sp>
+        <p:nvSpPr>
+          <p:cNvPr id="3" name="Notes Placeholder 2"/>
+          <p:cNvSpPr>
+            <a:spLocks noGrp="1"/>
+          </p:cNvSpPr>
+          <p:nvPr>
+            <p:ph type="body" idx="1"/>
+          </p:nvPr>
+        </p:nvSpPr>
+        <p:spPr/>
+        <p:txBody>
+          <a:bodyPr/>
+          <a:lstStyle/>
+          <a:p>
+            <a:endParaRPr lang="en-US" dirty="0"/>
+          </a:p>
+        </p:txBody>
+      </p:sp>
+      <p:sp>
+        <p:nvSpPr>
+          <p:cNvPr id="4" name="Slide Number Placeholder 3"/>
+          <p:cNvSpPr>
+            <a:spLocks noGrp="1"/>
+          </p:cNvSpPr>
+          <p:nvPr>
+            <p:ph type="sldNum" sz="quarter" idx="10"/>
+          </p:nvPr>
+        </p:nvSpPr>
+        <p:spPr/>
+        <p:txBody>
+          <a:bodyPr/>
+          <a:lstStyle/>
+          <a:p>
+            <a:fld id="{E0AE778D-2A57-4226-B72B-26EA3CA60131}" type="slidenum">
+              <a:rPr lang="en-US" smtClean="0"/>
+              <a:t>21</a:t>
+            </a:fld>
+            <a:endParaRPr lang="en-US"/>
+          </a:p>
+        </p:txBody>
+      </p:sp>
+    </p:spTree>
+    <p:extLst>
+      <p:ext uri="{BB962C8B-B14F-4D97-AF65-F5344CB8AC3E}">
+        <p14:creationId xmlns:p14="http://schemas.microsoft.com/office/powerpoint/2010/main" val="170431087"/>
       </p:ext>
     </p:extLst>
   </p:cSld>
@@ -2088,7 +2861,13 @@
           <a:p>
             <a:r>
               <a:rPr lang="uk-UA" dirty="0"/>
-              <a:t>які можуть бути вироджені тільки до спостерігання за поточним станом здоровя системи.</a:t>
+              <a:t>В найпростішому випадка це може бути просто спостерігання за поточним станом працездатності системи</a:t>
+            </a:r>
+          </a:p>
+          <a:p>
+            <a:r>
+              <a:rPr lang="uk-UA" dirty="0"/>
+              <a:t>Та прийняття певних рішень колись система виходить із нормального стану.</a:t>
             </a:r>
             <a:endParaRPr lang="en-US" dirty="0"/>
           </a:p>
@@ -2508,7 +3287,7 @@
           <a:p>
             <a:r>
               <a:rPr lang="uk-UA" dirty="0"/>
-              <a:t>Також є можливість використати готові пакети із хелсчеками для багатьох популярних сервісі.</a:t>
+              <a:t>Також є можливість використати готові пакети із хелсчеками для багатьох популярних сервісів.</a:t>
             </a:r>
             <a:endParaRPr lang="en-US" dirty="0"/>
           </a:p>
@@ -2696,7 +3475,7 @@
           <a:p>
             <a:r>
               <a:rPr lang="uk-UA" dirty="0"/>
-              <a:t>Для генерування та передавання хелс метрик використовуємо відкриту бібліотеку </a:t>
+              <a:t>В даній презентації та демо для генерування та передавання хелс метрик використовуємо відкриту бібліотеку </a:t>
             </a:r>
             <a:r>
               <a:rPr lang="en-US" dirty="0" err="1"/>
@@ -4030,7 +4809,7 @@
           <a:p>
             <a:fld id="{E885B747-BE7F-405E-BE85-338BBEB3E80C}" type="datetimeFigureOut">
               <a:rPr lang="en-GB" smtClean="0"/>
-              <a:t>05/11/2019</a:t>
+              <a:t>16/11/2019</a:t>
             </a:fld>
             <a:endParaRPr lang="en-GB"/>
           </a:p>
@@ -8103,13 +8882,553 @@
           <a:p>
             <a:r>
               <a:rPr lang="en-US" dirty="0"/>
-              <a:t>Publishing of health metrics with </a:t>
+              <a:t>Metric structure with </a:t>
             </a:r>
             <a:r>
               <a:rPr lang="en-US" dirty="0" err="1"/>
               <a:t>AppMetrics</a:t>
             </a:r>
             <a:endParaRPr lang="en-US" dirty="0"/>
+          </a:p>
+        </p:txBody>
+      </p:sp>
+      <p:sp>
+        <p:nvSpPr>
+          <p:cNvPr id="3" name="Rectangle 2">
+            <a:extLst>
+              <a:ext uri="{FF2B5EF4-FFF2-40B4-BE49-F238E27FC236}">
+                <a16:creationId xmlns:a16="http://schemas.microsoft.com/office/drawing/2014/main" id="{C9BE5DC7-0970-4414-A447-A5CF94167BC5}"/>
+              </a:ext>
+            </a:extLst>
+          </p:cNvPr>
+          <p:cNvSpPr/>
+          <p:nvPr/>
+        </p:nvSpPr>
+        <p:spPr>
+          <a:xfrm>
+            <a:off x="3348037" y="1586716"/>
+            <a:ext cx="6096000" cy="3970318"/>
+          </a:xfrm>
+          <a:prstGeom prst="rect">
+            <a:avLst/>
+          </a:prstGeom>
+        </p:spPr>
+        <p:txBody>
+          <a:bodyPr>
+            <a:spAutoFit/>
+          </a:bodyPr>
+          <a:lstStyle/>
+          <a:p>
+            <a:r>
+              <a:rPr lang="en-US" dirty="0"/>
+              <a:t># TIMESTAMP: 637094205719994799</a:t>
+            </a:r>
+          </a:p>
+          <a:p>
+            <a:r>
+              <a:rPr lang="en-US" dirty="0"/>
+              <a:t># MEASUREMENT: [</a:t>
+            </a:r>
+            <a:r>
+              <a:rPr lang="en-US" dirty="0" err="1"/>
+              <a:t>Application.HttpRequests</a:t>
+            </a:r>
+            <a:r>
+              <a:rPr lang="en-US" dirty="0"/>
+              <a:t>] </a:t>
+            </a:r>
+            <a:r>
+              <a:rPr lang="en-US" dirty="0" err="1"/>
+              <a:t>Apdex</a:t>
+            </a:r>
+            <a:endParaRPr lang="en-US" dirty="0"/>
+          </a:p>
+          <a:p>
+            <a:r>
+              <a:rPr lang="en-US" dirty="0"/>
+              <a:t># TAGS:</a:t>
+            </a:r>
+          </a:p>
+          <a:p>
+            <a:r>
+              <a:rPr lang="en-US" dirty="0"/>
+              <a:t>                 server = EPUAVINW0417</a:t>
+            </a:r>
+          </a:p>
+          <a:p>
+            <a:r>
+              <a:rPr lang="en-US" dirty="0"/>
+              <a:t>                    app = WebApplication2</a:t>
+            </a:r>
+          </a:p>
+          <a:p>
+            <a:r>
+              <a:rPr lang="en-US" dirty="0"/>
+              <a:t>                    env = development</a:t>
+            </a:r>
+          </a:p>
+          <a:p>
+            <a:r>
+              <a:rPr lang="en-US" dirty="0"/>
+              <a:t>                  </a:t>
+            </a:r>
+            <a:r>
+              <a:rPr lang="en-US" dirty="0" err="1"/>
+              <a:t>mtype</a:t>
+            </a:r>
+            <a:r>
+              <a:rPr lang="en-US" dirty="0"/>
+              <a:t> = </a:t>
+            </a:r>
+            <a:r>
+              <a:rPr lang="en-US" dirty="0" err="1"/>
+              <a:t>apdex</a:t>
+            </a:r>
+            <a:endParaRPr lang="en-US" dirty="0"/>
+          </a:p>
+          <a:p>
+            <a:r>
+              <a:rPr lang="en-US" dirty="0"/>
+              <a:t>                   unit = result</a:t>
+            </a:r>
+          </a:p>
+          <a:p>
+            <a:r>
+              <a:rPr lang="en-US" dirty="0"/>
+              <a:t># FIELDS:</a:t>
+            </a:r>
+          </a:p>
+          <a:p>
+            <a:r>
+              <a:rPr lang="en-US" dirty="0"/>
+              <a:t>                samples = 0</a:t>
+            </a:r>
+          </a:p>
+          <a:p>
+            <a:r>
+              <a:rPr lang="en-US" dirty="0"/>
+              <a:t>                  score = 1</a:t>
+            </a:r>
+          </a:p>
+          <a:p>
+            <a:r>
+              <a:rPr lang="en-US" dirty="0"/>
+              <a:t>              satisfied = 0</a:t>
+            </a:r>
+          </a:p>
+          <a:p>
+            <a:r>
+              <a:rPr lang="en-US" dirty="0"/>
+              <a:t>             tolerating = 0</a:t>
+            </a:r>
+          </a:p>
+          <a:p>
+            <a:r>
+              <a:rPr lang="en-US" dirty="0"/>
+              <a:t>            frustrating = 0</a:t>
+            </a:r>
+          </a:p>
+        </p:txBody>
+      </p:sp>
+    </p:spTree>
+    <p:extLst>
+      <p:ext uri="{BB962C8B-B14F-4D97-AF65-F5344CB8AC3E}">
+        <p14:creationId xmlns:p14="http://schemas.microsoft.com/office/powerpoint/2010/main" val="1083625337"/>
+      </p:ext>
+    </p:extLst>
+  </p:cSld>
+  <p:clrMapOvr>
+    <a:masterClrMapping/>
+  </p:clrMapOvr>
+  <p:transition>
+    <p:fade/>
+  </p:transition>
+</p:sld>
+</file>
+
+<file path=ppt/slides/slide11.xml><?xml version="1.0" encoding="utf-8"?>
+<p:sld xmlns:a="http://schemas.openxmlformats.org/drawingml/2006/main" xmlns:r="http://schemas.openxmlformats.org/officeDocument/2006/relationships" xmlns:p="http://schemas.openxmlformats.org/presentationml/2006/main">
+  <p:cSld>
+    <p:spTree>
+      <p:nvGrpSpPr>
+        <p:cNvPr id="1" name=""/>
+        <p:cNvGrpSpPr/>
+        <p:nvPr/>
+      </p:nvGrpSpPr>
+      <p:grpSpPr>
+        <a:xfrm>
+          <a:off x="0" y="0"/>
+          <a:ext cx="0" cy="0"/>
+          <a:chOff x="0" y="0"/>
+          <a:chExt cx="0" cy="0"/>
+        </a:xfrm>
+      </p:grpSpPr>
+      <p:sp>
+        <p:nvSpPr>
+          <p:cNvPr id="17" name="Rectangle 5">
+            <a:extLst>
+              <a:ext uri="{FF2B5EF4-FFF2-40B4-BE49-F238E27FC236}">
+                <a16:creationId xmlns:a16="http://schemas.microsoft.com/office/drawing/2014/main" id="{432F2332-A9B0-4B0A-8637-2B95771E7B03}"/>
+              </a:ext>
+            </a:extLst>
+          </p:cNvPr>
+          <p:cNvSpPr>
+            <a:spLocks noChangeArrowheads="1"/>
+          </p:cNvSpPr>
+          <p:nvPr/>
+        </p:nvSpPr>
+        <p:spPr bwMode="auto">
+          <a:xfrm>
+            <a:off x="249032" y="3045191"/>
+            <a:ext cx="5369075" cy="2205692"/>
+          </a:xfrm>
+          <a:prstGeom prst="rect">
+            <a:avLst/>
+          </a:prstGeom>
+          <a:solidFill>
+            <a:srgbClr val="FFFFFF"/>
+          </a:solidFill>
+          <a:ln>
+            <a:noFill/>
+          </a:ln>
+          <a:effectLst/>
+          <a:extLst>
+            <a:ext uri="{91240B29-F687-4F45-9708-019B960494DF}">
+              <a14:hiddenLine xmlns:a14="http://schemas.microsoft.com/office/drawing/2010/main" w="9525">
+                <a:solidFill>
+                  <a:schemeClr val="tx1"/>
+                </a:solidFill>
+                <a:miter lim="800000"/>
+                <a:headEnd/>
+                <a:tailEnd/>
+              </a14:hiddenLine>
+            </a:ext>
+            <a:ext uri="{AF507438-7753-43E0-B8FC-AC1667EBCBE1}">
+              <a14:hiddenEffects xmlns:a14="http://schemas.microsoft.com/office/drawing/2010/main">
+                <a:effectLst>
+                  <a:outerShdw dist="35921" dir="2700000" algn="ctr" rotWithShape="0">
+                    <a:schemeClr val="bg2"/>
+                  </a:outerShdw>
+                </a:effectLst>
+              </a14:hiddenEffects>
+            </a:ext>
+          </a:extLst>
+        </p:spPr>
+        <p:txBody>
+          <a:bodyPr vert="horz" wrap="square" lIns="0" tIns="0" rIns="0" bIns="126960" numCol="1" anchor="ctr" anchorCtr="0" compatLnSpc="1">
+            <a:prstTxWarp prst="textNoShape">
+              <a:avLst/>
+            </a:prstTxWarp>
+            <a:spAutoFit/>
+          </a:bodyPr>
+          <a:lstStyle/>
+          <a:p>
+            <a:r>
+              <a:rPr lang="en-US" sz="1500" dirty="0">
+                <a:solidFill>
+                  <a:srgbClr val="0000FF"/>
+                </a:solidFill>
+                <a:latin typeface="inherit"/>
+              </a:rPr>
+              <a:t>public</a:t>
+            </a:r>
+            <a:r>
+              <a:rPr lang="en-US" sz="1500" dirty="0">
+                <a:solidFill>
+                  <a:srgbClr val="000000"/>
+                </a:solidFill>
+                <a:latin typeface="inherit"/>
+              </a:rPr>
+              <a:t> Task </a:t>
+            </a:r>
+            <a:r>
+              <a:rPr lang="en-US" sz="1500" dirty="0" err="1">
+                <a:solidFill>
+                  <a:srgbClr val="000000"/>
+                </a:solidFill>
+                <a:latin typeface="inherit"/>
+              </a:rPr>
+              <a:t>PublishAsync</a:t>
+            </a:r>
+            <a:r>
+              <a:rPr lang="en-US" sz="1500" dirty="0">
+                <a:solidFill>
+                  <a:srgbClr val="000000"/>
+                </a:solidFill>
+                <a:latin typeface="inherit"/>
+              </a:rPr>
+              <a:t>(</a:t>
+            </a:r>
+            <a:r>
+              <a:rPr lang="en-US" sz="1500" dirty="0" err="1">
+                <a:solidFill>
+                  <a:srgbClr val="000000"/>
+                </a:solidFill>
+                <a:latin typeface="inherit"/>
+              </a:rPr>
+              <a:t>HealthReport</a:t>
+            </a:r>
+            <a:r>
+              <a:rPr lang="en-US" sz="1500" dirty="0">
+                <a:solidFill>
+                  <a:srgbClr val="000000"/>
+                </a:solidFill>
+                <a:latin typeface="inherit"/>
+              </a:rPr>
+              <a:t> report, </a:t>
+            </a:r>
+            <a:r>
+              <a:rPr lang="en-US" sz="1500" dirty="0" err="1">
+                <a:solidFill>
+                  <a:srgbClr val="000000"/>
+                </a:solidFill>
+                <a:latin typeface="inherit"/>
+              </a:rPr>
+              <a:t>CancellationToken</a:t>
+            </a:r>
+            <a:r>
+              <a:rPr lang="en-US" sz="1500" dirty="0">
+                <a:solidFill>
+                  <a:srgbClr val="000000"/>
+                </a:solidFill>
+                <a:latin typeface="inherit"/>
+              </a:rPr>
+              <a:t> </a:t>
+            </a:r>
+            <a:r>
+              <a:rPr lang="en-US" sz="1500" dirty="0" err="1">
+                <a:solidFill>
+                  <a:srgbClr val="000000"/>
+                </a:solidFill>
+                <a:latin typeface="inherit"/>
+              </a:rPr>
+              <a:t>cancellationToken</a:t>
+            </a:r>
+            <a:r>
+              <a:rPr lang="en-US" sz="1500" dirty="0">
+                <a:solidFill>
+                  <a:srgbClr val="000000"/>
+                </a:solidFill>
+                <a:latin typeface="inherit"/>
+              </a:rPr>
+              <a:t>)</a:t>
+            </a:r>
+          </a:p>
+          <a:p>
+            <a:r>
+              <a:rPr lang="en-US" sz="1500" dirty="0">
+                <a:solidFill>
+                  <a:srgbClr val="000000"/>
+                </a:solidFill>
+                <a:latin typeface="inherit"/>
+              </a:rPr>
+              <a:t>        {</a:t>
+            </a:r>
+          </a:p>
+          <a:p>
+            <a:r>
+              <a:rPr lang="en-US" sz="1500" dirty="0">
+                <a:solidFill>
+                  <a:srgbClr val="000000"/>
+                </a:solidFill>
+                <a:latin typeface="inherit"/>
+              </a:rPr>
+              <a:t>            </a:t>
+            </a:r>
+            <a:r>
+              <a:rPr lang="en-US" sz="1500" dirty="0">
+                <a:solidFill>
+                  <a:srgbClr val="0000FF"/>
+                </a:solidFill>
+                <a:latin typeface="inherit"/>
+              </a:rPr>
+              <a:t>foreach</a:t>
+            </a:r>
+            <a:r>
+              <a:rPr lang="en-US" sz="1500" dirty="0">
+                <a:solidFill>
+                  <a:srgbClr val="000000"/>
+                </a:solidFill>
+                <a:latin typeface="inherit"/>
+              </a:rPr>
+              <a:t> (var </a:t>
+            </a:r>
+            <a:r>
+              <a:rPr lang="en-US" sz="1500" dirty="0" err="1">
+                <a:solidFill>
+                  <a:srgbClr val="000000"/>
+                </a:solidFill>
+                <a:latin typeface="inherit"/>
+              </a:rPr>
+              <a:t>healthReport</a:t>
+            </a:r>
+            <a:r>
+              <a:rPr lang="en-US" sz="1500" dirty="0">
+                <a:solidFill>
+                  <a:srgbClr val="000000"/>
+                </a:solidFill>
+                <a:latin typeface="inherit"/>
+              </a:rPr>
+              <a:t> </a:t>
+            </a:r>
+            <a:r>
+              <a:rPr lang="en-US" sz="1500" dirty="0">
+                <a:solidFill>
+                  <a:srgbClr val="0000FF"/>
+                </a:solidFill>
+                <a:latin typeface="inherit"/>
+              </a:rPr>
+              <a:t>in</a:t>
+            </a:r>
+            <a:r>
+              <a:rPr lang="en-US" sz="1500" dirty="0">
+                <a:solidFill>
+                  <a:srgbClr val="000000"/>
+                </a:solidFill>
+                <a:latin typeface="inherit"/>
+              </a:rPr>
+              <a:t> </a:t>
+            </a:r>
+            <a:r>
+              <a:rPr lang="en-US" sz="1500" dirty="0" err="1">
+                <a:solidFill>
+                  <a:srgbClr val="000000"/>
+                </a:solidFill>
+                <a:latin typeface="inherit"/>
+              </a:rPr>
+              <a:t>report.Entries</a:t>
+            </a:r>
+            <a:r>
+              <a:rPr lang="en-US" sz="1500" dirty="0">
+                <a:solidFill>
+                  <a:srgbClr val="000000"/>
+                </a:solidFill>
+                <a:latin typeface="inherit"/>
+              </a:rPr>
+              <a:t>)</a:t>
+            </a:r>
+          </a:p>
+          <a:p>
+            <a:r>
+              <a:rPr lang="en-US" sz="1500" dirty="0">
+                <a:solidFill>
+                  <a:srgbClr val="000000"/>
+                </a:solidFill>
+                <a:latin typeface="inherit"/>
+              </a:rPr>
+              <a:t>            {</a:t>
+            </a:r>
+          </a:p>
+          <a:p>
+            <a:r>
+              <a:rPr lang="en-US" sz="1500" dirty="0">
+                <a:solidFill>
+                  <a:srgbClr val="000000"/>
+                </a:solidFill>
+                <a:latin typeface="inherit"/>
+              </a:rPr>
+              <a:t>	//report metric</a:t>
+            </a:r>
+          </a:p>
+          <a:p>
+            <a:r>
+              <a:rPr lang="en-US" sz="1500" dirty="0">
+                <a:solidFill>
+                  <a:srgbClr val="000000"/>
+                </a:solidFill>
+                <a:latin typeface="inherit"/>
+              </a:rPr>
+              <a:t>            }</a:t>
+            </a:r>
+          </a:p>
+          <a:p>
+            <a:r>
+              <a:rPr lang="en-US" sz="1500" dirty="0">
+                <a:solidFill>
+                  <a:srgbClr val="000000"/>
+                </a:solidFill>
+                <a:latin typeface="inherit"/>
+              </a:rPr>
+              <a:t>            </a:t>
+            </a:r>
+            <a:r>
+              <a:rPr lang="en-US" sz="1500" dirty="0">
+                <a:solidFill>
+                  <a:srgbClr val="0000FF"/>
+                </a:solidFill>
+                <a:latin typeface="inherit"/>
+              </a:rPr>
+              <a:t>return</a:t>
+            </a:r>
+            <a:r>
+              <a:rPr lang="en-US" sz="1500" dirty="0">
+                <a:solidFill>
+                  <a:srgbClr val="000000"/>
+                </a:solidFill>
+                <a:latin typeface="inherit"/>
+              </a:rPr>
+              <a:t> </a:t>
+            </a:r>
+            <a:r>
+              <a:rPr lang="en-US" sz="1500" dirty="0" err="1">
+                <a:solidFill>
+                  <a:srgbClr val="000000"/>
+                </a:solidFill>
+                <a:latin typeface="inherit"/>
+              </a:rPr>
+              <a:t>Task.CompletedTask</a:t>
+            </a:r>
+            <a:r>
+              <a:rPr lang="en-US" sz="1500" dirty="0">
+                <a:solidFill>
+                  <a:srgbClr val="000000"/>
+                </a:solidFill>
+                <a:latin typeface="inherit"/>
+              </a:rPr>
+              <a:t>;</a:t>
+            </a:r>
+          </a:p>
+          <a:p>
+            <a:r>
+              <a:rPr lang="en-US" sz="1500" dirty="0">
+                <a:solidFill>
+                  <a:srgbClr val="000000"/>
+                </a:solidFill>
+                <a:latin typeface="inherit"/>
+              </a:rPr>
+              <a:t>        }</a:t>
+            </a:r>
+            <a:endParaRPr lang="en-US" sz="1500" dirty="0">
+              <a:latin typeface="inherit"/>
+            </a:endParaRPr>
+          </a:p>
+        </p:txBody>
+      </p:sp>
+      <p:sp>
+        <p:nvSpPr>
+          <p:cNvPr id="2" name="Title 1">
+            <a:extLst>
+              <a:ext uri="{FF2B5EF4-FFF2-40B4-BE49-F238E27FC236}">
+                <a16:creationId xmlns:a16="http://schemas.microsoft.com/office/drawing/2014/main" id="{DCF37BF9-15B2-4B16-8DBF-85FDCC9E0F66}"/>
+              </a:ext>
+            </a:extLst>
+          </p:cNvPr>
+          <p:cNvSpPr>
+            <a:spLocks noGrp="1"/>
+          </p:cNvSpPr>
+          <p:nvPr>
+            <p:ph type="title"/>
+          </p:nvPr>
+        </p:nvSpPr>
+        <p:spPr/>
+        <p:txBody>
+          <a:bodyPr/>
+          <a:lstStyle/>
+          <a:p>
+            <a:r>
+              <a:rPr lang="en-US" dirty="0"/>
+              <a:t>Publishing of health metrics</a:t>
+            </a:r>
           </a:p>
         </p:txBody>
       </p:sp>
@@ -8311,36 +9630,47 @@
               <a:buChar char="•"/>
             </a:pPr>
             <a:r>
-              <a:rPr lang="en-US" sz="2400" dirty="0"/>
-              <a:t>How we deliver health checks information to monitoring system</a:t>
-            </a:r>
+              <a:rPr lang="en-US" sz="2400" dirty="0">
+                <a:latin typeface="Segoe UI (Body)"/>
+              </a:rPr>
+              <a:t>If </a:t>
+            </a:r>
+            <a:r>
+              <a:rPr lang="en-US" sz="2400" b="1" dirty="0" err="1">
+                <a:latin typeface="Segoe UI (Body)"/>
+              </a:rPr>
+              <a:t>IHealthCheckPublisher</a:t>
+            </a:r>
+            <a:r>
+              <a:rPr lang="en-US" sz="2400" dirty="0">
+                <a:latin typeface="Segoe UI (Body)"/>
+              </a:rPr>
+              <a:t> is added to the service container,  health check system periodically executes your health checks and calls </a:t>
+            </a:r>
+            <a:r>
+              <a:rPr lang="en-US" sz="2400" b="1" dirty="0" err="1">
+                <a:latin typeface="Segoe UI (Body)"/>
+              </a:rPr>
+              <a:t>PublishAsync</a:t>
+            </a:r>
+            <a:r>
+              <a:rPr lang="en-US" sz="2400" dirty="0">
+                <a:latin typeface="Segoe UI (Body)"/>
+              </a:rPr>
+              <a:t> with the result</a:t>
+            </a:r>
+            <a:endParaRPr lang="uk-UA" sz="2400" dirty="0">
+              <a:latin typeface="Segoe UI (Body)"/>
+            </a:endParaRPr>
           </a:p>
           <a:p>
             <a:pPr marL="685800" indent="-685800">
               <a:buFont typeface="Arial" panose="020B0604020202020204" pitchFamily="34" charset="0"/>
               <a:buChar char="•"/>
             </a:pPr>
-            <a:r>
-              <a:rPr lang="en-US" sz="2400" dirty="0"/>
-              <a:t>If </a:t>
-            </a:r>
-            <a:r>
-              <a:rPr lang="en-US" sz="2400" b="1" dirty="0" err="1"/>
-              <a:t>IHealthCheckPublisher</a:t>
-            </a:r>
-            <a:r>
-              <a:rPr lang="en-US" sz="2400" dirty="0"/>
-              <a:t> is added to the service container,  health check system periodically executes your health checks and calls </a:t>
-            </a:r>
-            <a:r>
-              <a:rPr lang="en-US" sz="2400" dirty="0" err="1"/>
-              <a:t>PublishAsync</a:t>
-            </a:r>
-            <a:r>
-              <a:rPr lang="en-US" sz="2400" dirty="0"/>
-              <a:t> with the result</a:t>
-            </a:r>
-            <a:endParaRPr lang="uk-UA" sz="2400" dirty="0"/>
+            <a:endParaRPr lang="uk-UA" sz="2400" dirty="0">
+              <a:latin typeface="Segoe UI (Body)"/>
+            </a:endParaRPr>
           </a:p>
           <a:p>
             <a:pPr marL="685800" indent="-685800">
@@ -8348,30 +9678,44 @@
               <a:buChar char="•"/>
             </a:pPr>
             <a:r>
-              <a:rPr lang="en-US" sz="2400" dirty="0"/>
+              <a:rPr lang="en-US" sz="2400" dirty="0">
+                <a:latin typeface="Segoe UI (Body)"/>
+              </a:rPr>
               <a:t>We can implement our own metrics and </a:t>
             </a:r>
             <a:r>
-              <a:rPr lang="en-US" sz="2400" dirty="0" err="1"/>
+              <a:rPr lang="en-US" sz="2400" b="1" dirty="0" err="1">
+                <a:latin typeface="Segoe UI (Body)"/>
+              </a:rPr>
               <a:t>IHealthCheckPublisher</a:t>
             </a:r>
             <a:r>
-              <a:rPr lang="en-US" sz="2400" dirty="0"/>
+              <a:rPr lang="en-US" sz="2400" dirty="0">
+                <a:latin typeface="Segoe UI (Body)"/>
+              </a:rPr>
               <a:t> or to you  use provided by </a:t>
             </a:r>
             <a:r>
-              <a:rPr lang="en-US" sz="2400" dirty="0" err="1"/>
+              <a:rPr lang="en-US" sz="2400" dirty="0" err="1">
+                <a:latin typeface="Segoe UI (Body)"/>
+              </a:rPr>
               <a:t>AppMetrics</a:t>
             </a:r>
             <a:r>
-              <a:rPr lang="en-US" sz="2400" dirty="0"/>
-              <a:t> - </a:t>
-            </a:r>
-            <a:r>
-              <a:rPr lang="en-US" sz="2400" b="1" dirty="0" err="1"/>
+              <a:rPr lang="en-US" sz="2400" dirty="0">
+                <a:latin typeface="Segoe UI (Body)"/>
+              </a:rPr>
+              <a:t> – </a:t>
+            </a:r>
+            <a:r>
+              <a:rPr lang="en-US" sz="2400" b="1" dirty="0" err="1">
+                <a:latin typeface="Segoe UI (Body)"/>
+              </a:rPr>
               <a:t>AppMetricsHealthCheckPublisher</a:t>
             </a:r>
-            <a:endParaRPr lang="en-US" sz="2400" b="1" dirty="0"/>
+            <a:endParaRPr lang="en-US" sz="2400" b="1" dirty="0">
+              <a:latin typeface="Segoe UI (Body)"/>
+            </a:endParaRPr>
           </a:p>
         </p:txBody>
       </p:sp>
@@ -8391,7 +9735,7 @@
         </p:nvSpPr>
         <p:spPr bwMode="auto">
           <a:xfrm>
-            <a:off x="191772" y="3076884"/>
+            <a:off x="5326987" y="3397116"/>
             <a:ext cx="7017413" cy="2436524"/>
           </a:xfrm>
           <a:prstGeom prst="rect">
@@ -8814,7 +10158,7 @@
                 </a:solidFill>
                 <a:latin typeface="inherit"/>
               </a:rPr>
-              <a:t>MetricsHealthCheckPublisher</a:t>
+              <a:t>AppMetricsHealthCheckPublisher</a:t>
             </a:r>
             <a:r>
               <a:rPr lang="en-US" altLang="en-US" sz="1500" dirty="0">
@@ -8943,7 +10287,7 @@
         </p:nvSpPr>
         <p:spPr bwMode="auto">
           <a:xfrm>
-            <a:off x="5192121" y="5165344"/>
+            <a:off x="425632" y="5181873"/>
             <a:ext cx="5758405" cy="1513194"/>
           </a:xfrm>
           <a:prstGeom prst="rect">
@@ -9270,347 +10614,6 @@
           </a:p>
         </p:txBody>
       </p:sp>
-      <p:sp>
-        <p:nvSpPr>
-          <p:cNvPr id="17" name="Rectangle 5">
-            <a:extLst>
-              <a:ext uri="{FF2B5EF4-FFF2-40B4-BE49-F238E27FC236}">
-                <a16:creationId xmlns:a16="http://schemas.microsoft.com/office/drawing/2014/main" id="{432F2332-A9B0-4B0A-8637-2B95771E7B03}"/>
-              </a:ext>
-            </a:extLst>
-          </p:cNvPr>
-          <p:cNvSpPr>
-            <a:spLocks noChangeArrowheads="1"/>
-          </p:cNvSpPr>
-          <p:nvPr/>
-        </p:nvSpPr>
-        <p:spPr bwMode="auto">
-          <a:xfrm>
-            <a:off x="6708405" y="2924484"/>
-            <a:ext cx="5369075" cy="2205692"/>
-          </a:xfrm>
-          <a:prstGeom prst="rect">
-            <a:avLst/>
-          </a:prstGeom>
-          <a:solidFill>
-            <a:srgbClr val="FFFFFF"/>
-          </a:solidFill>
-          <a:ln>
-            <a:noFill/>
-          </a:ln>
-          <a:effectLst/>
-          <a:extLst>
-            <a:ext uri="{91240B29-F687-4F45-9708-019B960494DF}">
-              <a14:hiddenLine xmlns:a14="http://schemas.microsoft.com/office/drawing/2010/main" w="9525">
-                <a:solidFill>
-                  <a:schemeClr val="tx1"/>
-                </a:solidFill>
-                <a:miter lim="800000"/>
-                <a:headEnd/>
-                <a:tailEnd/>
-              </a14:hiddenLine>
-            </a:ext>
-            <a:ext uri="{AF507438-7753-43E0-B8FC-AC1667EBCBE1}">
-              <a14:hiddenEffects xmlns:a14="http://schemas.microsoft.com/office/drawing/2010/main">
-                <a:effectLst>
-                  <a:outerShdw dist="35921" dir="2700000" algn="ctr" rotWithShape="0">
-                    <a:schemeClr val="bg2"/>
-                  </a:outerShdw>
-                </a:effectLst>
-              </a14:hiddenEffects>
-            </a:ext>
-          </a:extLst>
-        </p:spPr>
-        <p:txBody>
-          <a:bodyPr vert="horz" wrap="square" lIns="0" tIns="0" rIns="0" bIns="126960" numCol="1" anchor="ctr" anchorCtr="0" compatLnSpc="1">
-            <a:prstTxWarp prst="textNoShape">
-              <a:avLst/>
-            </a:prstTxWarp>
-            <a:spAutoFit/>
-          </a:bodyPr>
-          <a:lstStyle/>
-          <a:p>
-            <a:r>
-              <a:rPr lang="en-US" sz="1500" dirty="0">
-                <a:solidFill>
-                  <a:srgbClr val="0000FF"/>
-                </a:solidFill>
-                <a:latin typeface="inherit"/>
-              </a:rPr>
-              <a:t>public</a:t>
-            </a:r>
-            <a:r>
-              <a:rPr lang="en-US" sz="1500" dirty="0">
-                <a:solidFill>
-                  <a:srgbClr val="000000"/>
-                </a:solidFill>
-                <a:latin typeface="inherit"/>
-              </a:rPr>
-              <a:t> Task </a:t>
-            </a:r>
-            <a:r>
-              <a:rPr lang="en-US" sz="1500" dirty="0" err="1">
-                <a:solidFill>
-                  <a:srgbClr val="000000"/>
-                </a:solidFill>
-                <a:latin typeface="inherit"/>
-              </a:rPr>
-              <a:t>PublishAsync</a:t>
-            </a:r>
-            <a:r>
-              <a:rPr lang="en-US" sz="1500" dirty="0">
-                <a:solidFill>
-                  <a:srgbClr val="000000"/>
-                </a:solidFill>
-                <a:latin typeface="inherit"/>
-              </a:rPr>
-              <a:t>(</a:t>
-            </a:r>
-            <a:r>
-              <a:rPr lang="en-US" sz="1500" dirty="0" err="1">
-                <a:solidFill>
-                  <a:srgbClr val="000000"/>
-                </a:solidFill>
-                <a:latin typeface="inherit"/>
-              </a:rPr>
-              <a:t>HealthReport</a:t>
-            </a:r>
-            <a:r>
-              <a:rPr lang="en-US" sz="1500" dirty="0">
-                <a:solidFill>
-                  <a:srgbClr val="000000"/>
-                </a:solidFill>
-                <a:latin typeface="inherit"/>
-              </a:rPr>
-              <a:t> report, </a:t>
-            </a:r>
-            <a:r>
-              <a:rPr lang="en-US" sz="1500" dirty="0" err="1">
-                <a:solidFill>
-                  <a:srgbClr val="000000"/>
-                </a:solidFill>
-                <a:latin typeface="inherit"/>
-              </a:rPr>
-              <a:t>CancellationToken</a:t>
-            </a:r>
-            <a:r>
-              <a:rPr lang="en-US" sz="1500" dirty="0">
-                <a:solidFill>
-                  <a:srgbClr val="000000"/>
-                </a:solidFill>
-                <a:latin typeface="inherit"/>
-              </a:rPr>
-              <a:t> </a:t>
-            </a:r>
-            <a:r>
-              <a:rPr lang="en-US" sz="1500" dirty="0" err="1">
-                <a:solidFill>
-                  <a:srgbClr val="000000"/>
-                </a:solidFill>
-                <a:latin typeface="inherit"/>
-              </a:rPr>
-              <a:t>cancellationToken</a:t>
-            </a:r>
-            <a:r>
-              <a:rPr lang="en-US" sz="1500" dirty="0">
-                <a:solidFill>
-                  <a:srgbClr val="000000"/>
-                </a:solidFill>
-                <a:latin typeface="inherit"/>
-              </a:rPr>
-              <a:t>)</a:t>
-            </a:r>
-          </a:p>
-          <a:p>
-            <a:r>
-              <a:rPr lang="en-US" sz="1500" dirty="0">
-                <a:solidFill>
-                  <a:srgbClr val="000000"/>
-                </a:solidFill>
-                <a:latin typeface="inherit"/>
-              </a:rPr>
-              <a:t>        {</a:t>
-            </a:r>
-          </a:p>
-          <a:p>
-            <a:r>
-              <a:rPr lang="en-US" sz="1500" dirty="0">
-                <a:solidFill>
-                  <a:srgbClr val="000000"/>
-                </a:solidFill>
-                <a:latin typeface="inherit"/>
-              </a:rPr>
-              <a:t>            </a:t>
-            </a:r>
-            <a:r>
-              <a:rPr lang="en-US" sz="1500" dirty="0">
-                <a:solidFill>
-                  <a:srgbClr val="0000FF"/>
-                </a:solidFill>
-                <a:latin typeface="inherit"/>
-              </a:rPr>
-              <a:t>foreach</a:t>
-            </a:r>
-            <a:r>
-              <a:rPr lang="en-US" sz="1500" dirty="0">
-                <a:solidFill>
-                  <a:srgbClr val="000000"/>
-                </a:solidFill>
-                <a:latin typeface="inherit"/>
-              </a:rPr>
-              <a:t> (var </a:t>
-            </a:r>
-            <a:r>
-              <a:rPr lang="en-US" sz="1500" dirty="0" err="1">
-                <a:solidFill>
-                  <a:srgbClr val="000000"/>
-                </a:solidFill>
-                <a:latin typeface="inherit"/>
-              </a:rPr>
-              <a:t>healthReport</a:t>
-            </a:r>
-            <a:r>
-              <a:rPr lang="en-US" sz="1500" dirty="0">
-                <a:solidFill>
-                  <a:srgbClr val="000000"/>
-                </a:solidFill>
-                <a:latin typeface="inherit"/>
-              </a:rPr>
-              <a:t> </a:t>
-            </a:r>
-            <a:r>
-              <a:rPr lang="en-US" sz="1500" dirty="0">
-                <a:solidFill>
-                  <a:srgbClr val="0000FF"/>
-                </a:solidFill>
-                <a:latin typeface="inherit"/>
-              </a:rPr>
-              <a:t>in</a:t>
-            </a:r>
-            <a:r>
-              <a:rPr lang="en-US" sz="1500" dirty="0">
-                <a:solidFill>
-                  <a:srgbClr val="000000"/>
-                </a:solidFill>
-                <a:latin typeface="inherit"/>
-              </a:rPr>
-              <a:t> </a:t>
-            </a:r>
-            <a:r>
-              <a:rPr lang="en-US" sz="1500" dirty="0" err="1">
-                <a:solidFill>
-                  <a:srgbClr val="000000"/>
-                </a:solidFill>
-                <a:latin typeface="inherit"/>
-              </a:rPr>
-              <a:t>report.Entries</a:t>
-            </a:r>
-            <a:r>
-              <a:rPr lang="en-US" sz="1500" dirty="0">
-                <a:solidFill>
-                  <a:srgbClr val="000000"/>
-                </a:solidFill>
-                <a:latin typeface="inherit"/>
-              </a:rPr>
-              <a:t>)</a:t>
-            </a:r>
-          </a:p>
-          <a:p>
-            <a:r>
-              <a:rPr lang="en-US" sz="1500" dirty="0">
-                <a:solidFill>
-                  <a:srgbClr val="000000"/>
-                </a:solidFill>
-                <a:latin typeface="inherit"/>
-              </a:rPr>
-              <a:t>            {</a:t>
-            </a:r>
-          </a:p>
-          <a:p>
-            <a:r>
-              <a:rPr lang="en-US" sz="1500" dirty="0">
-                <a:solidFill>
-                  <a:srgbClr val="000000"/>
-                </a:solidFill>
-                <a:latin typeface="inherit"/>
-              </a:rPr>
-              <a:t>	//report metric</a:t>
-            </a:r>
-          </a:p>
-          <a:p>
-            <a:r>
-              <a:rPr lang="en-US" sz="1500" dirty="0">
-                <a:solidFill>
-                  <a:srgbClr val="000000"/>
-                </a:solidFill>
-                <a:latin typeface="inherit"/>
-              </a:rPr>
-              <a:t>            }</a:t>
-            </a:r>
-          </a:p>
-          <a:p>
-            <a:r>
-              <a:rPr lang="en-US" sz="1500" dirty="0">
-                <a:solidFill>
-                  <a:srgbClr val="000000"/>
-                </a:solidFill>
-                <a:latin typeface="inherit"/>
-              </a:rPr>
-              <a:t>            </a:t>
-            </a:r>
-            <a:r>
-              <a:rPr lang="en-US" sz="1500" dirty="0">
-                <a:solidFill>
-                  <a:srgbClr val="0000FF"/>
-                </a:solidFill>
-                <a:latin typeface="inherit"/>
-              </a:rPr>
-              <a:t>return</a:t>
-            </a:r>
-            <a:r>
-              <a:rPr lang="en-US" sz="1500" dirty="0">
-                <a:solidFill>
-                  <a:srgbClr val="000000"/>
-                </a:solidFill>
-                <a:latin typeface="inherit"/>
-              </a:rPr>
-              <a:t> </a:t>
-            </a:r>
-            <a:r>
-              <a:rPr lang="en-US" sz="1500" dirty="0" err="1">
-                <a:solidFill>
-                  <a:srgbClr val="000000"/>
-                </a:solidFill>
-                <a:latin typeface="inherit"/>
-              </a:rPr>
-              <a:t>Task.CompletedTask</a:t>
-            </a:r>
-            <a:r>
-              <a:rPr lang="en-US" sz="1500" dirty="0">
-                <a:solidFill>
-                  <a:srgbClr val="000000"/>
-                </a:solidFill>
-                <a:latin typeface="inherit"/>
-              </a:rPr>
-              <a:t>;</a:t>
-            </a:r>
-          </a:p>
-          <a:p>
-            <a:r>
-              <a:rPr lang="en-US" sz="1500" dirty="0">
-                <a:solidFill>
-                  <a:srgbClr val="000000"/>
-                </a:solidFill>
-                <a:latin typeface="inherit"/>
-              </a:rPr>
-              <a:t>        }</a:t>
-            </a:r>
-            <a:endParaRPr lang="en-US" sz="1500" dirty="0">
-              <a:latin typeface="inherit"/>
-            </a:endParaRPr>
-          </a:p>
-        </p:txBody>
-      </p:sp>
     </p:spTree>
     <p:extLst>
       <p:ext uri="{BB962C8B-B14F-4D97-AF65-F5344CB8AC3E}">
@@ -9627,7 +10630,7 @@
 </p:sld>
 </file>
 
-<file path=ppt/slides/slide11.xml><?xml version="1.0" encoding="utf-8"?>
+<file path=ppt/slides/slide12.xml><?xml version="1.0" encoding="utf-8"?>
 <p:sld xmlns:a="http://schemas.openxmlformats.org/drawingml/2006/main" xmlns:r="http://schemas.openxmlformats.org/officeDocument/2006/relationships" xmlns:p="http://schemas.openxmlformats.org/presentationml/2006/main">
   <p:cSld>
     <p:spTree>
@@ -9878,7 +10881,7 @@
             <a:r>
               <a:rPr lang="en-US" dirty="0" err="1">
                 <a:solidFill>
-                  <a:srgbClr val="000000"/>
+                  <a:srgbClr val="2B91AF"/>
                 </a:solidFill>
                 <a:latin typeface="Consolas" panose="020B0609020204030204" pitchFamily="49" charset="0"/>
               </a:rPr>
@@ -9943,7 +10946,7 @@
             <a:r>
               <a:rPr lang="en-US" dirty="0" err="1">
                 <a:solidFill>
-                  <a:srgbClr val="000000"/>
+                  <a:srgbClr val="2B91AF"/>
                 </a:solidFill>
                 <a:latin typeface="Consolas" panose="020B0609020204030204" pitchFamily="49" charset="0"/>
               </a:rPr>
@@ -10439,7 +11442,7 @@
 </p:sld>
 </file>
 
-<file path=ppt/slides/slide12.xml><?xml version="1.0" encoding="utf-8"?>
+<file path=ppt/slides/slide13.xml><?xml version="1.0" encoding="utf-8"?>
 <p:sld xmlns:a="http://schemas.openxmlformats.org/drawingml/2006/main" xmlns:r="http://schemas.openxmlformats.org/officeDocument/2006/relationships" xmlns:p="http://schemas.openxmlformats.org/presentationml/2006/main">
   <p:cSld>
     <p:spTree>
@@ -10613,38 +11616,77 @@
             <a:pPr fontAlgn="base"/>
             <a:r>
               <a:rPr lang="en-US" sz="3000" b="1" dirty="0" err="1">
+                <a:latin typeface="Segoe UI (Body)"/>
                 <a:hlinkClick r:id="rId3" tooltip="Telegraf @ github"/>
               </a:rPr>
               <a:t>Telegraf</a:t>
             </a:r>
             <a:r>
-              <a:rPr lang="en-US" sz="3000" dirty="0"/>
-              <a:t> – data collector, reports to Influxdb</a:t>
-            </a:r>
+              <a:rPr lang="en-US" sz="3000" dirty="0">
+                <a:latin typeface="Segoe UI (Body)"/>
+              </a:rPr>
+              <a:t> – data collector, reports to </a:t>
+            </a:r>
+            <a:r>
+              <a:rPr lang="en-US" sz="3000" dirty="0" err="1">
+                <a:latin typeface="Segoe UI (Body)"/>
+              </a:rPr>
+              <a:t>Influxdb</a:t>
+            </a:r>
+            <a:endParaRPr lang="en-US" sz="3000" dirty="0">
+              <a:latin typeface="Segoe UI (Body)"/>
+            </a:endParaRPr>
           </a:p>
           <a:p>
             <a:pPr fontAlgn="base"/>
+            <a:endParaRPr lang="en-US" sz="3000" dirty="0">
+              <a:latin typeface="Segoe UI (Body)"/>
+            </a:endParaRPr>
+          </a:p>
+          <a:p>
+            <a:pPr fontAlgn="base"/>
             <a:r>
               <a:rPr lang="en-US" sz="3000" b="1" dirty="0">
+                <a:latin typeface="Segoe UI (Body)"/>
                 <a:hlinkClick r:id="rId4" tooltip="InfluxDB homepage"/>
               </a:rPr>
               <a:t>InfluxDB</a:t>
             </a:r>
             <a:r>
-              <a:rPr lang="en-US" sz="3000" dirty="0"/>
-              <a:t> – time series database, easy to use and intergrate</a:t>
-            </a:r>
+              <a:rPr lang="en-US" sz="3000" dirty="0">
+                <a:latin typeface="Segoe UI (Body)"/>
+              </a:rPr>
+              <a:t> – time series database, easy to use and </a:t>
+            </a:r>
+            <a:r>
+              <a:rPr lang="en-US" sz="3000" dirty="0" err="1">
+                <a:latin typeface="Segoe UI (Body)"/>
+              </a:rPr>
+              <a:t>intergrate</a:t>
+            </a:r>
+            <a:endParaRPr lang="en-US" sz="3000" dirty="0">
+              <a:latin typeface="Segoe UI (Body)"/>
+            </a:endParaRPr>
           </a:p>
           <a:p>
             <a:pPr fontAlgn="base"/>
+            <a:endParaRPr lang="en-US" sz="3000" dirty="0">
+              <a:latin typeface="Segoe UI (Body)"/>
+            </a:endParaRPr>
+          </a:p>
+          <a:p>
+            <a:pPr fontAlgn="base"/>
             <a:r>
               <a:rPr lang="en-US" sz="3000" b="1" dirty="0">
+                <a:latin typeface="Segoe UI (Body)"/>
                 <a:hlinkClick r:id="rId5" tooltip="Grafana homepage"/>
               </a:rPr>
               <a:t>Grafana</a:t>
             </a:r>
             <a:r>
-              <a:rPr lang="en-US" sz="3000" dirty="0"/>
+              <a:rPr lang="en-US" sz="3000" dirty="0">
+                <a:latin typeface="Segoe UI (Body)"/>
+              </a:rPr>
               <a:t> – web based reporting solution, reads data from Influxdb</a:t>
             </a:r>
           </a:p>
@@ -10795,181 +11837,6 @@
     <p:extLst>
       <p:ext uri="{BB962C8B-B14F-4D97-AF65-F5344CB8AC3E}">
         <p14:creationId xmlns:p14="http://schemas.microsoft.com/office/powerpoint/2010/main" val="549674699"/>
-      </p:ext>
-    </p:extLst>
-  </p:cSld>
-  <p:clrMapOvr>
-    <a:masterClrMapping/>
-  </p:clrMapOvr>
-  <p:transition>
-    <p:fade/>
-  </p:transition>
-</p:sld>
-</file>
-
-<file path=ppt/slides/slide13.xml><?xml version="1.0" encoding="utf-8"?>
-<p:sld xmlns:a="http://schemas.openxmlformats.org/drawingml/2006/main" xmlns:r="http://schemas.openxmlformats.org/officeDocument/2006/relationships" xmlns:p="http://schemas.openxmlformats.org/presentationml/2006/main">
-  <p:cSld>
-    <p:spTree>
-      <p:nvGrpSpPr>
-        <p:cNvPr id="1" name=""/>
-        <p:cNvGrpSpPr/>
-        <p:nvPr/>
-      </p:nvGrpSpPr>
-      <p:grpSpPr>
-        <a:xfrm>
-          <a:off x="0" y="0"/>
-          <a:ext cx="0" cy="0"/>
-          <a:chOff x="0" y="0"/>
-          <a:chExt cx="0" cy="0"/>
-        </a:xfrm>
-      </p:grpSpPr>
-      <p:sp>
-        <p:nvSpPr>
-          <p:cNvPr id="2" name="Title 1">
-            <a:extLst>
-              <a:ext uri="{FF2B5EF4-FFF2-40B4-BE49-F238E27FC236}">
-                <a16:creationId xmlns:a16="http://schemas.microsoft.com/office/drawing/2014/main" id="{DCF37BF9-15B2-4B16-8DBF-85FDCC9E0F66}"/>
-              </a:ext>
-            </a:extLst>
-          </p:cNvPr>
-          <p:cNvSpPr>
-            <a:spLocks noGrp="1"/>
-          </p:cNvSpPr>
-          <p:nvPr>
-            <p:ph type="title"/>
-          </p:nvPr>
-        </p:nvSpPr>
-        <p:spPr/>
-        <p:txBody>
-          <a:bodyPr/>
-          <a:lstStyle/>
-          <a:p>
-            <a:r>
-              <a:rPr lang="en-US" dirty="0"/>
-              <a:t> TIG-stack</a:t>
-            </a:r>
-          </a:p>
-        </p:txBody>
-      </p:sp>
-      <p:sp>
-        <p:nvSpPr>
-          <p:cNvPr id="16" name="Title 1">
-            <a:extLst>
-              <a:ext uri="{FF2B5EF4-FFF2-40B4-BE49-F238E27FC236}">
-                <a16:creationId xmlns:a16="http://schemas.microsoft.com/office/drawing/2014/main" id="{F8EAC049-1B90-4F85-9354-B9BB5D73C77B}"/>
-              </a:ext>
-            </a:extLst>
-          </p:cNvPr>
-          <p:cNvSpPr txBox="1">
-            <a:spLocks/>
-          </p:cNvSpPr>
-          <p:nvPr/>
-        </p:nvSpPr>
-        <p:spPr>
-          <a:xfrm>
-            <a:off x="540152" y="1377531"/>
-            <a:ext cx="11384928" cy="4456109"/>
-          </a:xfrm>
-          <a:prstGeom prst="rect">
-            <a:avLst/>
-          </a:prstGeom>
-        </p:spPr>
-        <p:txBody>
-          <a:bodyPr vert="horz" wrap="square" lIns="146304" tIns="91440" rIns="146304" bIns="91440" rtlCol="0" anchor="t">
-            <a:noAutofit/>
-          </a:bodyPr>
-          <a:lstStyle>
-            <a:lvl1pPr algn="l" defTabSz="914367" rtl="0" eaLnBrk="1" latinLnBrk="0" hangingPunct="1">
-              <a:lnSpc>
-                <a:spcPct val="90000"/>
-              </a:lnSpc>
-              <a:spcBef>
-                <a:spcPct val="0"/>
-              </a:spcBef>
-              <a:buNone/>
-              <a:defRPr lang="en-US" sz="4705" b="0" kern="1200" cap="none" spc="-100" baseline="0" dirty="0" smtClean="0">
-                <a:ln w="3175">
-                  <a:noFill/>
-                </a:ln>
-                <a:gradFill>
-                  <a:gsLst>
-                    <a:gs pos="1250">
-                      <a:schemeClr val="tx1"/>
-                    </a:gs>
-                    <a:gs pos="100000">
-                      <a:schemeClr val="tx1"/>
-                    </a:gs>
-                  </a:gsLst>
-                  <a:lin ang="5400000" scaled="0"/>
-                </a:gradFill>
-                <a:effectLst/>
-                <a:latin typeface="+mj-lt"/>
-                <a:ea typeface="+mn-ea"/>
-                <a:cs typeface="Segoe UI" pitchFamily="34" charset="0"/>
-              </a:defRPr>
-            </a:lvl1pPr>
-          </a:lstStyle>
-          <a:p>
-            <a:pPr marL="685800" indent="-685800">
-              <a:buFont typeface="Arial" panose="020B0604020202020204" pitchFamily="34" charset="0"/>
-              <a:buChar char="•"/>
-            </a:pPr>
-            <a:endParaRPr lang="en-US" sz="2500" dirty="0"/>
-          </a:p>
-        </p:txBody>
-      </p:sp>
-      <p:pic>
-        <p:nvPicPr>
-          <p:cNvPr id="1026" name="Picture 2">
-            <a:extLst>
-              <a:ext uri="{FF2B5EF4-FFF2-40B4-BE49-F238E27FC236}">
-                <a16:creationId xmlns:a16="http://schemas.microsoft.com/office/drawing/2014/main" id="{058BA47A-C7CF-4CE9-A6CF-85484B75F8F1}"/>
-              </a:ext>
-            </a:extLst>
-          </p:cNvPr>
-          <p:cNvPicPr>
-            <a:picLocks noChangeAspect="1" noChangeArrowheads="1"/>
-          </p:cNvPicPr>
-          <p:nvPr/>
-        </p:nvPicPr>
-        <p:blipFill>
-          <a:blip r:embed="rId3">
-            <a:extLst>
-              <a:ext uri="{28A0092B-C50C-407E-A947-70E740481C1C}">
-                <a14:useLocalDpi xmlns:a14="http://schemas.microsoft.com/office/drawing/2010/main" val="0"/>
-              </a:ext>
-            </a:extLst>
-          </a:blip>
-          <a:srcRect/>
-          <a:stretch>
-            <a:fillRect/>
-          </a:stretch>
-        </p:blipFill>
-        <p:spPr bwMode="auto">
-          <a:xfrm>
-            <a:off x="1930379" y="1377531"/>
-            <a:ext cx="8331241" cy="4657921"/>
-          </a:xfrm>
-          <a:prstGeom prst="rect">
-            <a:avLst/>
-          </a:prstGeom>
-          <a:noFill/>
-          <a:extLst>
-            <a:ext uri="{909E8E84-426E-40DD-AFC4-6F175D3DCCD1}">
-              <a14:hiddenFill xmlns:a14="http://schemas.microsoft.com/office/drawing/2010/main">
-                <a:solidFill>
-                  <a:srgbClr val="FFFFFF"/>
-                </a:solidFill>
-              </a14:hiddenFill>
-            </a:ext>
-          </a:extLst>
-        </p:spPr>
-      </p:pic>
-    </p:spTree>
-    <p:extLst>
-      <p:ext uri="{BB962C8B-B14F-4D97-AF65-F5344CB8AC3E}">
-        <p14:creationId xmlns:p14="http://schemas.microsoft.com/office/powerpoint/2010/main" val="1671437652"/>
       </p:ext>
     </p:extLst>
   </p:cSld>
@@ -11021,14 +11888,8 @@
           <a:lstStyle/>
           <a:p>
             <a:r>
-              <a:rPr lang="en-US" b="1" dirty="0">
-                <a:hlinkClick r:id="rId3" tooltip="Telegraf @ github"/>
-              </a:rPr>
-              <a:t>Telegraf</a:t>
-            </a:r>
-            <a:r>
               <a:rPr lang="en-US" dirty="0"/>
-              <a:t> – data collector</a:t>
+              <a:t> TIG-stack</a:t>
             </a:r>
           </a:p>
         </p:txBody>
@@ -11102,10 +11963,10 @@
       </p:sp>
       <p:pic>
         <p:nvPicPr>
-          <p:cNvPr id="5122" name="Picture 2">
+          <p:cNvPr id="1026" name="Picture 2">
             <a:extLst>
               <a:ext uri="{FF2B5EF4-FFF2-40B4-BE49-F238E27FC236}">
-                <a16:creationId xmlns:a16="http://schemas.microsoft.com/office/drawing/2014/main" id="{B1E6749B-46AF-4962-96B8-C3E5ABE15B28}"/>
+                <a16:creationId xmlns:a16="http://schemas.microsoft.com/office/drawing/2014/main" id="{058BA47A-C7CF-4CE9-A6CF-85484B75F8F1}"/>
               </a:ext>
             </a:extLst>
           </p:cNvPr>
@@ -11115,7 +11976,7 @@
           <p:nvPr/>
         </p:nvPicPr>
         <p:blipFill>
-          <a:blip r:embed="rId4">
+          <a:blip r:embed="rId3">
             <a:extLst>
               <a:ext uri="{28A0092B-C50C-407E-A947-70E740481C1C}">
                 <a14:useLocalDpi xmlns:a14="http://schemas.microsoft.com/office/drawing/2010/main" val="0"/>
@@ -11129,8 +11990,8 @@
         </p:blipFill>
         <p:spPr bwMode="auto">
           <a:xfrm>
-            <a:off x="11005714" y="5790501"/>
-            <a:ext cx="919366" cy="919366"/>
+            <a:off x="1930379" y="1377531"/>
+            <a:ext cx="8331241" cy="4657921"/>
           </a:xfrm>
           <a:prstGeom prst="rect">
             <a:avLst/>
@@ -11147,158 +12008,10 @@
           </a:extLst>
         </p:spPr>
       </p:pic>
-      <p:sp>
-        <p:nvSpPr>
-          <p:cNvPr id="4" name="Rectangle 3">
-            <a:extLst>
-              <a:ext uri="{FF2B5EF4-FFF2-40B4-BE49-F238E27FC236}">
-                <a16:creationId xmlns:a16="http://schemas.microsoft.com/office/drawing/2014/main" id="{3048CD4A-34F3-4FFB-AF66-FC0B455B778B}"/>
-              </a:ext>
-            </a:extLst>
-          </p:cNvPr>
-          <p:cNvSpPr/>
-          <p:nvPr/>
-        </p:nvSpPr>
-        <p:spPr>
-          <a:xfrm>
-            <a:off x="680859" y="1377531"/>
-            <a:ext cx="10465562" cy="4708981"/>
-          </a:xfrm>
-          <a:prstGeom prst="rect">
-            <a:avLst/>
-          </a:prstGeom>
-        </p:spPr>
-        <p:txBody>
-          <a:bodyPr wrap="square">
-            <a:spAutoFit/>
-          </a:bodyPr>
-          <a:lstStyle/>
-          <a:p>
-            <a:pPr marL="285750" indent="-285750">
-              <a:buFont typeface="Arial" panose="020B0604020202020204" pitchFamily="34" charset="0"/>
-              <a:buChar char="•"/>
-            </a:pPr>
-            <a:r>
-              <a:rPr lang="en-US" sz="2500" dirty="0" err="1"/>
-              <a:t>telegraf</a:t>
-            </a:r>
-            <a:r>
-              <a:rPr lang="en-US" sz="2500" dirty="0"/>
-              <a:t> is an agent for collecting, processing, aggregating, and writing metrics</a:t>
-            </a:r>
-          </a:p>
-          <a:p>
-            <a:pPr marL="285750" indent="-285750">
-              <a:buFont typeface="Arial" panose="020B0604020202020204" pitchFamily="34" charset="0"/>
-              <a:buChar char="•"/>
-            </a:pPr>
-            <a:r>
-              <a:rPr lang="en-US" sz="2500" dirty="0"/>
-              <a:t>plugin-driven and has the concept of 4 distinct plugin types:</a:t>
-            </a:r>
-          </a:p>
-          <a:p>
-            <a:pPr marL="742950" lvl="1" indent="-285750">
-              <a:buFont typeface="Arial" panose="020B0604020202020204" pitchFamily="34" charset="0"/>
-              <a:buChar char="•"/>
-            </a:pPr>
-            <a:r>
-              <a:rPr lang="en-US" sz="2500" dirty="0">
-                <a:hlinkClick r:id="rId5"/>
-              </a:rPr>
-              <a:t>Input Plugins</a:t>
-            </a:r>
-            <a:r>
-              <a:rPr lang="en-US" sz="2500" dirty="0"/>
-              <a:t> collect metrics from the system, services, or 3rd party APIs</a:t>
-            </a:r>
-          </a:p>
-          <a:p>
-            <a:pPr marL="742950" lvl="1" indent="-285750">
-              <a:buFont typeface="Arial" panose="020B0604020202020204" pitchFamily="34" charset="0"/>
-              <a:buChar char="•"/>
-            </a:pPr>
-            <a:r>
-              <a:rPr lang="en-US" sz="2500" dirty="0">
-                <a:hlinkClick r:id="rId6"/>
-              </a:rPr>
-              <a:t>Processor Plugins</a:t>
-            </a:r>
-            <a:r>
-              <a:rPr lang="en-US" sz="2500" dirty="0"/>
-              <a:t> transform, decorate, and/or filter metrics</a:t>
-            </a:r>
-          </a:p>
-          <a:p>
-            <a:pPr marL="742950" lvl="1" indent="-285750">
-              <a:buFont typeface="Arial" panose="020B0604020202020204" pitchFamily="34" charset="0"/>
-              <a:buChar char="•"/>
-            </a:pPr>
-            <a:r>
-              <a:rPr lang="en-US" sz="2500" dirty="0">
-                <a:hlinkClick r:id="rId7"/>
-              </a:rPr>
-              <a:t>Aggregator Plugins</a:t>
-            </a:r>
-            <a:r>
-              <a:rPr lang="en-US" sz="2500" dirty="0"/>
-              <a:t> create aggregate metrics (e.g. mean, min, max, quantiles, etc.)</a:t>
-            </a:r>
-          </a:p>
-          <a:p>
-            <a:pPr marL="742950" lvl="1" indent="-285750">
-              <a:buFont typeface="Arial" panose="020B0604020202020204" pitchFamily="34" charset="0"/>
-              <a:buChar char="•"/>
-            </a:pPr>
-            <a:r>
-              <a:rPr lang="en-US" sz="2500" dirty="0">
-                <a:hlinkClick r:id="rId8"/>
-              </a:rPr>
-              <a:t>Output Plugins</a:t>
-            </a:r>
-            <a:r>
-              <a:rPr lang="en-US" sz="2500" dirty="0"/>
-              <a:t> write metrics to various destinations</a:t>
-            </a:r>
-          </a:p>
-          <a:p>
-            <a:pPr marL="285750" indent="-285750">
-              <a:buFont typeface="Arial" panose="020B0604020202020204" pitchFamily="34" charset="0"/>
-              <a:buChar char="•"/>
-            </a:pPr>
-            <a:r>
-              <a:rPr lang="en-US" sz="2500" dirty="0"/>
-              <a:t>written of course in Go</a:t>
-            </a:r>
-          </a:p>
-          <a:p>
-            <a:pPr marL="285750" indent="-285750">
-              <a:buFont typeface="Arial" panose="020B0604020202020204" pitchFamily="34" charset="0"/>
-              <a:buChar char="•"/>
-            </a:pPr>
-            <a:endParaRPr lang="en-US" sz="2500" dirty="0">
-              <a:hlinkClick r:id="rId3"/>
-            </a:endParaRPr>
-          </a:p>
-          <a:p>
-            <a:pPr marL="285750" indent="-285750">
-              <a:buFont typeface="Arial" panose="020B0604020202020204" pitchFamily="34" charset="0"/>
-              <a:buChar char="•"/>
-            </a:pPr>
-            <a:r>
-              <a:rPr lang="en-US" sz="2500" dirty="0">
-                <a:hlinkClick r:id="rId3"/>
-              </a:rPr>
-              <a:t>https://github.com/influxdata/telegraf</a:t>
-            </a:r>
-            <a:endParaRPr lang="en-US" sz="2500" dirty="0"/>
-          </a:p>
-        </p:txBody>
-      </p:sp>
     </p:spTree>
     <p:extLst>
       <p:ext uri="{BB962C8B-B14F-4D97-AF65-F5344CB8AC3E}">
-        <p14:creationId xmlns:p14="http://schemas.microsoft.com/office/powerpoint/2010/main" val="1261272239"/>
+        <p14:creationId xmlns:p14="http://schemas.microsoft.com/office/powerpoint/2010/main" val="1671437652"/>
       </p:ext>
     </p:extLst>
   </p:cSld>
@@ -11351,13 +12064,13 @@
           <a:p>
             <a:r>
               <a:rPr lang="en-US" b="1" dirty="0">
-                <a:hlinkClick r:id="rId2" tooltip="InfluxDB homepage"/>
-              </a:rPr>
-              <a:t>InfluxDB</a:t>
+                <a:hlinkClick r:id="rId3" tooltip="Telegraf @ github"/>
+              </a:rPr>
+              <a:t>Telegraf</a:t>
             </a:r>
             <a:r>
               <a:rPr lang="en-US" dirty="0"/>
-              <a:t> – time series database</a:t>
+              <a:t> – data collector</a:t>
             </a:r>
           </a:p>
         </p:txBody>
@@ -11429,185 +12142,12 @@
           </a:p>
         </p:txBody>
       </p:sp>
-      <p:sp>
-        <p:nvSpPr>
-          <p:cNvPr id="5" name="Title 1">
+      <p:pic>
+        <p:nvPicPr>
+          <p:cNvPr id="5122" name="Picture 2">
             <a:extLst>
               <a:ext uri="{FF2B5EF4-FFF2-40B4-BE49-F238E27FC236}">
-                <a16:creationId xmlns:a16="http://schemas.microsoft.com/office/drawing/2014/main" id="{BDA1BC9C-FAE8-4D90-AB65-50861A606437}"/>
-              </a:ext>
-            </a:extLst>
-          </p:cNvPr>
-          <p:cNvSpPr txBox="1">
-            <a:spLocks/>
-          </p:cNvSpPr>
-          <p:nvPr/>
-        </p:nvSpPr>
-        <p:spPr>
-          <a:xfrm>
-            <a:off x="692552" y="1529931"/>
-            <a:ext cx="11384928" cy="4456109"/>
-          </a:xfrm>
-          <a:prstGeom prst="rect">
-            <a:avLst/>
-          </a:prstGeom>
-        </p:spPr>
-        <p:txBody>
-          <a:bodyPr vert="horz" wrap="square" lIns="146304" tIns="91440" rIns="146304" bIns="91440" rtlCol="0" anchor="t">
-            <a:noAutofit/>
-          </a:bodyPr>
-          <a:lstStyle>
-            <a:lvl1pPr algn="l" defTabSz="914367" rtl="0" eaLnBrk="1" latinLnBrk="0" hangingPunct="1">
-              <a:lnSpc>
-                <a:spcPct val="90000"/>
-              </a:lnSpc>
-              <a:spcBef>
-                <a:spcPct val="0"/>
-              </a:spcBef>
-              <a:buNone/>
-              <a:defRPr lang="en-US" sz="4705" b="0" kern="1200" cap="none" spc="-100" baseline="0" dirty="0" smtClean="0">
-                <a:ln w="3175">
-                  <a:noFill/>
-                </a:ln>
-                <a:gradFill>
-                  <a:gsLst>
-                    <a:gs pos="1250">
-                      <a:schemeClr val="tx1"/>
-                    </a:gs>
-                    <a:gs pos="100000">
-                      <a:schemeClr val="tx1"/>
-                    </a:gs>
-                  </a:gsLst>
-                  <a:lin ang="5400000" scaled="0"/>
-                </a:gradFill>
-                <a:effectLst/>
-                <a:latin typeface="+mj-lt"/>
-                <a:ea typeface="+mn-ea"/>
-                <a:cs typeface="Segoe UI" pitchFamily="34" charset="0"/>
-              </a:defRPr>
-            </a:lvl1pPr>
-          </a:lstStyle>
-          <a:p>
-            <a:pPr marL="685800" indent="-685800">
-              <a:buFont typeface="Arial" panose="020B0604020202020204" pitchFamily="34" charset="0"/>
-              <a:buChar char="•"/>
-            </a:pPr>
-            <a:r>
-              <a:rPr lang="en-US" sz="2500" dirty="0"/>
-              <a:t>easy to use and </a:t>
-            </a:r>
-            <a:r>
-              <a:rPr lang="en-US" sz="2500" dirty="0" err="1"/>
-              <a:t>intergrate</a:t>
-            </a:r>
-            <a:endParaRPr lang="en-US" sz="2500" dirty="0"/>
-          </a:p>
-          <a:p>
-            <a:pPr marL="685800" indent="-685800">
-              <a:buFont typeface="Arial" panose="020B0604020202020204" pitchFamily="34" charset="0"/>
-              <a:buChar char="•"/>
-            </a:pPr>
-            <a:r>
-              <a:rPr lang="en-US" sz="2500" dirty="0"/>
-              <a:t>scalable database for metrics, events and real-time analytics</a:t>
-            </a:r>
-          </a:p>
-          <a:p>
-            <a:pPr marL="685800" indent="-685800">
-              <a:buFont typeface="Arial" panose="020B0604020202020204" pitchFamily="34" charset="0"/>
-              <a:buChar char="•"/>
-            </a:pPr>
-            <a:r>
-              <a:rPr lang="en-US" sz="2500" dirty="0"/>
-              <a:t>written specifically for time series data</a:t>
-            </a:r>
-          </a:p>
-          <a:p>
-            <a:pPr marL="685800" indent="-685800">
-              <a:buFont typeface="Arial" panose="020B0604020202020204" pitchFamily="34" charset="0"/>
-              <a:buChar char="•"/>
-            </a:pPr>
-            <a:r>
-              <a:rPr lang="en-US" sz="2500" dirty="0"/>
-              <a:t>simple, high performing write and query HTTP APIs</a:t>
-            </a:r>
-          </a:p>
-          <a:p>
-            <a:pPr marL="685800" indent="-685800">
-              <a:buFont typeface="Arial" panose="020B0604020202020204" pitchFamily="34" charset="0"/>
-              <a:buChar char="•"/>
-            </a:pPr>
-            <a:r>
-              <a:rPr lang="en-US" sz="2500" dirty="0"/>
-              <a:t>expressive SQL-like query language tailored to easily query aggregated data</a:t>
-            </a:r>
-          </a:p>
-          <a:p>
-            <a:pPr marL="685800" indent="-685800">
-              <a:buFont typeface="Arial" panose="020B0604020202020204" pitchFamily="34" charset="0"/>
-              <a:buChar char="•"/>
-            </a:pPr>
-            <a:r>
-              <a:rPr lang="en-US" sz="2500" dirty="0"/>
-              <a:t>written of course in Go</a:t>
-            </a:r>
-          </a:p>
-          <a:p>
-            <a:pPr marL="685800" indent="-685800">
-              <a:buFont typeface="Arial" panose="020B0604020202020204" pitchFamily="34" charset="0"/>
-              <a:buChar char="•"/>
-            </a:pPr>
-            <a:endParaRPr lang="en-US" sz="2500" dirty="0"/>
-          </a:p>
-          <a:p>
-            <a:pPr marL="685800" indent="-685800">
-              <a:buFont typeface="Arial" panose="020B0604020202020204" pitchFamily="34" charset="0"/>
-              <a:buChar char="•"/>
-            </a:pPr>
-            <a:endParaRPr lang="en-US" sz="2500" dirty="0"/>
-          </a:p>
-          <a:p>
-            <a:pPr marL="685800" indent="-685800">
-              <a:buFont typeface="Arial" panose="020B0604020202020204" pitchFamily="34" charset="0"/>
-              <a:buChar char="•"/>
-            </a:pPr>
-            <a:endParaRPr lang="en-US" sz="2500" dirty="0"/>
-          </a:p>
-          <a:p>
-            <a:pPr marL="685800" indent="-685800">
-              <a:buFont typeface="Arial" panose="020B0604020202020204" pitchFamily="34" charset="0"/>
-              <a:buChar char="•"/>
-            </a:pPr>
-            <a:endParaRPr lang="en-US" sz="2500" dirty="0"/>
-          </a:p>
-          <a:p>
-            <a:pPr marL="685800" indent="-685800">
-              <a:buFont typeface="Arial" panose="020B0604020202020204" pitchFamily="34" charset="0"/>
-              <a:buChar char="•"/>
-            </a:pPr>
-            <a:endParaRPr lang="en-US" sz="2500" dirty="0"/>
-          </a:p>
-          <a:p>
-            <a:pPr marL="685800" indent="-685800">
-              <a:buFont typeface="Arial" panose="020B0604020202020204" pitchFamily="34" charset="0"/>
-              <a:buChar char="•"/>
-            </a:pPr>
-            <a:r>
-              <a:rPr lang="en-US" sz="2500" dirty="0">
-                <a:hlinkClick r:id="rId3"/>
-              </a:rPr>
-              <a:t>https://github.com/influxdata/influxdb</a:t>
-            </a:r>
-            <a:endParaRPr lang="en-US" sz="2500" dirty="0"/>
-          </a:p>
-        </p:txBody>
-      </p:sp>
-      <p:pic>
-        <p:nvPicPr>
-          <p:cNvPr id="4098" name="Picture 2" descr="Картинки по запросу influxdb">
-            <a:extLst>
-              <a:ext uri="{FF2B5EF4-FFF2-40B4-BE49-F238E27FC236}">
-                <a16:creationId xmlns:a16="http://schemas.microsoft.com/office/drawing/2014/main" id="{A2283A21-144D-4DD5-A7BD-2091D701C027}"/>
+                <a16:creationId xmlns:a16="http://schemas.microsoft.com/office/drawing/2014/main" id="{B1E6749B-46AF-4962-96B8-C3E5ABE15B28}"/>
               </a:ext>
             </a:extLst>
           </p:cNvPr>
@@ -11631,8 +12171,8 @@
         </p:blipFill>
         <p:spPr bwMode="auto">
           <a:xfrm>
-            <a:off x="8881586" y="5579141"/>
-            <a:ext cx="3448608" cy="1278859"/>
+            <a:off x="11005714" y="5790501"/>
+            <a:ext cx="919366" cy="919366"/>
           </a:xfrm>
           <a:prstGeom prst="rect">
             <a:avLst/>
@@ -11649,40 +12189,158 @@
           </a:extLst>
         </p:spPr>
       </p:pic>
-      <p:pic>
-        <p:nvPicPr>
-          <p:cNvPr id="3" name="Picture 2">
+      <p:sp>
+        <p:nvSpPr>
+          <p:cNvPr id="4" name="Rectangle 3">
             <a:extLst>
               <a:ext uri="{FF2B5EF4-FFF2-40B4-BE49-F238E27FC236}">
-                <a16:creationId xmlns:a16="http://schemas.microsoft.com/office/drawing/2014/main" id="{C645F890-2D68-460C-81D3-E8369474ABEC}"/>
+                <a16:creationId xmlns:a16="http://schemas.microsoft.com/office/drawing/2014/main" id="{3048CD4A-34F3-4FFB-AF66-FC0B455B778B}"/>
               </a:ext>
             </a:extLst>
           </p:cNvPr>
-          <p:cNvPicPr>
-            <a:picLocks noChangeAspect="1"/>
-          </p:cNvPicPr>
+          <p:cNvSpPr/>
           <p:nvPr/>
-        </p:nvPicPr>
-        <p:blipFill>
-          <a:blip r:embed="rId5"/>
-          <a:stretch>
-            <a:fillRect/>
-          </a:stretch>
-        </p:blipFill>
+        </p:nvSpPr>
         <p:spPr>
           <a:xfrm>
-            <a:off x="5023615" y="3566675"/>
-            <a:ext cx="6628233" cy="1278859"/>
+            <a:off x="680859" y="1377531"/>
+            <a:ext cx="10465562" cy="4708981"/>
           </a:xfrm>
           <a:prstGeom prst="rect">
             <a:avLst/>
           </a:prstGeom>
         </p:spPr>
-      </p:pic>
+        <p:txBody>
+          <a:bodyPr wrap="square">
+            <a:spAutoFit/>
+          </a:bodyPr>
+          <a:lstStyle/>
+          <a:p>
+            <a:pPr marL="285750" indent="-285750">
+              <a:buFont typeface="Arial" panose="020B0604020202020204" pitchFamily="34" charset="0"/>
+              <a:buChar char="•"/>
+            </a:pPr>
+            <a:r>
+              <a:rPr lang="en-US" sz="2500" dirty="0" err="1"/>
+              <a:t>telegraf</a:t>
+            </a:r>
+            <a:r>
+              <a:rPr lang="en-US" sz="2500" dirty="0"/>
+              <a:t> is an agent for collecting, processing, aggregating, and writing metrics</a:t>
+            </a:r>
+          </a:p>
+          <a:p>
+            <a:pPr marL="285750" indent="-285750">
+              <a:buFont typeface="Arial" panose="020B0604020202020204" pitchFamily="34" charset="0"/>
+              <a:buChar char="•"/>
+            </a:pPr>
+            <a:r>
+              <a:rPr lang="en-US" sz="2500" dirty="0"/>
+              <a:t>plugin-driven and has the concept of 4 distinct plugin types:</a:t>
+            </a:r>
+          </a:p>
+          <a:p>
+            <a:pPr marL="742950" lvl="1" indent="-285750">
+              <a:buFont typeface="Arial" panose="020B0604020202020204" pitchFamily="34" charset="0"/>
+              <a:buChar char="•"/>
+            </a:pPr>
+            <a:r>
+              <a:rPr lang="en-US" sz="2500" dirty="0">
+                <a:hlinkClick r:id="rId5"/>
+              </a:rPr>
+              <a:t>Input Plugins</a:t>
+            </a:r>
+            <a:r>
+              <a:rPr lang="en-US" sz="2500" dirty="0"/>
+              <a:t> collect metrics from the system, services, or 3rd party APIs</a:t>
+            </a:r>
+          </a:p>
+          <a:p>
+            <a:pPr marL="742950" lvl="1" indent="-285750">
+              <a:buFont typeface="Arial" panose="020B0604020202020204" pitchFamily="34" charset="0"/>
+              <a:buChar char="•"/>
+            </a:pPr>
+            <a:r>
+              <a:rPr lang="en-US" sz="2500" dirty="0">
+                <a:hlinkClick r:id="rId6"/>
+              </a:rPr>
+              <a:t>Processor Plugins</a:t>
+            </a:r>
+            <a:r>
+              <a:rPr lang="en-US" sz="2500" dirty="0"/>
+              <a:t> transform, decorate, and/or filter metrics</a:t>
+            </a:r>
+          </a:p>
+          <a:p>
+            <a:pPr marL="742950" lvl="1" indent="-285750">
+              <a:buFont typeface="Arial" panose="020B0604020202020204" pitchFamily="34" charset="0"/>
+              <a:buChar char="•"/>
+            </a:pPr>
+            <a:r>
+              <a:rPr lang="en-US" sz="2500" dirty="0">
+                <a:hlinkClick r:id="rId7"/>
+              </a:rPr>
+              <a:t>Aggregator Plugins</a:t>
+            </a:r>
+            <a:r>
+              <a:rPr lang="en-US" sz="2500" dirty="0"/>
+              <a:t> create aggregate metrics (e.g. mean, min, max, quantiles, etc.)</a:t>
+            </a:r>
+          </a:p>
+          <a:p>
+            <a:pPr marL="742950" lvl="1" indent="-285750">
+              <a:buFont typeface="Arial" panose="020B0604020202020204" pitchFamily="34" charset="0"/>
+              <a:buChar char="•"/>
+            </a:pPr>
+            <a:r>
+              <a:rPr lang="en-US" sz="2500" dirty="0">
+                <a:hlinkClick r:id="rId8"/>
+              </a:rPr>
+              <a:t>Output Plugins</a:t>
+            </a:r>
+            <a:r>
+              <a:rPr lang="en-US" sz="2500" dirty="0"/>
+              <a:t> write metrics to various destinations</a:t>
+            </a:r>
+          </a:p>
+          <a:p>
+            <a:pPr marL="285750" indent="-285750">
+              <a:buFont typeface="Arial" panose="020B0604020202020204" pitchFamily="34" charset="0"/>
+              <a:buChar char="•"/>
+            </a:pPr>
+            <a:r>
+              <a:rPr lang="en-US" sz="2500" dirty="0"/>
+              <a:t>written in Go</a:t>
+            </a:r>
+          </a:p>
+          <a:p>
+            <a:pPr marL="285750" indent="-285750">
+              <a:buFont typeface="Arial" panose="020B0604020202020204" pitchFamily="34" charset="0"/>
+              <a:buChar char="•"/>
+            </a:pPr>
+            <a:endParaRPr lang="en-US" sz="2500" dirty="0">
+              <a:hlinkClick r:id="rId3"/>
+            </a:endParaRPr>
+          </a:p>
+          <a:p>
+            <a:pPr marL="285750" indent="-285750">
+              <a:buFont typeface="Arial" panose="020B0604020202020204" pitchFamily="34" charset="0"/>
+              <a:buChar char="•"/>
+            </a:pPr>
+            <a:r>
+              <a:rPr lang="en-US" sz="2500" dirty="0">
+                <a:hlinkClick r:id="rId3"/>
+              </a:rPr>
+              <a:t>https://github.com/influxdata/telegraf</a:t>
+            </a:r>
+            <a:endParaRPr lang="en-US" sz="2500" dirty="0"/>
+          </a:p>
+        </p:txBody>
+      </p:sp>
     </p:spTree>
     <p:extLst>
       <p:ext uri="{BB962C8B-B14F-4D97-AF65-F5344CB8AC3E}">
-        <p14:creationId xmlns:p14="http://schemas.microsoft.com/office/powerpoint/2010/main" val="199319404"/>
+        <p14:creationId xmlns:p14="http://schemas.microsoft.com/office/powerpoint/2010/main" val="1261272239"/>
       </p:ext>
     </p:extLst>
   </p:cSld>
@@ -11735,13 +12393,13 @@
           <a:p>
             <a:r>
               <a:rPr lang="en-US" b="1" dirty="0">
-                <a:hlinkClick r:id="rId2" tooltip="Grafana homepage"/>
-              </a:rPr>
-              <a:t>Grafana</a:t>
+                <a:hlinkClick r:id="rId3" tooltip="InfluxDB homepage"/>
+              </a:rPr>
+              <a:t>InfluxDB</a:t>
             </a:r>
             <a:r>
               <a:rPr lang="en-US" dirty="0"/>
-              <a:t> – web based reporting solution</a:t>
+              <a:t> – time series database</a:t>
             </a:r>
           </a:p>
         </p:txBody>
@@ -11829,7 +12487,7 @@
         </p:nvSpPr>
         <p:spPr>
           <a:xfrm>
-            <a:off x="432120" y="1377531"/>
+            <a:off x="692552" y="1529931"/>
             <a:ext cx="11384928" cy="4456109"/>
           </a:xfrm>
           <a:prstGeom prst="rect">
@@ -11877,9 +12535,20 @@
               <a:buChar char="•"/>
             </a:pPr>
             <a:r>
-              <a:rPr lang="en-US" sz="2500" dirty="0"/>
-              <a:t>data visualization and exploration tool</a:t>
-            </a:r>
+              <a:rPr lang="en-US" sz="2500" dirty="0">
+                <a:latin typeface="Segoe UI (Body)"/>
+              </a:rPr>
+              <a:t>easy to use and </a:t>
+            </a:r>
+            <a:r>
+              <a:rPr lang="en-US" sz="2500" dirty="0" err="1">
+                <a:latin typeface="Segoe UI (Body)"/>
+              </a:rPr>
+              <a:t>intergrate</a:t>
+            </a:r>
+            <a:endParaRPr lang="en-US" sz="2500" dirty="0">
+              <a:latin typeface="Segoe UI (Body)"/>
+            </a:endParaRPr>
           </a:p>
           <a:p>
             <a:pPr marL="685800" indent="-685800">
@@ -11887,182 +12556,10 @@
               <a:buChar char="•"/>
             </a:pPr>
             <a:r>
-              <a:rPr lang="en-US" sz="2500" dirty="0"/>
-              <a:t>lets you create graphs and dashboards based on data from various data sources:</a:t>
-            </a:r>
-          </a:p>
-          <a:p>
-            <a:pPr marL="1143000" lvl="1" indent="-685800">
-              <a:buFont typeface="Arial" panose="020B0604020202020204" pitchFamily="34" charset="0"/>
-              <a:buChar char="•"/>
-            </a:pPr>
-            <a:r>
-              <a:rPr lang="en-US" sz="2500" spc="-100" dirty="0" err="1">
-                <a:ln w="3175">
-                  <a:noFill/>
-                </a:ln>
-                <a:gradFill>
-                  <a:gsLst>
-                    <a:gs pos="1250">
-                      <a:schemeClr val="tx1"/>
-                    </a:gs>
-                    <a:gs pos="100000">
-                      <a:schemeClr val="tx1"/>
-                    </a:gs>
-                  </a:gsLst>
-                  <a:lin ang="5400000" scaled="0"/>
-                </a:gradFill>
-                <a:latin typeface="+mj-lt"/>
-                <a:cs typeface="Segoe UI" pitchFamily="34" charset="0"/>
-              </a:rPr>
-              <a:t>InfluxDB</a:t>
-            </a:r>
-            <a:endParaRPr lang="en-US" sz="2500" spc="-100" dirty="0">
-              <a:ln w="3175">
-                <a:noFill/>
-              </a:ln>
-              <a:gradFill>
-                <a:gsLst>
-                  <a:gs pos="1250">
-                    <a:schemeClr val="tx1"/>
-                  </a:gs>
-                  <a:gs pos="100000">
-                    <a:schemeClr val="tx1"/>
-                  </a:gs>
-                </a:gsLst>
-                <a:lin ang="5400000" scaled="0"/>
-              </a:gradFill>
-              <a:latin typeface="+mj-lt"/>
-              <a:cs typeface="Segoe UI" pitchFamily="34" charset="0"/>
-            </a:endParaRPr>
-          </a:p>
-          <a:p>
-            <a:pPr marL="1143000" lvl="1" indent="-685800">
-              <a:buFont typeface="Arial" panose="020B0604020202020204" pitchFamily="34" charset="0"/>
-              <a:buChar char="•"/>
-            </a:pPr>
-            <a:r>
-              <a:rPr lang="en-US" sz="2500" spc="-100" dirty="0">
-                <a:ln w="3175">
-                  <a:noFill/>
-                </a:ln>
-                <a:gradFill>
-                  <a:gsLst>
-                    <a:gs pos="1250">
-                      <a:schemeClr val="tx1"/>
-                    </a:gs>
-                    <a:gs pos="100000">
-                      <a:schemeClr val="tx1"/>
-                    </a:gs>
-                  </a:gsLst>
-                  <a:lin ang="5400000" scaled="0"/>
-                </a:gradFill>
-                <a:latin typeface="+mj-lt"/>
-                <a:cs typeface="Segoe UI" pitchFamily="34" charset="0"/>
-              </a:rPr>
-              <a:t>Prometheus</a:t>
-            </a:r>
-          </a:p>
-          <a:p>
-            <a:pPr marL="1143000" lvl="1" indent="-685800">
-              <a:buFont typeface="Arial" panose="020B0604020202020204" pitchFamily="34" charset="0"/>
-              <a:buChar char="•"/>
-            </a:pPr>
-            <a:r>
-              <a:rPr lang="en-US" sz="2500" spc="-100" dirty="0">
-                <a:ln w="3175">
-                  <a:noFill/>
-                </a:ln>
-                <a:gradFill>
-                  <a:gsLst>
-                    <a:gs pos="1250">
-                      <a:schemeClr val="tx1"/>
-                    </a:gs>
-                    <a:gs pos="100000">
-                      <a:schemeClr val="tx1"/>
-                    </a:gs>
-                  </a:gsLst>
-                  <a:lin ang="5400000" scaled="0"/>
-                </a:gradFill>
-                <a:latin typeface="+mj-lt"/>
-                <a:cs typeface="Segoe UI" pitchFamily="34" charset="0"/>
-              </a:rPr>
-              <a:t>Elasticsearch</a:t>
-            </a:r>
-          </a:p>
-          <a:p>
-            <a:pPr marL="1143000" lvl="1" indent="-685800">
-              <a:buFont typeface="Arial" panose="020B0604020202020204" pitchFamily="34" charset="0"/>
-              <a:buChar char="•"/>
-            </a:pPr>
-            <a:r>
-              <a:rPr lang="en-US" sz="2500" spc="-100" dirty="0" err="1">
-                <a:ln w="3175">
-                  <a:noFill/>
-                </a:ln>
-                <a:gradFill>
-                  <a:gsLst>
-                    <a:gs pos="1250">
-                      <a:schemeClr val="tx1"/>
-                    </a:gs>
-                    <a:gs pos="100000">
-                      <a:schemeClr val="tx1"/>
-                    </a:gs>
-                  </a:gsLst>
-                  <a:lin ang="5400000" scaled="0"/>
-                </a:gradFill>
-                <a:latin typeface="+mj-lt"/>
-                <a:cs typeface="Segoe UI" pitchFamily="34" charset="0"/>
-              </a:rPr>
-              <a:t>Cloudwatch</a:t>
-            </a:r>
-            <a:r>
-              <a:rPr lang="en-US" sz="2500" spc="-100" dirty="0">
-                <a:ln w="3175">
-                  <a:noFill/>
-                </a:ln>
-                <a:gradFill>
-                  <a:gsLst>
-                    <a:gs pos="1250">
-                      <a:schemeClr val="tx1"/>
-                    </a:gs>
-                    <a:gs pos="100000">
-                      <a:schemeClr val="tx1"/>
-                    </a:gs>
-                  </a:gsLst>
-                  <a:lin ang="5400000" scaled="0"/>
-                </a:gradFill>
-                <a:latin typeface="+mj-lt"/>
-                <a:cs typeface="Segoe UI" pitchFamily="34" charset="0"/>
-              </a:rPr>
-              <a:t> </a:t>
-            </a:r>
-          </a:p>
-          <a:p>
-            <a:pPr marL="1143000" lvl="1" indent="-685800">
-              <a:buFont typeface="Arial" panose="020B0604020202020204" pitchFamily="34" charset="0"/>
-              <a:buChar char="•"/>
-            </a:pPr>
-            <a:r>
-              <a:rPr lang="en-US" sz="2500" spc="-100" dirty="0">
-                <a:ln w="3175">
-                  <a:noFill/>
-                </a:ln>
-                <a:gradFill>
-                  <a:gsLst>
-                    <a:gs pos="1250">
-                      <a:schemeClr val="tx1"/>
-                    </a:gs>
-                    <a:gs pos="100000">
-                      <a:schemeClr val="tx1"/>
-                    </a:gs>
-                  </a:gsLst>
-                  <a:lin ang="5400000" scaled="0"/>
-                </a:gradFill>
-                <a:latin typeface="+mj-lt"/>
-                <a:cs typeface="Segoe UI" pitchFamily="34" charset="0"/>
-              </a:rPr>
-              <a:t>Etc.</a:t>
+              <a:rPr lang="en-US" sz="2500" dirty="0">
+                <a:latin typeface="Segoe UI (Body)"/>
+              </a:rPr>
+              <a:t>scalable database for metrics, events and real-time analytics</a:t>
             </a:r>
           </a:p>
           <a:p>
@@ -12071,8 +12568,10 @@
               <a:buChar char="•"/>
             </a:pPr>
             <a:r>
-              <a:rPr lang="en-US" sz="2500" dirty="0"/>
-              <a:t>written of course in Go</a:t>
+              <a:rPr lang="en-US" sz="2500" dirty="0">
+                <a:latin typeface="Segoe UI (Body)"/>
+              </a:rPr>
+              <a:t>written specifically for time series data</a:t>
             </a:r>
           </a:p>
           <a:p>
@@ -12080,111 +12579,94 @@
               <a:buFont typeface="Arial" panose="020B0604020202020204" pitchFamily="34" charset="0"/>
               <a:buChar char="•"/>
             </a:pPr>
-            <a:endParaRPr lang="en-US" sz="2500" dirty="0"/>
+            <a:r>
+              <a:rPr lang="en-US" sz="2500" dirty="0">
+                <a:latin typeface="Segoe UI (Body)"/>
+              </a:rPr>
+              <a:t>simple, high performing write and query HTTP APIs</a:t>
+            </a:r>
           </a:p>
           <a:p>
             <a:pPr marL="685800" indent="-685800">
               <a:buFont typeface="Arial" panose="020B0604020202020204" pitchFamily="34" charset="0"/>
               <a:buChar char="•"/>
             </a:pPr>
-            <a:endParaRPr lang="en-US" sz="2500" dirty="0"/>
+            <a:r>
+              <a:rPr lang="en-US" sz="2500" dirty="0">
+                <a:latin typeface="Segoe UI (Body)"/>
+              </a:rPr>
+              <a:t>expressive SQL-like query language tailored to easily query aggregated data</a:t>
+            </a:r>
           </a:p>
           <a:p>
             <a:pPr marL="685800" indent="-685800">
               <a:buFont typeface="Arial" panose="020B0604020202020204" pitchFamily="34" charset="0"/>
               <a:buChar char="•"/>
             </a:pPr>
-            <a:endParaRPr lang="en-US" sz="2500" dirty="0"/>
+            <a:endParaRPr lang="en-US" sz="2500" dirty="0">
+              <a:latin typeface="Segoe UI (Body)"/>
+            </a:endParaRPr>
           </a:p>
           <a:p>
             <a:pPr marL="685800" indent="-685800">
               <a:buFont typeface="Arial" panose="020B0604020202020204" pitchFamily="34" charset="0"/>
               <a:buChar char="•"/>
             </a:pPr>
-            <a:endParaRPr lang="en-US" sz="2500" dirty="0"/>
+            <a:endParaRPr lang="en-US" sz="2500" dirty="0">
+              <a:latin typeface="Segoe UI (Body)"/>
+            </a:endParaRPr>
           </a:p>
           <a:p>
             <a:pPr marL="685800" indent="-685800">
               <a:buFont typeface="Arial" panose="020B0604020202020204" pitchFamily="34" charset="0"/>
               <a:buChar char="•"/>
             </a:pPr>
-            <a:endParaRPr lang="en-US" sz="2500" dirty="0"/>
+            <a:endParaRPr lang="en-US" sz="2500" dirty="0">
+              <a:latin typeface="Segoe UI (Body)"/>
+            </a:endParaRPr>
           </a:p>
           <a:p>
             <a:pPr marL="685800" indent="-685800">
               <a:buFont typeface="Arial" panose="020B0604020202020204" pitchFamily="34" charset="0"/>
               <a:buChar char="•"/>
             </a:pPr>
-            <a:r>
-              <a:rPr lang="en-US" sz="2500" dirty="0">
-                <a:hlinkClick r:id="rId3"/>
-              </a:rPr>
-              <a:t>https://github.com/grafana/grafana</a:t>
-            </a:r>
-            <a:endParaRPr lang="en-US" sz="2500" dirty="0"/>
+            <a:endParaRPr lang="en-US" sz="2500" dirty="0">
+              <a:latin typeface="Segoe UI (Body)"/>
+            </a:endParaRPr>
           </a:p>
           <a:p>
             <a:pPr marL="685800" indent="-685800">
               <a:buFont typeface="Arial" panose="020B0604020202020204" pitchFamily="34" charset="0"/>
               <a:buChar char="•"/>
             </a:pPr>
-            <a:endParaRPr lang="en-US" sz="2500" dirty="0"/>
+            <a:endParaRPr lang="en-US" sz="2500" dirty="0">
+              <a:latin typeface="Segoe UI (Body)"/>
+            </a:endParaRPr>
+          </a:p>
+          <a:p>
+            <a:pPr marL="685800" indent="-685800">
+              <a:buFont typeface="Arial" panose="020B0604020202020204" pitchFamily="34" charset="0"/>
+              <a:buChar char="•"/>
+            </a:pPr>
+            <a:r>
+              <a:rPr lang="en-US" sz="2500" dirty="0">
+                <a:latin typeface="Segoe UI (Body)"/>
+                <a:hlinkClick r:id="rId4"/>
+              </a:rPr>
+              <a:t>https://github.com/influxdata/influxdb</a:t>
+            </a:r>
+            <a:endParaRPr lang="en-US" sz="2500" dirty="0">
+              <a:latin typeface="Segoe UI (Body)"/>
+            </a:endParaRPr>
           </a:p>
         </p:txBody>
       </p:sp>
       <p:pic>
         <p:nvPicPr>
-          <p:cNvPr id="3074" name="Picture 2" descr="Картинки по запросу grafana">
+          <p:cNvPr id="4098" name="Picture 2" descr="Картинки по запросу influxdb">
             <a:extLst>
               <a:ext uri="{FF2B5EF4-FFF2-40B4-BE49-F238E27FC236}">
-                <a16:creationId xmlns:a16="http://schemas.microsoft.com/office/drawing/2014/main" id="{2D82E3C7-C821-4C01-AA77-A1C57032DDCD}"/>
-              </a:ext>
-            </a:extLst>
-          </p:cNvPr>
-          <p:cNvPicPr>
-            <a:picLocks noChangeAspect="1" noChangeArrowheads="1"/>
-          </p:cNvPicPr>
-          <p:nvPr/>
-        </p:nvPicPr>
-        <p:blipFill>
-          <a:blip r:embed="rId4">
-            <a:extLst>
-              <a:ext uri="{28A0092B-C50C-407E-A947-70E740481C1C}">
-                <a14:useLocalDpi xmlns:a14="http://schemas.microsoft.com/office/drawing/2010/main" val="0"/>
-              </a:ext>
-            </a:extLst>
-          </a:blip>
-          <a:srcRect/>
-          <a:stretch>
-            <a:fillRect/>
-          </a:stretch>
-        </p:blipFill>
-        <p:spPr bwMode="auto">
-          <a:xfrm>
-            <a:off x="11298975" y="6021995"/>
-            <a:ext cx="626105" cy="626105"/>
-          </a:xfrm>
-          <a:prstGeom prst="rect">
-            <a:avLst/>
-          </a:prstGeom>
-          <a:noFill/>
-          <a:extLst>
-            <a:ext uri="{909E8E84-426E-40DD-AFC4-6F175D3DCCD1}">
-              <a14:hiddenFill xmlns:a14="http://schemas.microsoft.com/office/drawing/2010/main">
-                <a:solidFill>
-                  <a:srgbClr val="FFFFFF"/>
-                </a:solidFill>
-              </a14:hiddenFill>
-            </a:ext>
-          </a:extLst>
-        </p:spPr>
-      </p:pic>
-      <p:pic>
-        <p:nvPicPr>
-          <p:cNvPr id="1026" name="Picture 2" descr="Картинки по запросу grafana">
-            <a:extLst>
-              <a:ext uri="{FF2B5EF4-FFF2-40B4-BE49-F238E27FC236}">
-                <a16:creationId xmlns:a16="http://schemas.microsoft.com/office/drawing/2014/main" id="{BC1005B9-ADA8-4B91-949F-548846CBC04B}"/>
+                <a16:creationId xmlns:a16="http://schemas.microsoft.com/office/drawing/2014/main" id="{A2283A21-144D-4DD5-A7BD-2091D701C027}"/>
               </a:ext>
             </a:extLst>
           </p:cNvPr>
@@ -12208,8 +12690,8 @@
         </p:blipFill>
         <p:spPr bwMode="auto">
           <a:xfrm>
-            <a:off x="5259160" y="2336721"/>
-            <a:ext cx="5604783" cy="3496919"/>
+            <a:off x="8881586" y="5579141"/>
+            <a:ext cx="3448608" cy="1278859"/>
           </a:xfrm>
           <a:prstGeom prst="rect">
             <a:avLst/>
@@ -12226,10 +12708,40 @@
           </a:extLst>
         </p:spPr>
       </p:pic>
+      <p:pic>
+        <p:nvPicPr>
+          <p:cNvPr id="3" name="Picture 2">
+            <a:extLst>
+              <a:ext uri="{FF2B5EF4-FFF2-40B4-BE49-F238E27FC236}">
+                <a16:creationId xmlns:a16="http://schemas.microsoft.com/office/drawing/2014/main" id="{C645F890-2D68-460C-81D3-E8369474ABEC}"/>
+              </a:ext>
+            </a:extLst>
+          </p:cNvPr>
+          <p:cNvPicPr>
+            <a:picLocks noChangeAspect="1"/>
+          </p:cNvPicPr>
+          <p:nvPr/>
+        </p:nvPicPr>
+        <p:blipFill>
+          <a:blip r:embed="rId6"/>
+          <a:stretch>
+            <a:fillRect/>
+          </a:stretch>
+        </p:blipFill>
+        <p:spPr>
+          <a:xfrm>
+            <a:off x="5023615" y="3566675"/>
+            <a:ext cx="6628233" cy="1278859"/>
+          </a:xfrm>
+          <a:prstGeom prst="rect">
+            <a:avLst/>
+          </a:prstGeom>
+        </p:spPr>
+      </p:pic>
     </p:spTree>
     <p:extLst>
       <p:ext uri="{BB962C8B-B14F-4D97-AF65-F5344CB8AC3E}">
-        <p14:creationId xmlns:p14="http://schemas.microsoft.com/office/powerpoint/2010/main" val="2056021807"/>
+        <p14:creationId xmlns:p14="http://schemas.microsoft.com/office/powerpoint/2010/main" val="199319404"/>
       </p:ext>
     </p:extLst>
   </p:cSld>
@@ -12281,8 +12793,14 @@
           <a:lstStyle/>
           <a:p>
             <a:r>
+              <a:rPr lang="en-US" b="1" dirty="0">
+                <a:hlinkClick r:id="rId3" tooltip="Grafana homepage"/>
+              </a:rPr>
+              <a:t>Grafana</a:t>
+            </a:r>
+            <a:r>
               <a:rPr lang="en-US" dirty="0"/>
-              <a:t> TICK-stack</a:t>
+              <a:t> – web based reporting solution</a:t>
             </a:r>
           </a:p>
         </p:txBody>
@@ -12354,12 +12872,343 @@
           </a:p>
         </p:txBody>
       </p:sp>
+      <p:sp>
+        <p:nvSpPr>
+          <p:cNvPr id="5" name="Title 1">
+            <a:extLst>
+              <a:ext uri="{FF2B5EF4-FFF2-40B4-BE49-F238E27FC236}">
+                <a16:creationId xmlns:a16="http://schemas.microsoft.com/office/drawing/2014/main" id="{BDA1BC9C-FAE8-4D90-AB65-50861A606437}"/>
+              </a:ext>
+            </a:extLst>
+          </p:cNvPr>
+          <p:cNvSpPr txBox="1">
+            <a:spLocks/>
+          </p:cNvSpPr>
+          <p:nvPr/>
+        </p:nvSpPr>
+        <p:spPr>
+          <a:xfrm>
+            <a:off x="432120" y="1377531"/>
+            <a:ext cx="11384928" cy="4456109"/>
+          </a:xfrm>
+          <a:prstGeom prst="rect">
+            <a:avLst/>
+          </a:prstGeom>
+        </p:spPr>
+        <p:txBody>
+          <a:bodyPr vert="horz" wrap="square" lIns="146304" tIns="91440" rIns="146304" bIns="91440" rtlCol="0" anchor="t">
+            <a:noAutofit/>
+          </a:bodyPr>
+          <a:lstStyle>
+            <a:lvl1pPr algn="l" defTabSz="914367" rtl="0" eaLnBrk="1" latinLnBrk="0" hangingPunct="1">
+              <a:lnSpc>
+                <a:spcPct val="90000"/>
+              </a:lnSpc>
+              <a:spcBef>
+                <a:spcPct val="0"/>
+              </a:spcBef>
+              <a:buNone/>
+              <a:defRPr lang="en-US" sz="4705" b="0" kern="1200" cap="none" spc="-100" baseline="0" dirty="0" smtClean="0">
+                <a:ln w="3175">
+                  <a:noFill/>
+                </a:ln>
+                <a:gradFill>
+                  <a:gsLst>
+                    <a:gs pos="1250">
+                      <a:schemeClr val="tx1"/>
+                    </a:gs>
+                    <a:gs pos="100000">
+                      <a:schemeClr val="tx1"/>
+                    </a:gs>
+                  </a:gsLst>
+                  <a:lin ang="5400000" scaled="0"/>
+                </a:gradFill>
+                <a:effectLst/>
+                <a:latin typeface="+mj-lt"/>
+                <a:ea typeface="+mn-ea"/>
+                <a:cs typeface="Segoe UI" pitchFamily="34" charset="0"/>
+              </a:defRPr>
+            </a:lvl1pPr>
+          </a:lstStyle>
+          <a:p>
+            <a:pPr marL="685800" indent="-685800">
+              <a:buFont typeface="Arial" panose="020B0604020202020204" pitchFamily="34" charset="0"/>
+              <a:buChar char="•"/>
+            </a:pPr>
+            <a:r>
+              <a:rPr lang="en-US" sz="2500" dirty="0">
+                <a:latin typeface="Segoe UI (Body)"/>
+              </a:rPr>
+              <a:t>data visualization and exploration tool</a:t>
+            </a:r>
+          </a:p>
+          <a:p>
+            <a:pPr marL="685800" indent="-685800">
+              <a:buFont typeface="Arial" panose="020B0604020202020204" pitchFamily="34" charset="0"/>
+              <a:buChar char="•"/>
+            </a:pPr>
+            <a:r>
+              <a:rPr lang="en-US" sz="2500" dirty="0">
+                <a:latin typeface="Segoe UI (Body)"/>
+              </a:rPr>
+              <a:t>lets you create graphs and dashboards based on data from various data sources:</a:t>
+            </a:r>
+          </a:p>
+          <a:p>
+            <a:pPr marL="1143000" lvl="1" indent="-685800">
+              <a:buFont typeface="Arial" panose="020B0604020202020204" pitchFamily="34" charset="0"/>
+              <a:buChar char="•"/>
+            </a:pPr>
+            <a:r>
+              <a:rPr lang="en-US" sz="2500" spc="-100" dirty="0" err="1">
+                <a:ln w="3175">
+                  <a:noFill/>
+                </a:ln>
+                <a:gradFill>
+                  <a:gsLst>
+                    <a:gs pos="1250">
+                      <a:schemeClr val="tx1"/>
+                    </a:gs>
+                    <a:gs pos="100000">
+                      <a:schemeClr val="tx1"/>
+                    </a:gs>
+                  </a:gsLst>
+                  <a:lin ang="5400000" scaled="0"/>
+                </a:gradFill>
+                <a:latin typeface="Segoe UI (Body)"/>
+                <a:cs typeface="Segoe UI" pitchFamily="34" charset="0"/>
+              </a:rPr>
+              <a:t>InfluxDB</a:t>
+            </a:r>
+            <a:endParaRPr lang="en-US" sz="2500" spc="-100" dirty="0">
+              <a:ln w="3175">
+                <a:noFill/>
+              </a:ln>
+              <a:gradFill>
+                <a:gsLst>
+                  <a:gs pos="1250">
+                    <a:schemeClr val="tx1"/>
+                  </a:gs>
+                  <a:gs pos="100000">
+                    <a:schemeClr val="tx1"/>
+                  </a:gs>
+                </a:gsLst>
+                <a:lin ang="5400000" scaled="0"/>
+              </a:gradFill>
+              <a:latin typeface="Segoe UI (Body)"/>
+              <a:cs typeface="Segoe UI" pitchFamily="34" charset="0"/>
+            </a:endParaRPr>
+          </a:p>
+          <a:p>
+            <a:pPr marL="1143000" lvl="1" indent="-685800">
+              <a:buFont typeface="Arial" panose="020B0604020202020204" pitchFamily="34" charset="0"/>
+              <a:buChar char="•"/>
+            </a:pPr>
+            <a:r>
+              <a:rPr lang="en-US" sz="2500" spc="-100" dirty="0">
+                <a:ln w="3175">
+                  <a:noFill/>
+                </a:ln>
+                <a:gradFill>
+                  <a:gsLst>
+                    <a:gs pos="1250">
+                      <a:schemeClr val="tx1"/>
+                    </a:gs>
+                    <a:gs pos="100000">
+                      <a:schemeClr val="tx1"/>
+                    </a:gs>
+                  </a:gsLst>
+                  <a:lin ang="5400000" scaled="0"/>
+                </a:gradFill>
+                <a:latin typeface="Segoe UI (Body)"/>
+                <a:cs typeface="Segoe UI" pitchFamily="34" charset="0"/>
+              </a:rPr>
+              <a:t>Prometheus</a:t>
+            </a:r>
+          </a:p>
+          <a:p>
+            <a:pPr marL="1143000" lvl="1" indent="-685800">
+              <a:buFont typeface="Arial" panose="020B0604020202020204" pitchFamily="34" charset="0"/>
+              <a:buChar char="•"/>
+            </a:pPr>
+            <a:r>
+              <a:rPr lang="en-US" sz="2500" spc="-100" dirty="0">
+                <a:ln w="3175">
+                  <a:noFill/>
+                </a:ln>
+                <a:gradFill>
+                  <a:gsLst>
+                    <a:gs pos="1250">
+                      <a:schemeClr val="tx1"/>
+                    </a:gs>
+                    <a:gs pos="100000">
+                      <a:schemeClr val="tx1"/>
+                    </a:gs>
+                  </a:gsLst>
+                  <a:lin ang="5400000" scaled="0"/>
+                </a:gradFill>
+                <a:latin typeface="Segoe UI (Body)"/>
+                <a:cs typeface="Segoe UI" pitchFamily="34" charset="0"/>
+              </a:rPr>
+              <a:t>Elasticsearch</a:t>
+            </a:r>
+          </a:p>
+          <a:p>
+            <a:pPr marL="1143000" lvl="1" indent="-685800">
+              <a:buFont typeface="Arial" panose="020B0604020202020204" pitchFamily="34" charset="0"/>
+              <a:buChar char="•"/>
+            </a:pPr>
+            <a:r>
+              <a:rPr lang="en-US" sz="2500" spc="-100" dirty="0" err="1">
+                <a:ln w="3175">
+                  <a:noFill/>
+                </a:ln>
+                <a:gradFill>
+                  <a:gsLst>
+                    <a:gs pos="1250">
+                      <a:schemeClr val="tx1"/>
+                    </a:gs>
+                    <a:gs pos="100000">
+                      <a:schemeClr val="tx1"/>
+                    </a:gs>
+                  </a:gsLst>
+                  <a:lin ang="5400000" scaled="0"/>
+                </a:gradFill>
+                <a:latin typeface="Segoe UI (Body)"/>
+                <a:cs typeface="Segoe UI" pitchFamily="34" charset="0"/>
+              </a:rPr>
+              <a:t>Cloudwatch</a:t>
+            </a:r>
+            <a:r>
+              <a:rPr lang="en-US" sz="2500" spc="-100" dirty="0">
+                <a:ln w="3175">
+                  <a:noFill/>
+                </a:ln>
+                <a:gradFill>
+                  <a:gsLst>
+                    <a:gs pos="1250">
+                      <a:schemeClr val="tx1"/>
+                    </a:gs>
+                    <a:gs pos="100000">
+                      <a:schemeClr val="tx1"/>
+                    </a:gs>
+                  </a:gsLst>
+                  <a:lin ang="5400000" scaled="0"/>
+                </a:gradFill>
+                <a:latin typeface="Segoe UI (Body)"/>
+                <a:cs typeface="Segoe UI" pitchFamily="34" charset="0"/>
+              </a:rPr>
+              <a:t> </a:t>
+            </a:r>
+          </a:p>
+          <a:p>
+            <a:pPr marL="1143000" lvl="1" indent="-685800">
+              <a:buFont typeface="Arial" panose="020B0604020202020204" pitchFamily="34" charset="0"/>
+              <a:buChar char="•"/>
+            </a:pPr>
+            <a:r>
+              <a:rPr lang="en-US" sz="2500" spc="-100" dirty="0">
+                <a:ln w="3175">
+                  <a:noFill/>
+                </a:ln>
+                <a:gradFill>
+                  <a:gsLst>
+                    <a:gs pos="1250">
+                      <a:schemeClr val="tx1"/>
+                    </a:gs>
+                    <a:gs pos="100000">
+                      <a:schemeClr val="tx1"/>
+                    </a:gs>
+                  </a:gsLst>
+                  <a:lin ang="5400000" scaled="0"/>
+                </a:gradFill>
+                <a:latin typeface="Segoe UI (Body)"/>
+                <a:cs typeface="Segoe UI" pitchFamily="34" charset="0"/>
+              </a:rPr>
+              <a:t>Etc.</a:t>
+            </a:r>
+            <a:endParaRPr lang="en-US" sz="2500" dirty="0">
+              <a:latin typeface="Segoe UI (Body)"/>
+            </a:endParaRPr>
+          </a:p>
+          <a:p>
+            <a:pPr marL="685800" indent="-685800">
+              <a:buFont typeface="Arial" panose="020B0604020202020204" pitchFamily="34" charset="0"/>
+              <a:buChar char="•"/>
+            </a:pPr>
+            <a:endParaRPr lang="en-US" sz="2500" dirty="0">
+              <a:latin typeface="Segoe UI (Body)"/>
+            </a:endParaRPr>
+          </a:p>
+          <a:p>
+            <a:pPr marL="685800" indent="-685800">
+              <a:buFont typeface="Arial" panose="020B0604020202020204" pitchFamily="34" charset="0"/>
+              <a:buChar char="•"/>
+            </a:pPr>
+            <a:endParaRPr lang="en-US" sz="2500" dirty="0">
+              <a:latin typeface="Segoe UI (Body)"/>
+            </a:endParaRPr>
+          </a:p>
+          <a:p>
+            <a:pPr marL="685800" indent="-685800">
+              <a:buFont typeface="Arial" panose="020B0604020202020204" pitchFamily="34" charset="0"/>
+              <a:buChar char="•"/>
+            </a:pPr>
+            <a:endParaRPr lang="en-US" sz="2500" dirty="0">
+              <a:latin typeface="Segoe UI (Body)"/>
+            </a:endParaRPr>
+          </a:p>
+          <a:p>
+            <a:pPr marL="685800" indent="-685800">
+              <a:buFont typeface="Arial" panose="020B0604020202020204" pitchFamily="34" charset="0"/>
+              <a:buChar char="•"/>
+            </a:pPr>
+            <a:endParaRPr lang="uk-UA" sz="2500" dirty="0">
+              <a:latin typeface="Segoe UI (Body)"/>
+            </a:endParaRPr>
+          </a:p>
+          <a:p>
+            <a:pPr marL="685800" indent="-685800">
+              <a:buFont typeface="Arial" panose="020B0604020202020204" pitchFamily="34" charset="0"/>
+              <a:buChar char="•"/>
+            </a:pPr>
+            <a:endParaRPr lang="en-US" sz="2500" dirty="0">
+              <a:latin typeface="Segoe UI (Body)"/>
+            </a:endParaRPr>
+          </a:p>
+          <a:p>
+            <a:pPr marL="685800" indent="-685800">
+              <a:buFont typeface="Arial" panose="020B0604020202020204" pitchFamily="34" charset="0"/>
+              <a:buChar char="•"/>
+            </a:pPr>
+            <a:r>
+              <a:rPr lang="en-US" sz="2500" dirty="0">
+                <a:latin typeface="Segoe UI (Body)"/>
+                <a:hlinkClick r:id="rId4"/>
+              </a:rPr>
+              <a:t>https://github.com/grafana/grafana</a:t>
+            </a:r>
+            <a:endParaRPr lang="en-US" sz="2500" dirty="0">
+              <a:latin typeface="Segoe UI (Body)"/>
+            </a:endParaRPr>
+          </a:p>
+          <a:p>
+            <a:pPr marL="685800" indent="-685800">
+              <a:buFont typeface="Arial" panose="020B0604020202020204" pitchFamily="34" charset="0"/>
+              <a:buChar char="•"/>
+            </a:pPr>
+            <a:endParaRPr lang="en-US" sz="2500" dirty="0">
+              <a:latin typeface="Segoe UI (Body)"/>
+            </a:endParaRPr>
+          </a:p>
+        </p:txBody>
+      </p:sp>
       <p:pic>
         <p:nvPicPr>
-          <p:cNvPr id="3074" name="Picture 2" descr="Картинки по запросу TIG stack with kapacitor and chronograf">
+          <p:cNvPr id="3074" name="Picture 2" descr="Картинки по запросу grafana">
             <a:extLst>
               <a:ext uri="{FF2B5EF4-FFF2-40B4-BE49-F238E27FC236}">
-                <a16:creationId xmlns:a16="http://schemas.microsoft.com/office/drawing/2014/main" id="{BCDA6E57-F61F-4F2B-90FF-0E430340A951}"/>
+                <a16:creationId xmlns:a16="http://schemas.microsoft.com/office/drawing/2014/main" id="{2D82E3C7-C821-4C01-AA77-A1C57032DDCD}"/>
               </a:ext>
             </a:extLst>
           </p:cNvPr>
@@ -12369,7 +13218,7 @@
           <p:nvPr/>
         </p:nvPicPr>
         <p:blipFill>
-          <a:blip r:embed="rId2">
+          <a:blip r:embed="rId5">
             <a:extLst>
               <a:ext uri="{28A0092B-C50C-407E-A947-70E740481C1C}">
                 <a14:useLocalDpi xmlns:a14="http://schemas.microsoft.com/office/drawing/2010/main" val="0"/>
@@ -12383,8 +13232,8 @@
         </p:blipFill>
         <p:spPr bwMode="auto">
           <a:xfrm>
-            <a:off x="2916950" y="289511"/>
-            <a:ext cx="7951677" cy="6355457"/>
+            <a:off x="11298975" y="6021995"/>
+            <a:ext cx="626105" cy="626105"/>
           </a:xfrm>
           <a:prstGeom prst="rect">
             <a:avLst/>
@@ -12401,10 +13250,57 @@
           </a:extLst>
         </p:spPr>
       </p:pic>
+      <p:pic>
+        <p:nvPicPr>
+          <p:cNvPr id="1026" name="Picture 2" descr="Картинки по запросу grafana">
+            <a:extLst>
+              <a:ext uri="{FF2B5EF4-FFF2-40B4-BE49-F238E27FC236}">
+                <a16:creationId xmlns:a16="http://schemas.microsoft.com/office/drawing/2014/main" id="{BC1005B9-ADA8-4B91-949F-548846CBC04B}"/>
+              </a:ext>
+            </a:extLst>
+          </p:cNvPr>
+          <p:cNvPicPr>
+            <a:picLocks noChangeAspect="1" noChangeArrowheads="1"/>
+          </p:cNvPicPr>
+          <p:nvPr/>
+        </p:nvPicPr>
+        <p:blipFill>
+          <a:blip r:embed="rId6">
+            <a:extLst>
+              <a:ext uri="{28A0092B-C50C-407E-A947-70E740481C1C}">
+                <a14:useLocalDpi xmlns:a14="http://schemas.microsoft.com/office/drawing/2010/main" val="0"/>
+              </a:ext>
+            </a:extLst>
+          </a:blip>
+          <a:srcRect/>
+          <a:stretch>
+            <a:fillRect/>
+          </a:stretch>
+        </p:blipFill>
+        <p:spPr bwMode="auto">
+          <a:xfrm>
+            <a:off x="5259160" y="2336721"/>
+            <a:ext cx="5604783" cy="3496919"/>
+          </a:xfrm>
+          <a:prstGeom prst="rect">
+            <a:avLst/>
+          </a:prstGeom>
+          <a:noFill/>
+          <a:extLst>
+            <a:ext uri="{909E8E84-426E-40DD-AFC4-6F175D3DCCD1}">
+              <a14:hiddenFill xmlns:a14="http://schemas.microsoft.com/office/drawing/2010/main">
+                <a:solidFill>
+                  <a:srgbClr val="FFFFFF"/>
+                </a:solidFill>
+              </a14:hiddenFill>
+            </a:ext>
+          </a:extLst>
+        </p:spPr>
+      </p:pic>
     </p:spTree>
     <p:extLst>
       <p:ext uri="{BB962C8B-B14F-4D97-AF65-F5344CB8AC3E}">
-        <p14:creationId xmlns:p14="http://schemas.microsoft.com/office/powerpoint/2010/main" val="1673553243"/>
+        <p14:creationId xmlns:p14="http://schemas.microsoft.com/office/powerpoint/2010/main" val="2056021807"/>
       </p:ext>
     </p:extLst>
   </p:cSld>
@@ -12456,14 +13352,8 @@
           <a:lstStyle/>
           <a:p>
             <a:r>
-              <a:rPr lang="en-US" b="1" dirty="0" err="1">
-                <a:hlinkClick r:id="rId2"/>
-              </a:rPr>
-              <a:t>Chronograf</a:t>
-            </a:r>
-            <a:r>
               <a:rPr lang="en-US" dirty="0"/>
-              <a:t> –admin and reporting solution</a:t>
+              <a:t> TICK-stack</a:t>
             </a:r>
           </a:p>
         </p:txBody>
@@ -12535,177 +13425,12 @@
           </a:p>
         </p:txBody>
       </p:sp>
-      <p:sp>
-        <p:nvSpPr>
-          <p:cNvPr id="5" name="Title 1">
+      <p:pic>
+        <p:nvPicPr>
+          <p:cNvPr id="3074" name="Picture 2" descr="Картинки по запросу TIG stack with kapacitor and chronograf">
             <a:extLst>
               <a:ext uri="{FF2B5EF4-FFF2-40B4-BE49-F238E27FC236}">
-                <a16:creationId xmlns:a16="http://schemas.microsoft.com/office/drawing/2014/main" id="{BDA1BC9C-FAE8-4D90-AB65-50861A606437}"/>
-              </a:ext>
-            </a:extLst>
-          </p:cNvPr>
-          <p:cNvSpPr txBox="1">
-            <a:spLocks/>
-          </p:cNvSpPr>
-          <p:nvPr/>
-        </p:nvSpPr>
-        <p:spPr>
-          <a:xfrm>
-            <a:off x="692552" y="1529931"/>
-            <a:ext cx="11384928" cy="4456109"/>
-          </a:xfrm>
-          <a:prstGeom prst="rect">
-            <a:avLst/>
-          </a:prstGeom>
-        </p:spPr>
-        <p:txBody>
-          <a:bodyPr vert="horz" wrap="square" lIns="146304" tIns="91440" rIns="146304" bIns="91440" rtlCol="0" anchor="t">
-            <a:noAutofit/>
-          </a:bodyPr>
-          <a:lstStyle>
-            <a:lvl1pPr algn="l" defTabSz="914367" rtl="0" eaLnBrk="1" latinLnBrk="0" hangingPunct="1">
-              <a:lnSpc>
-                <a:spcPct val="90000"/>
-              </a:lnSpc>
-              <a:spcBef>
-                <a:spcPct val="0"/>
-              </a:spcBef>
-              <a:buNone/>
-              <a:defRPr lang="en-US" sz="4705" b="0" kern="1200" cap="none" spc="-100" baseline="0" dirty="0" smtClean="0">
-                <a:ln w="3175">
-                  <a:noFill/>
-                </a:ln>
-                <a:gradFill>
-                  <a:gsLst>
-                    <a:gs pos="1250">
-                      <a:schemeClr val="tx1"/>
-                    </a:gs>
-                    <a:gs pos="100000">
-                      <a:schemeClr val="tx1"/>
-                    </a:gs>
-                  </a:gsLst>
-                  <a:lin ang="5400000" scaled="0"/>
-                </a:gradFill>
-                <a:effectLst/>
-                <a:latin typeface="+mj-lt"/>
-                <a:ea typeface="+mn-ea"/>
-                <a:cs typeface="Segoe UI" pitchFamily="34" charset="0"/>
-              </a:defRPr>
-            </a:lvl1pPr>
-          </a:lstStyle>
-          <a:p>
-            <a:pPr marL="685800" indent="-685800">
-              <a:buFont typeface="Arial" panose="020B0604020202020204" pitchFamily="34" charset="0"/>
-              <a:buChar char="•"/>
-            </a:pPr>
-            <a:r>
-              <a:rPr lang="en-US" sz="3000" dirty="0"/>
-              <a:t>better at data exploration and understanding schemas for </a:t>
-            </a:r>
-            <a:r>
-              <a:rPr lang="en-US" sz="3000" dirty="0" err="1"/>
-              <a:t>InfluxDB</a:t>
-            </a:r>
-            <a:r>
-              <a:rPr lang="en-US" sz="3000" dirty="0"/>
-              <a:t> data</a:t>
-            </a:r>
-          </a:p>
-          <a:p>
-            <a:pPr marL="685800" indent="-685800">
-              <a:buFont typeface="Arial" panose="020B0604020202020204" pitchFamily="34" charset="0"/>
-              <a:buChar char="•"/>
-            </a:pPr>
-            <a:r>
-              <a:rPr lang="en-US" sz="3000" dirty="0"/>
-              <a:t>offers a complete dashboarding solution for visualizing your data</a:t>
-            </a:r>
-          </a:p>
-          <a:p>
-            <a:pPr marL="685800" indent="-685800">
-              <a:buFont typeface="Arial" panose="020B0604020202020204" pitchFamily="34" charset="0"/>
-              <a:buChar char="•"/>
-            </a:pPr>
-            <a:r>
-              <a:rPr lang="en-US" sz="3000" dirty="0"/>
-              <a:t>over 20 pre-canned dashboards are available</a:t>
-            </a:r>
-          </a:p>
-          <a:p>
-            <a:pPr marL="685800" indent="-685800">
-              <a:buFont typeface="Arial" panose="020B0604020202020204" pitchFamily="34" charset="0"/>
-              <a:buChar char="•"/>
-            </a:pPr>
-            <a:r>
-              <a:rPr lang="en-US" sz="3000" dirty="0"/>
-              <a:t>administrative tool for all your </a:t>
-            </a:r>
-            <a:r>
-              <a:rPr lang="en-US" sz="3000" dirty="0" err="1"/>
-              <a:t>InfluxData</a:t>
-            </a:r>
-            <a:r>
-              <a:rPr lang="en-US" sz="3000" dirty="0"/>
-              <a:t> deployments</a:t>
-            </a:r>
-          </a:p>
-          <a:p>
-            <a:pPr marL="685800" indent="-685800">
-              <a:buFont typeface="Arial" panose="020B0604020202020204" pitchFamily="34" charset="0"/>
-              <a:buChar char="•"/>
-            </a:pPr>
-            <a:r>
-              <a:rPr lang="en-US" sz="3000" dirty="0"/>
-              <a:t>user interface for Kapacitor</a:t>
-            </a:r>
-          </a:p>
-          <a:p>
-            <a:pPr marL="685800" indent="-685800">
-              <a:buFont typeface="Arial" panose="020B0604020202020204" pitchFamily="34" charset="0"/>
-              <a:buChar char="•"/>
-            </a:pPr>
-            <a:r>
-              <a:rPr lang="en-US" sz="3000" dirty="0" err="1"/>
-              <a:t>limitted</a:t>
-            </a:r>
-            <a:r>
-              <a:rPr lang="en-US" sz="3000" dirty="0"/>
-              <a:t> to </a:t>
-            </a:r>
-            <a:r>
-              <a:rPr lang="en-US" sz="3000" dirty="0" err="1"/>
-              <a:t>InfluxDB</a:t>
-            </a:r>
-            <a:r>
-              <a:rPr lang="en-US" sz="3000" dirty="0"/>
-              <a:t> only</a:t>
-            </a:r>
-          </a:p>
-          <a:p>
-            <a:pPr marL="685800" indent="-685800">
-              <a:buFont typeface="Arial" panose="020B0604020202020204" pitchFamily="34" charset="0"/>
-              <a:buChar char="•"/>
-            </a:pPr>
-            <a:r>
-              <a:rPr lang="en-US" sz="3000" dirty="0"/>
-              <a:t>written in Go and React</a:t>
-            </a:r>
-          </a:p>
-          <a:p>
-            <a:pPr marL="685800" indent="-685800">
-              <a:buFont typeface="Arial" panose="020B0604020202020204" pitchFamily="34" charset="0"/>
-              <a:buChar char="•"/>
-            </a:pPr>
-            <a:endParaRPr lang="en-US" sz="3000" dirty="0"/>
-          </a:p>
-        </p:txBody>
-      </p:sp>
-      <p:pic>
-        <p:nvPicPr>
-          <p:cNvPr id="4098" name="Picture 2">
-            <a:extLst>
-              <a:ext uri="{FF2B5EF4-FFF2-40B4-BE49-F238E27FC236}">
-                <a16:creationId xmlns:a16="http://schemas.microsoft.com/office/drawing/2014/main" id="{1F771E5C-9B02-49E8-8255-F4D341039AF6}"/>
+                <a16:creationId xmlns:a16="http://schemas.microsoft.com/office/drawing/2014/main" id="{BCDA6E57-F61F-4F2B-90FF-0E430340A951}"/>
               </a:ext>
             </a:extLst>
           </p:cNvPr>
@@ -12729,8 +13454,8 @@
         </p:blipFill>
         <p:spPr bwMode="auto">
           <a:xfrm>
-            <a:off x="10606531" y="5433480"/>
-            <a:ext cx="1045317" cy="1045317"/>
+            <a:off x="2916950" y="289511"/>
+            <a:ext cx="7951677" cy="6355457"/>
           </a:xfrm>
           <a:prstGeom prst="rect">
             <a:avLst/>
@@ -12750,7 +13475,7 @@
     </p:spTree>
     <p:extLst>
       <p:ext uri="{BB962C8B-B14F-4D97-AF65-F5344CB8AC3E}">
-        <p14:creationId xmlns:p14="http://schemas.microsoft.com/office/powerpoint/2010/main" val="2836282919"/>
+        <p14:creationId xmlns:p14="http://schemas.microsoft.com/office/powerpoint/2010/main" val="1673553243"/>
       </p:ext>
     </p:extLst>
   </p:cSld>
@@ -12803,13 +13528,13 @@
           <a:p>
             <a:r>
               <a:rPr lang="en-US" b="1" dirty="0" err="1">
-                <a:hlinkClick r:id="rId2"/>
-              </a:rPr>
-              <a:t>Kapacitor</a:t>
+                <a:hlinkClick r:id="rId3"/>
+              </a:rPr>
+              <a:t>Chronograf</a:t>
             </a:r>
             <a:r>
               <a:rPr lang="en-US" dirty="0"/>
-              <a:t> – data processing engine</a:t>
+              <a:t> –admin and reporting solution</a:t>
             </a:r>
           </a:p>
         </p:txBody>
@@ -12945,8 +13670,22 @@
               <a:buChar char="•"/>
             </a:pPr>
             <a:r>
-              <a:rPr lang="en-US" sz="2800" dirty="0"/>
-              <a:t>Open source framework for processing, monitoring, and alerting on time series data</a:t>
+              <a:rPr lang="en-US" sz="3000" dirty="0">
+                <a:latin typeface="Segoe UI (Body)"/>
+              </a:rPr>
+              <a:t>better at data exploration and understanding schemas for </a:t>
+            </a:r>
+            <a:r>
+              <a:rPr lang="en-US" sz="3000" dirty="0" err="1">
+                <a:latin typeface="Segoe UI (Body)"/>
+              </a:rPr>
+              <a:t>InfluxDB</a:t>
+            </a:r>
+            <a:r>
+              <a:rPr lang="en-US" sz="3000" dirty="0">
+                <a:latin typeface="Segoe UI (Body)"/>
+              </a:rPr>
+              <a:t> data</a:t>
             </a:r>
           </a:p>
           <a:p>
@@ -12955,8 +13694,10 @@
               <a:buChar char="•"/>
             </a:pPr>
             <a:r>
-              <a:rPr lang="en-US" sz="2800" dirty="0"/>
-              <a:t>Process both streaming data and batch data.</a:t>
+              <a:rPr lang="en-US" sz="3000" dirty="0">
+                <a:latin typeface="Segoe UI (Body)"/>
+              </a:rPr>
+              <a:t>offers a complete dashboarding solution for visualizing your data</a:t>
             </a:r>
           </a:p>
           <a:p>
@@ -12965,24 +13706,10 @@
               <a:buChar char="•"/>
             </a:pPr>
             <a:r>
-              <a:rPr lang="en-US" sz="2800" dirty="0"/>
-              <a:t>Query data from </a:t>
-            </a:r>
-            <a:r>
-              <a:rPr lang="en-US" sz="2800" dirty="0" err="1"/>
-              <a:t>InfluxDB</a:t>
-            </a:r>
-            <a:r>
-              <a:rPr lang="en-US" sz="2800" dirty="0"/>
-              <a:t> on a schedule, and receive data via the line protocol and any other method </a:t>
-            </a:r>
-            <a:r>
-              <a:rPr lang="en-US" sz="2800" dirty="0" err="1"/>
-              <a:t>InfluxDB</a:t>
-            </a:r>
-            <a:r>
-              <a:rPr lang="en-US" sz="2800" dirty="0"/>
-              <a:t> supports.</a:t>
+              <a:rPr lang="en-US" sz="3000" dirty="0">
+                <a:latin typeface="Segoe UI (Body)"/>
+              </a:rPr>
+              <a:t>over 20 pre-canned dashboards are available</a:t>
             </a:r>
           </a:p>
           <a:p>
@@ -12991,16 +13718,22 @@
               <a:buChar char="•"/>
             </a:pPr>
             <a:r>
-              <a:rPr lang="en-US" sz="2800" dirty="0"/>
-              <a:t>Perform any transformation currently possible in </a:t>
-            </a:r>
-            <a:r>
-              <a:rPr lang="en-US" sz="2800" dirty="0" err="1"/>
-              <a:t>InfluxQL</a:t>
-            </a:r>
-            <a:r>
-              <a:rPr lang="en-US" sz="2800" dirty="0"/>
-              <a:t>.</a:t>
+              <a:rPr lang="en-US" sz="3000" dirty="0">
+                <a:latin typeface="Segoe UI (Body)"/>
+              </a:rPr>
+              <a:t>administrative tool for all your </a:t>
+            </a:r>
+            <a:r>
+              <a:rPr lang="en-US" sz="3000" dirty="0" err="1">
+                <a:latin typeface="Segoe UI (Body)"/>
+              </a:rPr>
+              <a:t>InfluxData</a:t>
+            </a:r>
+            <a:r>
+              <a:rPr lang="en-US" sz="3000" dirty="0">
+                <a:latin typeface="Segoe UI (Body)"/>
+              </a:rPr>
+              <a:t> deployments</a:t>
             </a:r>
           </a:p>
           <a:p>
@@ -13009,16 +13742,10 @@
               <a:buChar char="•"/>
             </a:pPr>
             <a:r>
-              <a:rPr lang="en-US" sz="2800" dirty="0"/>
-              <a:t>Store transformed data back in </a:t>
-            </a:r>
-            <a:r>
-              <a:rPr lang="en-US" sz="2800" dirty="0" err="1"/>
-              <a:t>InfluxDB</a:t>
-            </a:r>
-            <a:r>
-              <a:rPr lang="en-US" sz="2800" dirty="0"/>
-              <a:t>.</a:t>
+              <a:rPr lang="en-US" sz="3000" dirty="0">
+                <a:latin typeface="Segoe UI (Body)"/>
+              </a:rPr>
+              <a:t>user interface for Kapacitor</a:t>
             </a:r>
           </a:p>
           <a:p>
@@ -13027,8 +13754,28 @@
               <a:buChar char="•"/>
             </a:pPr>
             <a:r>
-              <a:rPr lang="en-US" sz="2800" dirty="0"/>
-              <a:t>Add custom user defined functions to detect anomalies.</a:t>
+              <a:rPr lang="en-US" sz="3000" dirty="0" err="1">
+                <a:latin typeface="Segoe UI (Body)"/>
+              </a:rPr>
+              <a:t>limitted</a:t>
+            </a:r>
+            <a:r>
+              <a:rPr lang="en-US" sz="3000" dirty="0">
+                <a:latin typeface="Segoe UI (Body)"/>
+              </a:rPr>
+              <a:t> to </a:t>
+            </a:r>
+            <a:r>
+              <a:rPr lang="en-US" sz="3000" dirty="0" err="1">
+                <a:latin typeface="Segoe UI (Body)"/>
+              </a:rPr>
+              <a:t>InfluxDB</a:t>
+            </a:r>
+            <a:r>
+              <a:rPr lang="en-US" sz="3000" dirty="0">
+                <a:latin typeface="Segoe UI (Body)"/>
+              </a:rPr>
+              <a:t> only</a:t>
             </a:r>
           </a:p>
           <a:p>
@@ -13037,32 +13784,10 @@
               <a:buChar char="•"/>
             </a:pPr>
             <a:r>
-              <a:rPr lang="en-US" sz="2800" dirty="0"/>
-              <a:t>Integrate with HipChat, </a:t>
-            </a:r>
-            <a:r>
-              <a:rPr lang="en-US" sz="2800" dirty="0" err="1"/>
-              <a:t>OpsGenie</a:t>
-            </a:r>
-            <a:r>
-              <a:rPr lang="en-US" sz="2800" dirty="0"/>
-              <a:t>, </a:t>
-            </a:r>
-            <a:r>
-              <a:rPr lang="en-US" sz="2800" dirty="0" err="1"/>
-              <a:t>Alerta</a:t>
-            </a:r>
-            <a:r>
-              <a:rPr lang="en-US" sz="2800" dirty="0"/>
-              <a:t>, </a:t>
-            </a:r>
-            <a:r>
-              <a:rPr lang="en-US" sz="2800" dirty="0" err="1"/>
-              <a:t>Sensu</a:t>
-            </a:r>
-            <a:r>
-              <a:rPr lang="en-US" sz="2800" dirty="0"/>
-              <a:t>, PagerDuty, Slack, and more.</a:t>
+              <a:rPr lang="en-US" sz="3000" dirty="0">
+                <a:latin typeface="Segoe UI (Body)"/>
+              </a:rPr>
+              <a:t>written in Go and React</a:t>
             </a:r>
           </a:p>
           <a:p>
@@ -13070,19 +13795,18 @@
               <a:buFont typeface="Arial" panose="020B0604020202020204" pitchFamily="34" charset="0"/>
               <a:buChar char="•"/>
             </a:pPr>
-            <a:r>
-              <a:rPr lang="en-US" sz="2800" dirty="0"/>
-              <a:t>written in Go</a:t>
-            </a:r>
+            <a:endParaRPr lang="en-US" sz="3000" dirty="0">
+              <a:latin typeface="Segoe UI (Body)"/>
+            </a:endParaRPr>
           </a:p>
         </p:txBody>
       </p:sp>
       <p:pic>
         <p:nvPicPr>
-          <p:cNvPr id="6" name="Picture 2">
+          <p:cNvPr id="4098" name="Picture 2">
             <a:extLst>
               <a:ext uri="{FF2B5EF4-FFF2-40B4-BE49-F238E27FC236}">
-                <a16:creationId xmlns:a16="http://schemas.microsoft.com/office/drawing/2014/main" id="{21387575-4C0F-42B3-9333-10127C53DE81}"/>
+                <a16:creationId xmlns:a16="http://schemas.microsoft.com/office/drawing/2014/main" id="{1F771E5C-9B02-49E8-8255-F4D341039AF6}"/>
               </a:ext>
             </a:extLst>
           </p:cNvPr>
@@ -13092,7 +13816,7 @@
           <p:nvPr/>
         </p:nvPicPr>
         <p:blipFill>
-          <a:blip r:embed="rId3">
+          <a:blip r:embed="rId4">
             <a:extLst>
               <a:ext uri="{28A0092B-C50C-407E-A947-70E740481C1C}">
                 <a14:useLocalDpi xmlns:a14="http://schemas.microsoft.com/office/drawing/2010/main" val="0"/>
@@ -13127,7 +13851,7 @@
     </p:spTree>
     <p:extLst>
       <p:ext uri="{BB962C8B-B14F-4D97-AF65-F5344CB8AC3E}">
-        <p14:creationId xmlns:p14="http://schemas.microsoft.com/office/powerpoint/2010/main" val="4082423357"/>
+        <p14:creationId xmlns:p14="http://schemas.microsoft.com/office/powerpoint/2010/main" val="2836282919"/>
       </p:ext>
     </p:extLst>
   </p:cSld>
@@ -13248,7 +13972,7 @@
         </p:nvSpPr>
         <p:spPr>
           <a:xfrm>
-            <a:off x="929131" y="1516428"/>
+            <a:off x="811064" y="1143072"/>
             <a:ext cx="11111696" cy="4571856"/>
           </a:xfrm>
           <a:prstGeom prst="rect">
@@ -13296,7 +14020,9 @@
               <a:buChar char="•"/>
             </a:pPr>
             <a:r>
-              <a:rPr lang="en-US" sz="3000" dirty="0"/>
+              <a:rPr lang="en-US" sz="3000" dirty="0">
+                <a:latin typeface="Segoe UI (Body)"/>
+              </a:rPr>
               <a:t>quick check for system health</a:t>
             </a:r>
           </a:p>
@@ -13305,11 +14031,9 @@
               <a:buFont typeface="Arial" panose="020B0604020202020204" pitchFamily="34" charset="0"/>
               <a:buChar char="•"/>
             </a:pPr>
-            <a:r>
-              <a:rPr lang="en-US" sz="3200" dirty="0"/>
-              <a:t>health check is indicator giving brief information</a:t>
-            </a:r>
-            <a:endParaRPr lang="en-US" sz="3000" dirty="0"/>
+            <a:endParaRPr lang="en-US" sz="3000" dirty="0">
+              <a:latin typeface="Segoe UI (Body)"/>
+            </a:endParaRPr>
           </a:p>
           <a:p>
             <a:pPr marL="685800" indent="-685800">
@@ -13317,8 +14041,10 @@
               <a:buChar char="•"/>
             </a:pPr>
             <a:r>
-              <a:rPr lang="en-US" sz="3000" dirty="0"/>
-              <a:t>health checks are small and fast ones that doesn’t put much load to system</a:t>
+              <a:rPr lang="en-US" sz="3200" dirty="0">
+                <a:latin typeface="Segoe UI (Body)"/>
+              </a:rPr>
+              <a:t>health check is indicator giving brief information</a:t>
             </a:r>
           </a:p>
           <a:p>
@@ -13326,10 +14052,9 @@
               <a:buFont typeface="Arial" panose="020B0604020202020204" pitchFamily="34" charset="0"/>
               <a:buChar char="•"/>
             </a:pPr>
-            <a:r>
-              <a:rPr lang="en-US" sz="3000" dirty="0"/>
-              <a:t>health check that takes 30 seconds is clear indication that something is terribly wrong with implementation</a:t>
-            </a:r>
+            <a:endParaRPr lang="en-US" sz="3000" dirty="0">
+              <a:latin typeface="Segoe UI (Body)"/>
+            </a:endParaRPr>
           </a:p>
           <a:p>
             <a:pPr marL="685800" indent="-685800">
@@ -13337,8 +14062,10 @@
               <a:buChar char="•"/>
             </a:pPr>
             <a:r>
-              <a:rPr lang="en-US" sz="3000" dirty="0"/>
-              <a:t>most popular health checks are checking if connection to some external system works</a:t>
+              <a:rPr lang="en-US" sz="3000" dirty="0">
+                <a:latin typeface="Segoe UI (Body)"/>
+              </a:rPr>
+              <a:t>health checks are small and fast ones that doesn’t put much load to system</a:t>
             </a:r>
           </a:p>
           <a:p>
@@ -13346,20 +14073,42 @@
               <a:buFont typeface="Arial" panose="020B0604020202020204" pitchFamily="34" charset="0"/>
               <a:buChar char="•"/>
             </a:pPr>
-            <a:endParaRPr lang="en-US" sz="3000" dirty="0"/>
-          </a:p>
-          <a:p>
-            <a:r>
-              <a:rPr lang="en-US" sz="3000" dirty="0"/>
-              <a:t>What if we need to save health checks history? Well, I consider it as a task for monitoring systems. </a:t>
-            </a:r>
+            <a:endParaRPr lang="en-US" sz="3000" dirty="0">
+              <a:latin typeface="Segoe UI (Body)"/>
+            </a:endParaRPr>
           </a:p>
           <a:p>
             <a:pPr marL="685800" indent="-685800">
               <a:buFont typeface="Arial" panose="020B0604020202020204" pitchFamily="34" charset="0"/>
               <a:buChar char="•"/>
             </a:pPr>
-            <a:endParaRPr lang="en-US" sz="3000" dirty="0"/>
+            <a:r>
+              <a:rPr lang="en-US" sz="3000" dirty="0">
+                <a:latin typeface="Segoe UI (Body)"/>
+              </a:rPr>
+              <a:t>health check that takes 30 seconds is clear indication that something is terribly wrong with implementation</a:t>
+            </a:r>
+          </a:p>
+          <a:p>
+            <a:pPr marL="685800" indent="-685800">
+              <a:buFont typeface="Arial" panose="020B0604020202020204" pitchFamily="34" charset="0"/>
+              <a:buChar char="•"/>
+            </a:pPr>
+            <a:endParaRPr lang="en-US" sz="3000" dirty="0">
+              <a:latin typeface="Segoe UI (Body)"/>
+            </a:endParaRPr>
+          </a:p>
+          <a:p>
+            <a:pPr marL="685800" indent="-685800">
+              <a:buFont typeface="Arial" panose="020B0604020202020204" pitchFamily="34" charset="0"/>
+              <a:buChar char="•"/>
+            </a:pPr>
+            <a:r>
+              <a:rPr lang="en-US" sz="3000" dirty="0">
+                <a:latin typeface="Segoe UI (Body)"/>
+              </a:rPr>
+              <a:t>most popular health checks are checking if connection to some external system works</a:t>
+            </a:r>
           </a:p>
         </p:txBody>
       </p:sp>
@@ -13543,6 +14292,448 @@
           <p:cNvPr id="2" name="Title 1">
             <a:extLst>
               <a:ext uri="{FF2B5EF4-FFF2-40B4-BE49-F238E27FC236}">
+                <a16:creationId xmlns:a16="http://schemas.microsoft.com/office/drawing/2014/main" id="{DCF37BF9-15B2-4B16-8DBF-85FDCC9E0F66}"/>
+              </a:ext>
+            </a:extLst>
+          </p:cNvPr>
+          <p:cNvSpPr>
+            <a:spLocks noGrp="1"/>
+          </p:cNvSpPr>
+          <p:nvPr>
+            <p:ph type="title"/>
+          </p:nvPr>
+        </p:nvSpPr>
+        <p:spPr/>
+        <p:txBody>
+          <a:bodyPr/>
+          <a:lstStyle/>
+          <a:p>
+            <a:r>
+              <a:rPr lang="en-US" b="1" dirty="0" err="1">
+                <a:hlinkClick r:id="rId3"/>
+              </a:rPr>
+              <a:t>Kapacitor</a:t>
+            </a:r>
+            <a:r>
+              <a:rPr lang="en-US" dirty="0"/>
+              <a:t> – data processing engine</a:t>
+            </a:r>
+          </a:p>
+        </p:txBody>
+      </p:sp>
+      <p:sp>
+        <p:nvSpPr>
+          <p:cNvPr id="16" name="Title 1">
+            <a:extLst>
+              <a:ext uri="{FF2B5EF4-FFF2-40B4-BE49-F238E27FC236}">
+                <a16:creationId xmlns:a16="http://schemas.microsoft.com/office/drawing/2014/main" id="{F8EAC049-1B90-4F85-9354-B9BB5D73C77B}"/>
+              </a:ext>
+            </a:extLst>
+          </p:cNvPr>
+          <p:cNvSpPr txBox="1">
+            <a:spLocks/>
+          </p:cNvSpPr>
+          <p:nvPr/>
+        </p:nvSpPr>
+        <p:spPr>
+          <a:xfrm>
+            <a:off x="540152" y="1377531"/>
+            <a:ext cx="11384928" cy="4456109"/>
+          </a:xfrm>
+          <a:prstGeom prst="rect">
+            <a:avLst/>
+          </a:prstGeom>
+        </p:spPr>
+        <p:txBody>
+          <a:bodyPr vert="horz" wrap="square" lIns="146304" tIns="91440" rIns="146304" bIns="91440" rtlCol="0" anchor="t">
+            <a:noAutofit/>
+          </a:bodyPr>
+          <a:lstStyle>
+            <a:lvl1pPr algn="l" defTabSz="914367" rtl="0" eaLnBrk="1" latinLnBrk="0" hangingPunct="1">
+              <a:lnSpc>
+                <a:spcPct val="90000"/>
+              </a:lnSpc>
+              <a:spcBef>
+                <a:spcPct val="0"/>
+              </a:spcBef>
+              <a:buNone/>
+              <a:defRPr lang="en-US" sz="4705" b="0" kern="1200" cap="none" spc="-100" baseline="0" dirty="0" smtClean="0">
+                <a:ln w="3175">
+                  <a:noFill/>
+                </a:ln>
+                <a:gradFill>
+                  <a:gsLst>
+                    <a:gs pos="1250">
+                      <a:schemeClr val="tx1"/>
+                    </a:gs>
+                    <a:gs pos="100000">
+                      <a:schemeClr val="tx1"/>
+                    </a:gs>
+                  </a:gsLst>
+                  <a:lin ang="5400000" scaled="0"/>
+                </a:gradFill>
+                <a:effectLst/>
+                <a:latin typeface="+mj-lt"/>
+                <a:ea typeface="+mn-ea"/>
+                <a:cs typeface="Segoe UI" pitchFamily="34" charset="0"/>
+              </a:defRPr>
+            </a:lvl1pPr>
+          </a:lstStyle>
+          <a:p>
+            <a:pPr marL="685800" indent="-685800">
+              <a:buFont typeface="Arial" panose="020B0604020202020204" pitchFamily="34" charset="0"/>
+              <a:buChar char="•"/>
+            </a:pPr>
+            <a:endParaRPr lang="en-US" sz="2500" dirty="0"/>
+          </a:p>
+        </p:txBody>
+      </p:sp>
+      <p:sp>
+        <p:nvSpPr>
+          <p:cNvPr id="5" name="Title 1">
+            <a:extLst>
+              <a:ext uri="{FF2B5EF4-FFF2-40B4-BE49-F238E27FC236}">
+                <a16:creationId xmlns:a16="http://schemas.microsoft.com/office/drawing/2014/main" id="{BDA1BC9C-FAE8-4D90-AB65-50861A606437}"/>
+              </a:ext>
+            </a:extLst>
+          </p:cNvPr>
+          <p:cNvSpPr txBox="1">
+            <a:spLocks/>
+          </p:cNvSpPr>
+          <p:nvPr/>
+        </p:nvSpPr>
+        <p:spPr>
+          <a:xfrm>
+            <a:off x="163915" y="1200945"/>
+            <a:ext cx="11384928" cy="4456109"/>
+          </a:xfrm>
+          <a:prstGeom prst="rect">
+            <a:avLst/>
+          </a:prstGeom>
+        </p:spPr>
+        <p:txBody>
+          <a:bodyPr vert="horz" wrap="square" lIns="146304" tIns="91440" rIns="146304" bIns="91440" rtlCol="0" anchor="t">
+            <a:noAutofit/>
+          </a:bodyPr>
+          <a:lstStyle>
+            <a:lvl1pPr algn="l" defTabSz="914367" rtl="0" eaLnBrk="1" latinLnBrk="0" hangingPunct="1">
+              <a:lnSpc>
+                <a:spcPct val="90000"/>
+              </a:lnSpc>
+              <a:spcBef>
+                <a:spcPct val="0"/>
+              </a:spcBef>
+              <a:buNone/>
+              <a:defRPr lang="en-US" sz="4705" b="0" kern="1200" cap="none" spc="-100" baseline="0" dirty="0" smtClean="0">
+                <a:ln w="3175">
+                  <a:noFill/>
+                </a:ln>
+                <a:gradFill>
+                  <a:gsLst>
+                    <a:gs pos="1250">
+                      <a:schemeClr val="tx1"/>
+                    </a:gs>
+                    <a:gs pos="100000">
+                      <a:schemeClr val="tx1"/>
+                    </a:gs>
+                  </a:gsLst>
+                  <a:lin ang="5400000" scaled="0"/>
+                </a:gradFill>
+                <a:effectLst/>
+                <a:latin typeface="+mj-lt"/>
+                <a:ea typeface="+mn-ea"/>
+                <a:cs typeface="Segoe UI" pitchFamily="34" charset="0"/>
+              </a:defRPr>
+            </a:lvl1pPr>
+          </a:lstStyle>
+          <a:p>
+            <a:pPr marL="685800" indent="-685800">
+              <a:buFont typeface="Arial" panose="020B0604020202020204" pitchFamily="34" charset="0"/>
+              <a:buChar char="•"/>
+            </a:pPr>
+            <a:r>
+              <a:rPr lang="en-US" sz="2800" dirty="0">
+                <a:latin typeface="Segoe UI (Body)"/>
+              </a:rPr>
+              <a:t>For processing, monitoring, and alerting on time series data.</a:t>
+            </a:r>
+          </a:p>
+          <a:p>
+            <a:pPr marL="685800" indent="-685800">
+              <a:buFont typeface="Arial" panose="020B0604020202020204" pitchFamily="34" charset="0"/>
+              <a:buChar char="•"/>
+            </a:pPr>
+            <a:endParaRPr lang="en-US" sz="2800" dirty="0">
+              <a:latin typeface="Segoe UI (Body)"/>
+            </a:endParaRPr>
+          </a:p>
+          <a:p>
+            <a:pPr marL="685800" indent="-685800">
+              <a:buFont typeface="Arial" panose="020B0604020202020204" pitchFamily="34" charset="0"/>
+              <a:buChar char="•"/>
+            </a:pPr>
+            <a:r>
+              <a:rPr lang="en-US" sz="2800" dirty="0">
+                <a:latin typeface="Segoe UI (Body)"/>
+              </a:rPr>
+              <a:t>Query data from </a:t>
+            </a:r>
+            <a:r>
+              <a:rPr lang="en-US" sz="2800" dirty="0" err="1">
+                <a:latin typeface="Segoe UI (Body)"/>
+              </a:rPr>
+              <a:t>InfluxDB</a:t>
+            </a:r>
+            <a:r>
+              <a:rPr lang="en-US" sz="2800" dirty="0">
+                <a:latin typeface="Segoe UI (Body)"/>
+              </a:rPr>
+              <a:t> on a schedule, and receive data via the line protocol and any other method </a:t>
+            </a:r>
+            <a:r>
+              <a:rPr lang="en-US" sz="2800" dirty="0" err="1">
+                <a:latin typeface="Segoe UI (Body)"/>
+              </a:rPr>
+              <a:t>InfluxDB</a:t>
+            </a:r>
+            <a:r>
+              <a:rPr lang="en-US" sz="2800" dirty="0">
+                <a:latin typeface="Segoe UI (Body)"/>
+              </a:rPr>
+              <a:t> supports.</a:t>
+            </a:r>
+          </a:p>
+          <a:p>
+            <a:pPr marL="685800" indent="-685800">
+              <a:buFont typeface="Arial" panose="020B0604020202020204" pitchFamily="34" charset="0"/>
+              <a:buChar char="•"/>
+            </a:pPr>
+            <a:endParaRPr lang="en-US" sz="2800" dirty="0">
+              <a:latin typeface="Segoe UI (Body)"/>
+            </a:endParaRPr>
+          </a:p>
+          <a:p>
+            <a:pPr marL="685800" indent="-685800">
+              <a:buFont typeface="Arial" panose="020B0604020202020204" pitchFamily="34" charset="0"/>
+              <a:buChar char="•"/>
+            </a:pPr>
+            <a:r>
+              <a:rPr lang="en-US" sz="2800" dirty="0">
+                <a:latin typeface="Segoe UI (Body)"/>
+              </a:rPr>
+              <a:t>Perform any transformation currently possible in </a:t>
+            </a:r>
+            <a:r>
+              <a:rPr lang="en-US" sz="2800" dirty="0" err="1">
+                <a:latin typeface="Segoe UI (Body)"/>
+              </a:rPr>
+              <a:t>InfluxQL</a:t>
+            </a:r>
+            <a:r>
+              <a:rPr lang="en-US" sz="2800" dirty="0">
+                <a:latin typeface="Segoe UI (Body)"/>
+              </a:rPr>
+              <a:t>.</a:t>
+            </a:r>
+          </a:p>
+          <a:p>
+            <a:pPr marL="685800" indent="-685800">
+              <a:buFont typeface="Arial" panose="020B0604020202020204" pitchFamily="34" charset="0"/>
+              <a:buChar char="•"/>
+            </a:pPr>
+            <a:endParaRPr lang="en-US" sz="2800" dirty="0">
+              <a:latin typeface="Segoe UI (Body)"/>
+            </a:endParaRPr>
+          </a:p>
+          <a:p>
+            <a:pPr marL="685800" indent="-685800">
+              <a:buFont typeface="Arial" panose="020B0604020202020204" pitchFamily="34" charset="0"/>
+              <a:buChar char="•"/>
+            </a:pPr>
+            <a:r>
+              <a:rPr lang="en-US" sz="2800" dirty="0">
+                <a:latin typeface="Segoe UI (Body)"/>
+              </a:rPr>
+              <a:t>Store transformed data back in </a:t>
+            </a:r>
+            <a:r>
+              <a:rPr lang="en-US" sz="2800" dirty="0" err="1">
+                <a:latin typeface="Segoe UI (Body)"/>
+              </a:rPr>
+              <a:t>InfluxDB</a:t>
+            </a:r>
+            <a:r>
+              <a:rPr lang="en-US" sz="2800" dirty="0">
+                <a:latin typeface="Segoe UI (Body)"/>
+              </a:rPr>
+              <a:t>.</a:t>
+            </a:r>
+          </a:p>
+          <a:p>
+            <a:pPr marL="685800" indent="-685800">
+              <a:buFont typeface="Arial" panose="020B0604020202020204" pitchFamily="34" charset="0"/>
+              <a:buChar char="•"/>
+            </a:pPr>
+            <a:endParaRPr lang="en-US" sz="2800" dirty="0">
+              <a:latin typeface="Segoe UI (Body)"/>
+            </a:endParaRPr>
+          </a:p>
+          <a:p>
+            <a:pPr marL="685800" indent="-685800">
+              <a:buFont typeface="Arial" panose="020B0604020202020204" pitchFamily="34" charset="0"/>
+              <a:buChar char="•"/>
+            </a:pPr>
+            <a:r>
+              <a:rPr lang="en-US" sz="2800" dirty="0">
+                <a:latin typeface="Segoe UI (Body)"/>
+              </a:rPr>
+              <a:t>Add custom user defined functions to detect anomalies.</a:t>
+            </a:r>
+          </a:p>
+          <a:p>
+            <a:pPr marL="685800" indent="-685800">
+              <a:buFont typeface="Arial" panose="020B0604020202020204" pitchFamily="34" charset="0"/>
+              <a:buChar char="•"/>
+            </a:pPr>
+            <a:endParaRPr lang="en-US" sz="2800" dirty="0">
+              <a:latin typeface="Segoe UI (Body)"/>
+            </a:endParaRPr>
+          </a:p>
+          <a:p>
+            <a:pPr marL="685800" indent="-685800">
+              <a:buFont typeface="Arial" panose="020B0604020202020204" pitchFamily="34" charset="0"/>
+              <a:buChar char="•"/>
+            </a:pPr>
+            <a:r>
+              <a:rPr lang="en-US" sz="2800" dirty="0">
+                <a:latin typeface="Segoe UI (Body)"/>
+              </a:rPr>
+              <a:t>Integrate with HipChat, </a:t>
+            </a:r>
+            <a:r>
+              <a:rPr lang="en-US" sz="2800" dirty="0" err="1">
+                <a:latin typeface="Segoe UI (Body)"/>
+              </a:rPr>
+              <a:t>OpsGenie</a:t>
+            </a:r>
+            <a:r>
+              <a:rPr lang="en-US" sz="2800" dirty="0">
+                <a:latin typeface="Segoe UI (Body)"/>
+              </a:rPr>
+              <a:t>, </a:t>
+            </a:r>
+            <a:r>
+              <a:rPr lang="en-US" sz="2800" dirty="0" err="1">
+                <a:latin typeface="Segoe UI (Body)"/>
+              </a:rPr>
+              <a:t>Alerta</a:t>
+            </a:r>
+            <a:r>
+              <a:rPr lang="en-US" sz="2800" dirty="0">
+                <a:latin typeface="Segoe UI (Body)"/>
+              </a:rPr>
+              <a:t>, </a:t>
+            </a:r>
+            <a:r>
+              <a:rPr lang="en-US" sz="2800" dirty="0" err="1">
+                <a:latin typeface="Segoe UI (Body)"/>
+              </a:rPr>
+              <a:t>Sensu</a:t>
+            </a:r>
+            <a:r>
+              <a:rPr lang="en-US" sz="2800" dirty="0">
+                <a:latin typeface="Segoe UI (Body)"/>
+              </a:rPr>
+              <a:t>, PagerDuty, Slack, and more.</a:t>
+            </a:r>
+          </a:p>
+        </p:txBody>
+      </p:sp>
+      <p:pic>
+        <p:nvPicPr>
+          <p:cNvPr id="6" name="Picture 2">
+            <a:extLst>
+              <a:ext uri="{FF2B5EF4-FFF2-40B4-BE49-F238E27FC236}">
+                <a16:creationId xmlns:a16="http://schemas.microsoft.com/office/drawing/2014/main" id="{21387575-4C0F-42B3-9333-10127C53DE81}"/>
+              </a:ext>
+            </a:extLst>
+          </p:cNvPr>
+          <p:cNvPicPr>
+            <a:picLocks noChangeAspect="1" noChangeArrowheads="1"/>
+          </p:cNvPicPr>
+          <p:nvPr/>
+        </p:nvPicPr>
+        <p:blipFill>
+          <a:blip r:embed="rId4">
+            <a:extLst>
+              <a:ext uri="{28A0092B-C50C-407E-A947-70E740481C1C}">
+                <a14:useLocalDpi xmlns:a14="http://schemas.microsoft.com/office/drawing/2010/main" val="0"/>
+              </a:ext>
+            </a:extLst>
+          </a:blip>
+          <a:srcRect/>
+          <a:stretch>
+            <a:fillRect/>
+          </a:stretch>
+        </p:blipFill>
+        <p:spPr bwMode="auto">
+          <a:xfrm>
+            <a:off x="10606531" y="5433480"/>
+            <a:ext cx="1045317" cy="1045317"/>
+          </a:xfrm>
+          <a:prstGeom prst="rect">
+            <a:avLst/>
+          </a:prstGeom>
+          <a:noFill/>
+          <a:extLst>
+            <a:ext uri="{909E8E84-426E-40DD-AFC4-6F175D3DCCD1}">
+              <a14:hiddenFill xmlns:a14="http://schemas.microsoft.com/office/drawing/2010/main">
+                <a:solidFill>
+                  <a:srgbClr val="FFFFFF"/>
+                </a:solidFill>
+              </a14:hiddenFill>
+            </a:ext>
+          </a:extLst>
+        </p:spPr>
+      </p:pic>
+    </p:spTree>
+    <p:extLst>
+      <p:ext uri="{BB962C8B-B14F-4D97-AF65-F5344CB8AC3E}">
+        <p14:creationId xmlns:p14="http://schemas.microsoft.com/office/powerpoint/2010/main" val="4082423357"/>
+      </p:ext>
+    </p:extLst>
+  </p:cSld>
+  <p:clrMapOvr>
+    <a:masterClrMapping/>
+  </p:clrMapOvr>
+  <p:transition>
+    <p:fade/>
+  </p:transition>
+</p:sld>
+</file>
+
+<file path=ppt/slides/slide21.xml><?xml version="1.0" encoding="utf-8"?>
+<p:sld xmlns:a="http://schemas.openxmlformats.org/drawingml/2006/main" xmlns:r="http://schemas.openxmlformats.org/officeDocument/2006/relationships" xmlns:p="http://schemas.openxmlformats.org/presentationml/2006/main">
+  <p:cSld>
+    <p:spTree>
+      <p:nvGrpSpPr>
+        <p:cNvPr id="1" name=""/>
+        <p:cNvGrpSpPr/>
+        <p:nvPr/>
+      </p:nvGrpSpPr>
+      <p:grpSpPr>
+        <a:xfrm>
+          <a:off x="0" y="0"/>
+          <a:ext cx="0" cy="0"/>
+          <a:chOff x="0" y="0"/>
+          <a:chExt cx="0" cy="0"/>
+        </a:xfrm>
+      </p:grpSpPr>
+      <p:sp>
+        <p:nvSpPr>
+          <p:cNvPr id="2" name="Title 1">
+            <a:extLst>
+              <a:ext uri="{FF2B5EF4-FFF2-40B4-BE49-F238E27FC236}">
                 <a16:creationId xmlns:a16="http://schemas.microsoft.com/office/drawing/2014/main" id="{89E36756-4ECC-4563-9847-79578B809B5C}"/>
               </a:ext>
             </a:extLst>
@@ -13759,7 +14950,9 @@
               <a:buChar char="•"/>
             </a:pPr>
             <a:r>
-              <a:rPr lang="en-US" sz="3000" dirty="0"/>
+              <a:rPr lang="en-US" sz="3000" dirty="0">
+                <a:latin typeface="Segoe UI (Body)"/>
+              </a:rPr>
               <a:t>set of activities undertaken to maintain a system in operable condition and may be limited to an observation of current system states, with maintenance and repair being prompted by these observations.</a:t>
             </a:r>
           </a:p>
@@ -13768,8 +14961,19 @@
               <a:buFont typeface="Arial" panose="020B0604020202020204" pitchFamily="34" charset="0"/>
               <a:buChar char="•"/>
             </a:pPr>
-            <a:r>
-              <a:rPr lang="en-US" sz="3000" dirty="0"/>
+            <a:endParaRPr lang="en-US" sz="3000" dirty="0">
+              <a:latin typeface="Segoe UI (Body)"/>
+            </a:endParaRPr>
+          </a:p>
+          <a:p>
+            <a:pPr marL="457200" indent="-457200">
+              <a:buFont typeface="Arial" panose="020B0604020202020204" pitchFamily="34" charset="0"/>
+              <a:buChar char="•"/>
+            </a:pPr>
+            <a:r>
+              <a:rPr lang="en-US" sz="3000" dirty="0">
+                <a:latin typeface="Segoe UI (Body)"/>
+              </a:rPr>
               <a:t>process of requesting health status with given interval and log it to own data storage</a:t>
             </a:r>
           </a:p>
@@ -14061,8 +15265,8 @@
         </p:nvSpPr>
         <p:spPr>
           <a:xfrm>
-            <a:off x="692552" y="1178284"/>
-            <a:ext cx="11384928" cy="1085565"/>
+            <a:off x="387752" y="1178284"/>
+            <a:ext cx="11689728" cy="1085565"/>
           </a:xfrm>
           <a:prstGeom prst="rect">
             <a:avLst/>
@@ -14109,7 +15313,9 @@
               <a:buChar char="•"/>
             </a:pPr>
             <a:r>
-              <a:rPr lang="en-US" sz="3000" dirty="0"/>
+              <a:rPr lang="en-US" sz="3000" dirty="0">
+                <a:latin typeface="Segoe UI (Body)"/>
+              </a:rPr>
               <a:t>available out-of-box</a:t>
             </a:r>
           </a:p>
@@ -14119,7 +15325,9 @@
               <a:buChar char="•"/>
             </a:pPr>
             <a:r>
-              <a:rPr lang="en-US" sz="3000" dirty="0"/>
+              <a:rPr lang="en-US" sz="3000" dirty="0">
+                <a:latin typeface="Segoe UI (Body)"/>
+              </a:rPr>
               <a:t>most primitive way to make it work is just to enable it in Startup class</a:t>
             </a:r>
           </a:p>
@@ -14141,7 +15349,7 @@
         </p:nvSpPr>
         <p:spPr bwMode="auto">
           <a:xfrm>
-            <a:off x="266921" y="2663959"/>
+            <a:off x="6402729" y="2592481"/>
             <a:ext cx="5674751" cy="1790193"/>
           </a:xfrm>
           <a:prstGeom prst="rect">
@@ -14707,7 +15915,7 @@
         </p:nvSpPr>
         <p:spPr bwMode="auto">
           <a:xfrm>
-            <a:off x="6385016" y="2846010"/>
+            <a:off x="387752" y="2452204"/>
             <a:ext cx="5674751" cy="2067192"/>
           </a:xfrm>
           <a:prstGeom prst="rect">
@@ -18931,7 +20139,9 @@
               <a:buChar char="•"/>
             </a:pPr>
             <a:r>
-              <a:rPr lang="en-US" sz="3000" dirty="0"/>
+              <a:rPr lang="en-US" sz="3000" dirty="0">
+                <a:latin typeface="Segoe UI (Body)"/>
+              </a:rPr>
               <a:t>numbers that tell you important information about a process under question</a:t>
             </a:r>
           </a:p>
@@ -18940,8 +20150,19 @@
               <a:buFont typeface="Arial" panose="020B0604020202020204" pitchFamily="34" charset="0"/>
               <a:buChar char="•"/>
             </a:pPr>
-            <a:r>
-              <a:rPr lang="en-US" sz="3000" dirty="0"/>
+            <a:endParaRPr lang="en-US" sz="3000" dirty="0">
+              <a:latin typeface="Segoe UI (Body)"/>
+            </a:endParaRPr>
+          </a:p>
+          <a:p>
+            <a:pPr marL="457200" indent="-457200">
+              <a:buFont typeface="Arial" panose="020B0604020202020204" pitchFamily="34" charset="0"/>
+              <a:buChar char="•"/>
+            </a:pPr>
+            <a:r>
+              <a:rPr lang="en-US" sz="3000" dirty="0">
+                <a:latin typeface="Segoe UI (Body)"/>
+              </a:rPr>
               <a:t>accurate measurements about how the process is functioning and provide base for you to suggest improvements</a:t>
             </a:r>
           </a:p>
@@ -19025,8 +20246,8 @@
         </p:nvSpPr>
         <p:spPr>
           <a:xfrm>
-            <a:off x="540152" y="1377531"/>
-            <a:ext cx="11384928" cy="6527978"/>
+            <a:off x="228148" y="920331"/>
+            <a:ext cx="11384928" cy="5494757"/>
           </a:xfrm>
           <a:prstGeom prst="rect">
             <a:avLst/>
@@ -19069,47 +20290,91 @@
           </a:lstStyle>
           <a:p>
             <a:pPr marL="342900" indent="-342900">
+              <a:lnSpc>
+                <a:spcPct val="100000"/>
+              </a:lnSpc>
               <a:buFont typeface="Arial" panose="020B0604020202020204" pitchFamily="34" charset="0"/>
               <a:buChar char="•"/>
             </a:pPr>
             <a:r>
-              <a:rPr lang="en-US" sz="2500" dirty="0"/>
+              <a:rPr lang="en-US" sz="2500" dirty="0">
+                <a:latin typeface="Segoe UI (Body)"/>
+              </a:rPr>
               <a:t>open-source and cross-platform .NET library used to record metrics within an application.</a:t>
             </a:r>
           </a:p>
           <a:p>
             <a:pPr marL="342900" indent="-342900">
+              <a:lnSpc>
+                <a:spcPct val="100000"/>
+              </a:lnSpc>
               <a:buFont typeface="Arial" panose="020B0604020202020204" pitchFamily="34" charset="0"/>
               <a:buChar char="•"/>
             </a:pPr>
-            <a:r>
-              <a:rPr lang="en-US" sz="2500" dirty="0"/>
-              <a:t>abstracts away the underlaying repository of your Metrics for example </a:t>
-            </a:r>
-            <a:r>
-              <a:rPr lang="en-US" sz="2500" dirty="0" err="1"/>
-              <a:t>InfluxDB</a:t>
-            </a:r>
-            <a:r>
-              <a:rPr lang="en-US" sz="2500" dirty="0"/>
-              <a:t>, Graphite, Elasticsearch </a:t>
-            </a:r>
-            <a:r>
-              <a:rPr lang="en-US" sz="2500" dirty="0" err="1"/>
-              <a:t>etc</a:t>
-            </a:r>
-            <a:r>
-              <a:rPr lang="en-US" sz="2500" dirty="0"/>
-              <a:t>, by sampling and aggregating in memory and providing extensibility points to flush metrics to a repository at a specified interval</a:t>
-            </a:r>
+            <a:endParaRPr lang="en-US" sz="2500" dirty="0">
+              <a:latin typeface="Segoe UI (Body)"/>
+            </a:endParaRPr>
           </a:p>
           <a:p>
             <a:pPr marL="342900" indent="-342900">
+              <a:lnSpc>
+                <a:spcPct val="100000"/>
+              </a:lnSpc>
               <a:buFont typeface="Arial" panose="020B0604020202020204" pitchFamily="34" charset="0"/>
               <a:buChar char="•"/>
             </a:pPr>
             <a:r>
-              <a:rPr lang="en-US" sz="2500" dirty="0"/>
+              <a:rPr lang="en-US" sz="2500" dirty="0">
+                <a:latin typeface="Segoe UI (Body)"/>
+              </a:rPr>
+              <a:t>provides extensibility points to flush metrics to a repository at a specified interval to </a:t>
+            </a:r>
+            <a:r>
+              <a:rPr lang="en-US" sz="2500" dirty="0" err="1">
+                <a:latin typeface="Segoe UI (Body)"/>
+              </a:rPr>
+              <a:t>InfluxDB</a:t>
+            </a:r>
+            <a:r>
+              <a:rPr lang="en-US" sz="2500" dirty="0">
+                <a:latin typeface="Segoe UI (Body)"/>
+              </a:rPr>
+              <a:t>, Graphite, Elasticsearch </a:t>
+            </a:r>
+            <a:r>
+              <a:rPr lang="en-US" sz="2500" dirty="0" err="1">
+                <a:latin typeface="Segoe UI (Body)"/>
+              </a:rPr>
+              <a:t>etc</a:t>
+            </a:r>
+            <a:endParaRPr lang="en-US" sz="2500" dirty="0">
+              <a:latin typeface="Segoe UI (Body)"/>
+            </a:endParaRPr>
+          </a:p>
+          <a:p>
+            <a:pPr marL="342900" indent="-342900">
+              <a:lnSpc>
+                <a:spcPct val="100000"/>
+              </a:lnSpc>
+              <a:buFont typeface="Arial" panose="020B0604020202020204" pitchFamily="34" charset="0"/>
+              <a:buChar char="•"/>
+            </a:pPr>
+            <a:endParaRPr lang="en-US" sz="2500" dirty="0">
+              <a:latin typeface="Segoe UI (Body)"/>
+            </a:endParaRPr>
+          </a:p>
+          <a:p>
+            <a:pPr marL="342900" indent="-342900">
+              <a:lnSpc>
+                <a:spcPct val="100000"/>
+              </a:lnSpc>
+              <a:buFont typeface="Arial" panose="020B0604020202020204" pitchFamily="34" charset="0"/>
+              <a:buChar char="•"/>
+            </a:pPr>
+            <a:r>
+              <a:rPr lang="en-US" sz="2500" dirty="0">
+                <a:latin typeface="Segoe UI (Body)"/>
+              </a:rPr>
               <a:t>provides various metric types to measure things such as:</a:t>
             </a:r>
           </a:p>
@@ -19134,7 +20399,7 @@
                   </a:gsLst>
                   <a:lin ang="5400000" scaled="0"/>
                 </a:gradFill>
-                <a:latin typeface="+mj-lt"/>
+                <a:latin typeface="Segoe UI (Body)"/>
                 <a:cs typeface="Segoe UI" pitchFamily="34" charset="0"/>
               </a:rPr>
               <a:t>the rate of requests</a:t>
@@ -19161,7 +20426,7 @@
                   </a:gsLst>
                   <a:lin ang="5400000" scaled="0"/>
                 </a:gradFill>
-                <a:latin typeface="+mj-lt"/>
+                <a:latin typeface="Segoe UI (Body)"/>
                 <a:cs typeface="Segoe UI" pitchFamily="34" charset="0"/>
               </a:rPr>
               <a:t>counting the number of user logins over time</a:t>
@@ -19188,7 +20453,7 @@
                   </a:gsLst>
                   <a:lin ang="5400000" scaled="0"/>
                 </a:gradFill>
-                <a:latin typeface="+mj-lt"/>
+                <a:latin typeface="Segoe UI (Body)"/>
                 <a:cs typeface="Segoe UI" pitchFamily="34" charset="0"/>
               </a:rPr>
               <a:t>measure the time taken to execute a database query</a:t>
@@ -19215,42 +20480,84 @@
                   </a:gsLst>
                   <a:lin ang="5400000" scaled="0"/>
                 </a:gradFill>
-                <a:latin typeface="+mj-lt"/>
+                <a:latin typeface="Segoe UI (Body)"/>
                 <a:cs typeface="Segoe UI" pitchFamily="34" charset="0"/>
               </a:rPr>
               <a:t>measure the amount of free memory and so on</a:t>
             </a:r>
           </a:p>
           <a:p>
-            <a:pPr marL="342900" indent="-342900">
+            <a:pPr marL="800100" lvl="1" indent="-342900">
               <a:buFont typeface="Arial" panose="020B0604020202020204" pitchFamily="34" charset="0"/>
               <a:buChar char="•"/>
             </a:pPr>
-            <a:r>
-              <a:rPr lang="en-US" sz="2500" dirty="0"/>
-              <a:t>metrics types supported: Gauges, Counters, Meters, Histograms and Timers and Application Performance Indexes </a:t>
-            </a:r>
-            <a:r>
-              <a:rPr lang="en-US" sz="2500" u="sng" dirty="0" err="1">
-                <a:hlinkClick r:id="rId3"/>
-              </a:rPr>
-              <a:t>Apdex</a:t>
-            </a:r>
-            <a:endParaRPr lang="en-US" sz="2500" u="sng" dirty="0"/>
+            <a:endParaRPr lang="en-US" sz="2500" spc="-100" dirty="0">
+              <a:ln w="3175">
+                <a:noFill/>
+              </a:ln>
+              <a:gradFill>
+                <a:gsLst>
+                  <a:gs pos="1250">
+                    <a:schemeClr val="tx1"/>
+                  </a:gs>
+                  <a:gs pos="100000">
+                    <a:schemeClr val="tx1"/>
+                  </a:gs>
+                </a:gsLst>
+                <a:lin ang="5400000" scaled="0"/>
+              </a:gradFill>
+              <a:latin typeface="Segoe UI (Body)"/>
+              <a:cs typeface="Segoe UI" pitchFamily="34" charset="0"/>
+            </a:endParaRPr>
           </a:p>
           <a:p>
             <a:pPr marL="342900" indent="-342900">
+              <a:lnSpc>
+                <a:spcPct val="100000"/>
+              </a:lnSpc>
               <a:buFont typeface="Arial" panose="020B0604020202020204" pitchFamily="34" charset="0"/>
               <a:buChar char="•"/>
             </a:pPr>
-            <a:endParaRPr lang="en-US" sz="2500" u="sng" dirty="0"/>
+            <a:r>
+              <a:rPr lang="en-US" sz="2500" dirty="0">
+                <a:latin typeface="Segoe UI (Body)"/>
+              </a:rPr>
+              <a:t>metrics types supported: Gauges, Counters, Meters, Histograms and Timers and Application Performance Indexes </a:t>
+            </a:r>
+            <a:r>
+              <a:rPr lang="en-US" sz="2500" u="sng" dirty="0" err="1">
+                <a:latin typeface="Segoe UI (Body)"/>
+                <a:hlinkClick r:id="rId3"/>
+              </a:rPr>
+              <a:t>Apdex</a:t>
+            </a:r>
+            <a:endParaRPr lang="en-US" sz="2500" u="sng" dirty="0">
+              <a:latin typeface="Segoe UI (Body)"/>
+            </a:endParaRPr>
           </a:p>
           <a:p>
             <a:pPr marL="342900" indent="-342900">
+              <a:lnSpc>
+                <a:spcPct val="100000"/>
+              </a:lnSpc>
               <a:buFont typeface="Arial" panose="020B0604020202020204" pitchFamily="34" charset="0"/>
               <a:buChar char="•"/>
             </a:pPr>
-            <a:endParaRPr lang="en-US" sz="2500" dirty="0"/>
+            <a:endParaRPr lang="en-US" sz="2500" u="sng" dirty="0">
+              <a:latin typeface="Segoe UI (Body)"/>
+            </a:endParaRPr>
+          </a:p>
+          <a:p>
+            <a:pPr marL="342900" indent="-342900">
+              <a:lnSpc>
+                <a:spcPct val="100000"/>
+              </a:lnSpc>
+              <a:buFont typeface="Arial" panose="020B0604020202020204" pitchFamily="34" charset="0"/>
+              <a:buChar char="•"/>
+            </a:pPr>
+            <a:endParaRPr lang="en-US" sz="2500" dirty="0">
+              <a:latin typeface="Segoe UI (Body)"/>
+            </a:endParaRPr>
           </a:p>
         </p:txBody>
       </p:sp>
